--- a/English/4. Analysing data/2.Filter.pptx
+++ b/English/4. Analysing data/2.Filter.pptx
@@ -30,7 +30,7 @@
   <p:notesSz cx="6858000" cy="9144000"/>
   <p:defaultTextStyle>
     <a:defPPr>
-      <a:defRPr lang="en-US"/>
+      <a:defRPr lang="en"/>
     </a:defPPr>
     <a:lvl1pPr marL="0" algn="l" defTabSz="914400" rtl="0" eaLnBrk="1" latinLnBrk="0" hangingPunct="1">
       <a:defRPr sz="1800" kern="1200">
@@ -213,7 +213,7 @@
           <a:p>
             <a:fld id="{056BA3B8-9F76-4D81-B71D-76CB85363062}" type="datetimeFigureOut">
               <a:rPr lang="en-US" smtClean="0"/>
-              <a:t>1/3/2025</a:t>
+              <a:t>3/5/2025</a:t>
             </a:fld>
             <a:endParaRPr lang="en-US"/>
           </a:p>
@@ -612,7 +612,7 @@
           <a:p>
             <a:fld id="{6F01DA4D-20EA-48D2-973C-0311EC3005D6}" type="datetimeFigureOut">
               <a:rPr lang="en-US" smtClean="0"/>
-              <a:t>1/3/2025</a:t>
+              <a:t>3/5/2025</a:t>
             </a:fld>
             <a:endParaRPr lang="en-US"/>
           </a:p>
@@ -782,7 +782,7 @@
           <a:p>
             <a:fld id="{6F01DA4D-20EA-48D2-973C-0311EC3005D6}" type="datetimeFigureOut">
               <a:rPr lang="en-US" smtClean="0"/>
-              <a:t>1/3/2025</a:t>
+              <a:t>3/5/2025</a:t>
             </a:fld>
             <a:endParaRPr lang="en-US"/>
           </a:p>
@@ -962,7 +962,7 @@
           <a:p>
             <a:fld id="{6F01DA4D-20EA-48D2-973C-0311EC3005D6}" type="datetimeFigureOut">
               <a:rPr lang="en-US" smtClean="0"/>
-              <a:t>1/3/2025</a:t>
+              <a:t>3/5/2025</a:t>
             </a:fld>
             <a:endParaRPr lang="en-US"/>
           </a:p>
@@ -1132,7 +1132,7 @@
           <a:p>
             <a:fld id="{6F01DA4D-20EA-48D2-973C-0311EC3005D6}" type="datetimeFigureOut">
               <a:rPr lang="en-US" smtClean="0"/>
-              <a:t>1/3/2025</a:t>
+              <a:t>3/5/2025</a:t>
             </a:fld>
             <a:endParaRPr lang="en-US"/>
           </a:p>
@@ -1378,7 +1378,7 @@
           <a:p>
             <a:fld id="{6F01DA4D-20EA-48D2-973C-0311EC3005D6}" type="datetimeFigureOut">
               <a:rPr lang="en-US" smtClean="0"/>
-              <a:t>1/3/2025</a:t>
+              <a:t>3/5/2025</a:t>
             </a:fld>
             <a:endParaRPr lang="en-US"/>
           </a:p>
@@ -1610,7 +1610,7 @@
           <a:p>
             <a:fld id="{6F01DA4D-20EA-48D2-973C-0311EC3005D6}" type="datetimeFigureOut">
               <a:rPr lang="en-US" smtClean="0"/>
-              <a:t>1/3/2025</a:t>
+              <a:t>3/5/2025</a:t>
             </a:fld>
             <a:endParaRPr lang="en-US"/>
           </a:p>
@@ -1977,7 +1977,7 @@
           <a:p>
             <a:fld id="{6F01DA4D-20EA-48D2-973C-0311EC3005D6}" type="datetimeFigureOut">
               <a:rPr lang="en-US" smtClean="0"/>
-              <a:t>1/3/2025</a:t>
+              <a:t>3/5/2025</a:t>
             </a:fld>
             <a:endParaRPr lang="en-US"/>
           </a:p>
@@ -2095,7 +2095,7 @@
           <a:p>
             <a:fld id="{6F01DA4D-20EA-48D2-973C-0311EC3005D6}" type="datetimeFigureOut">
               <a:rPr lang="en-US" smtClean="0"/>
-              <a:t>1/3/2025</a:t>
+              <a:t>3/5/2025</a:t>
             </a:fld>
             <a:endParaRPr lang="en-US"/>
           </a:p>
@@ -2190,7 +2190,7 @@
           <a:p>
             <a:fld id="{6F01DA4D-20EA-48D2-973C-0311EC3005D6}" type="datetimeFigureOut">
               <a:rPr lang="en-US" smtClean="0"/>
-              <a:t>1/3/2025</a:t>
+              <a:t>3/5/2025</a:t>
             </a:fld>
             <a:endParaRPr lang="en-US"/>
           </a:p>
@@ -2467,7 +2467,7 @@
           <a:p>
             <a:fld id="{6F01DA4D-20EA-48D2-973C-0311EC3005D6}" type="datetimeFigureOut">
               <a:rPr lang="en-US" smtClean="0"/>
-              <a:t>1/3/2025</a:t>
+              <a:t>3/5/2025</a:t>
             </a:fld>
             <a:endParaRPr lang="en-US"/>
           </a:p>
@@ -2720,7 +2720,7 @@
           <a:p>
             <a:fld id="{6F01DA4D-20EA-48D2-973C-0311EC3005D6}" type="datetimeFigureOut">
               <a:rPr lang="en-US" smtClean="0"/>
-              <a:t>1/3/2025</a:t>
+              <a:t>3/5/2025</a:t>
             </a:fld>
             <a:endParaRPr lang="en-US"/>
           </a:p>
@@ -2933,7 +2933,7 @@
           <a:p>
             <a:fld id="{6F01DA4D-20EA-48D2-973C-0311EC3005D6}" type="datetimeFigureOut">
               <a:rPr lang="en-US" smtClean="0"/>
-              <a:t>1/3/2025</a:t>
+              <a:t>3/5/2025</a:t>
             </a:fld>
             <a:endParaRPr lang="en-US"/>
           </a:p>
@@ -3368,8 +3368,8 @@
           </a:bodyPr>
           <a:lstStyle/>
           <a:p>
-            <a:r>
-              <a:rPr lang="en-US" sz="8000" b="1" dirty="0" smtClean="0">
+            <a:r xmlns:a="http://schemas.openxmlformats.org/drawingml/2006/main">
+              <a:rPr lang="en" sz="8000" b="1" dirty="0" smtClean="0">
                 <a:solidFill>
                   <a:srgbClr val="7030A0"/>
                 </a:solidFill>
@@ -3379,7 +3379,7 @@
               </a:rPr>
               <a:t>Filter</a:t>
             </a:r>
-            <a:endParaRPr lang="en-US" sz="8000" b="1" dirty="0">
+            <a:endParaRPr xmlns:a="http://schemas.openxmlformats.org/drawingml/2006/main" lang="en-US" sz="8000" b="1" dirty="0">
               <a:solidFill>
                 <a:srgbClr val="7030A0"/>
               </a:solidFill>
@@ -3412,8 +3412,8 @@
           </a:bodyPr>
           <a:lstStyle/>
           <a:p>
-            <a:r>
-              <a:rPr lang="en-US" sz="8000" b="1" dirty="0" smtClean="0">
+            <a:r xmlns:a="http://schemas.openxmlformats.org/drawingml/2006/main">
+              <a:rPr lang="en" sz="8000" b="1" dirty="0" smtClean="0">
                 <a:solidFill>
                   <a:schemeClr val="bg1"/>
                 </a:solidFill>
@@ -3423,7 +3423,7 @@
               </a:rPr>
               <a:t>Filter</a:t>
             </a:r>
-            <a:endParaRPr lang="en-US" sz="8000" b="1" dirty="0">
+            <a:endParaRPr xmlns:a="http://schemas.openxmlformats.org/drawingml/2006/main" lang="en-US" sz="8000" b="1" dirty="0">
               <a:solidFill>
                 <a:schemeClr val="bg1"/>
               </a:solidFill>
@@ -3486,62 +3486,16 @@
           </a:bodyPr>
           <a:lstStyle/>
           <a:p>
-            <a:r>
-              <a:rPr lang="en-US" sz="3200" dirty="0" smtClean="0">
+            <a:r xmlns:a="http://schemas.openxmlformats.org/drawingml/2006/main">
+              <a:rPr lang="en" sz="3200" dirty="0" smtClean="0">
                 <a:latin typeface="Segoe UI" panose="020B0502040204020203" pitchFamily="34" charset="0"/>
                 <a:cs typeface="Segoe UI" panose="020B0502040204020203" pitchFamily="34" charset="0"/>
               </a:rPr>
               <a:t>Filter</a:t>
             </a:r>
-            <a:endParaRPr lang="en-US" sz="3200" dirty="0">
+            <a:endParaRPr xmlns:a="http://schemas.openxmlformats.org/drawingml/2006/main" lang="en-US" sz="3200" dirty="0">
               <a:latin typeface="Segoe UI" panose="020B0502040204020203" pitchFamily="34" charset="0"/>
               <a:cs typeface="Segoe UI" panose="020B0502040204020203" pitchFamily="34" charset="0"/>
-            </a:endParaRPr>
-          </a:p>
-        </p:txBody>
-      </p:sp>
-      <p:sp>
-        <p:nvSpPr>
-          <p:cNvPr id="2" name="Rectangle 1"/>
-          <p:cNvSpPr/>
-          <p:nvPr/>
-        </p:nvSpPr>
-        <p:spPr>
-          <a:xfrm>
-            <a:off x="309383" y="777279"/>
-            <a:ext cx="11364685" cy="685059"/>
-          </a:xfrm>
-          <a:prstGeom prst="rect">
-            <a:avLst/>
-          </a:prstGeom>
-        </p:spPr>
-        <p:txBody>
-          <a:bodyPr wrap="square">
-            <a:spAutoFit/>
-          </a:bodyPr>
-          <a:lstStyle/>
-          <a:p>
-            <a:pPr lvl="0">
-              <a:lnSpc>
-                <a:spcPct val="107000"/>
-              </a:lnSpc>
-              <a:spcAft>
-                <a:spcPts val="800"/>
-              </a:spcAft>
-            </a:pPr>
-            <a:r>
-              <a:rPr lang="en-US" dirty="0" smtClean="0">
-                <a:latin typeface="Segoe UI" panose="020B0502040204020203" pitchFamily="34" charset="0"/>
-                <a:ea typeface="Calibri" panose="020F0502020204030204" pitchFamily="34" charset="0"/>
-                <a:cs typeface="Times New Roman" panose="02020603050405020304" pitchFamily="18" charset="0"/>
-              </a:rPr>
-              <a:t>Compare with the visual next to it, notice that the filter is applied only for the case of the visual to the one on the left</a:t>
-            </a:r>
-            <a:endParaRPr lang="en-US" sz="1400" dirty="0">
-              <a:effectLst/>
-              <a:latin typeface="Calibri" panose="020F0502020204030204" pitchFamily="34" charset="0"/>
-              <a:ea typeface="Calibri" panose="020F0502020204030204" pitchFamily="34" charset="0"/>
-              <a:cs typeface="Times New Roman" panose="02020603050405020304" pitchFamily="18" charset="0"/>
             </a:endParaRPr>
           </a:p>
         </p:txBody>
@@ -3585,6 +3539,375 @@
           </a:effectLst>
         </p:spPr>
       </p:pic>
+      <p:sp>
+        <p:nvSpPr>
+          <p:cNvPr id="3" name="Rectangle 1"/>
+          <p:cNvSpPr>
+            <a:spLocks noChangeArrowheads="1"/>
+          </p:cNvSpPr>
+          <p:nvPr/>
+        </p:nvSpPr>
+        <p:spPr bwMode="auto">
+          <a:xfrm>
+            <a:off x="309384" y="730743"/>
+            <a:ext cx="8981946" cy="646331"/>
+          </a:xfrm>
+          <a:prstGeom prst="rect">
+            <a:avLst/>
+          </a:prstGeom>
+          <a:noFill/>
+          <a:ln>
+            <a:noFill/>
+          </a:ln>
+          <a:effectLst/>
+          <a:extLst>
+            <a:ext uri="{909E8E84-426E-40DD-AFC4-6F175D3DCCD1}">
+              <a14:hiddenFill xmlns:a14="http://schemas.microsoft.com/office/drawing/2010/main">
+                <a:solidFill>
+                  <a:schemeClr val="accent1"/>
+                </a:solidFill>
+              </a14:hiddenFill>
+            </a:ext>
+            <a:ext uri="{91240B29-F687-4F45-9708-019B960494DF}">
+              <a14:hiddenLine xmlns:a14="http://schemas.microsoft.com/office/drawing/2010/main" w="9525">
+                <a:solidFill>
+                  <a:schemeClr val="tx1"/>
+                </a:solidFill>
+                <a:miter lim="800000"/>
+                <a:headEnd/>
+                <a:tailEnd/>
+              </a14:hiddenLine>
+            </a:ext>
+            <a:ext uri="{AF507438-7753-43E0-B8FC-AC1667EBCBE1}">
+              <a14:hiddenEffects xmlns:a14="http://schemas.microsoft.com/office/drawing/2010/main">
+                <a:effectLst>
+                  <a:outerShdw dist="35921" dir="2700000" algn="ctr" rotWithShape="0">
+                    <a:schemeClr val="bg2"/>
+                  </a:outerShdw>
+                </a:effectLst>
+              </a14:hiddenEffects>
+            </a:ext>
+          </a:extLst>
+        </p:spPr>
+        <p:txBody>
+          <a:bodyPr vert="horz" wrap="none" lIns="91440" tIns="45720" rIns="91440" bIns="45720" numCol="1" anchor="ctr" anchorCtr="0" compatLnSpc="1">
+            <a:prstTxWarp prst="textNoShape">
+              <a:avLst/>
+            </a:prstTxWarp>
+            <a:spAutoFit/>
+          </a:bodyPr>
+          <a:lstStyle/>
+          <a:p>
+            <a:pPr xmlns:a="http://schemas.openxmlformats.org/drawingml/2006/main" marL="0" marR="0" lvl="0" indent="0" algn="l" defTabSz="914400" rtl="0" eaLnBrk="0" fontAlgn="base" latinLnBrk="0" hangingPunct="0">
+              <a:lnSpc>
+                <a:spcPct val="100000"/>
+              </a:lnSpc>
+              <a:spcBef>
+                <a:spcPct val="0"/>
+              </a:spcBef>
+              <a:spcAft>
+                <a:spcPct val="0"/>
+              </a:spcAft>
+              <a:buClrTx/>
+              <a:buSzTx/>
+              <a:buFontTx/>
+              <a:buNone/>
+              <a:tabLst/>
+            </a:pPr>
+            <a:r xmlns:a="http://schemas.openxmlformats.org/drawingml/2006/main">
+              <a:rPr kumimoji="0" lang="en" altLang="en-US" sz="1800" b="0" i="0" u="none" strike="noStrike" cap="none" normalizeH="0" baseline="0" dirty="0" err="1" smtClean="0">
+                <a:ln>
+                  <a:noFill/>
+                </a:ln>
+                <a:solidFill>
+                  <a:schemeClr val="tx1"/>
+                </a:solidFill>
+                <a:effectLst/>
+                <a:latin typeface="Arial" panose="020B0604020202020204" pitchFamily="34" charset="0"/>
+              </a:rPr>
+              <a:t>Compare </a:t>
+            </a:r>
+            <a:r xmlns:a="http://schemas.openxmlformats.org/drawingml/2006/main">
+              <a:rPr kumimoji="0" lang="en" altLang="en-US" sz="1800" b="0" i="0" u="none" strike="noStrike" cap="none" normalizeH="0" baseline="0" dirty="0" smtClean="0">
+                <a:ln>
+                  <a:noFill/>
+                </a:ln>
+                <a:solidFill>
+                  <a:schemeClr val="tx1"/>
+                </a:solidFill>
+                <a:effectLst/>
+                <a:latin typeface="Arial" panose="020B0604020202020204" pitchFamily="34" charset="0"/>
+              </a:rPr>
+              <a:t>with the </a:t>
+            </a:r>
+            <a:r xmlns:a="http://schemas.openxmlformats.org/drawingml/2006/main">
+              <a:rPr kumimoji="0" lang="en" altLang="en-US" sz="1800" b="0" i="0" u="none" strike="noStrike" cap="none" normalizeH="0" baseline="0" dirty="0" err="1" smtClean="0">
+                <a:ln>
+                  <a:noFill/>
+                </a:ln>
+                <a:solidFill>
+                  <a:schemeClr val="tx1"/>
+                </a:solidFill>
+                <a:effectLst/>
+                <a:latin typeface="Arial" panose="020B0604020202020204" pitchFamily="34" charset="0"/>
+              </a:rPr>
+              <a:t>visual </a:t>
+            </a:r>
+            <a:r xmlns:a="http://schemas.openxmlformats.org/drawingml/2006/main">
+              <a:rPr kumimoji="0" lang="en" altLang="en-US" sz="1800" b="0" i="0" u="none" strike="noStrike" cap="none" normalizeH="0" baseline="0" dirty="0" smtClean="0">
+                <a:ln>
+                  <a:noFill/>
+                </a:ln>
+                <a:solidFill>
+                  <a:schemeClr val="tx1"/>
+                </a:solidFill>
+                <a:effectLst/>
+                <a:latin typeface="Arial" panose="020B0604020202020204" pitchFamily="34" charset="0"/>
+              </a:rPr>
+              <a:t>next </a:t>
+            </a:r>
+            <a:r xmlns:a="http://schemas.openxmlformats.org/drawingml/2006/main">
+              <a:rPr kumimoji="0" lang="en" altLang="en-US" sz="1800" b="0" i="0" u="none" strike="noStrike" cap="none" normalizeH="0" baseline="0" dirty="0" err="1" smtClean="0">
+                <a:ln>
+                  <a:noFill/>
+                </a:ln>
+                <a:solidFill>
+                  <a:schemeClr val="tx1"/>
+                </a:solidFill>
+                <a:effectLst/>
+                <a:latin typeface="Arial" panose="020B0604020202020204" pitchFamily="34" charset="0"/>
+              </a:rPr>
+              <a:t>to it </a:t>
+            </a:r>
+            <a:r xmlns:a="http://schemas.openxmlformats.org/drawingml/2006/main">
+              <a:rPr kumimoji="0" lang="en" altLang="en-US" sz="1800" b="0" i="0" u="none" strike="noStrike" cap="none" normalizeH="0" baseline="0" dirty="0" smtClean="0">
+                <a:ln>
+                  <a:noFill/>
+                </a:ln>
+                <a:solidFill>
+                  <a:schemeClr val="tx1"/>
+                </a:solidFill>
+                <a:effectLst/>
+                <a:latin typeface="Arial" panose="020B0604020202020204" pitchFamily="34" charset="0"/>
+              </a:rPr>
+              <a:t>, </a:t>
+            </a:r>
+            <a:r xmlns:a="http://schemas.openxmlformats.org/drawingml/2006/main">
+              <a:rPr kumimoji="0" lang="en" altLang="en-US" sz="1800" b="0" i="0" u="none" strike="noStrike" cap="none" normalizeH="0" baseline="0" dirty="0" err="1" smtClean="0">
+                <a:ln>
+                  <a:noFill/>
+                </a:ln>
+                <a:solidFill>
+                  <a:schemeClr val="tx1"/>
+                </a:solidFill>
+                <a:effectLst/>
+                <a:latin typeface="Arial" panose="020B0604020202020204" pitchFamily="34" charset="0"/>
+              </a:rPr>
+              <a:t>notice </a:t>
+            </a:r>
+            <a:r xmlns:a="http://schemas.openxmlformats.org/drawingml/2006/main">
+              <a:rPr kumimoji="0" lang="en" altLang="en-US" sz="1800" b="0" i="0" u="none" strike="noStrike" cap="none" normalizeH="0" baseline="0" dirty="0" smtClean="0">
+                <a:ln>
+                  <a:noFill/>
+                </a:ln>
+                <a:solidFill>
+                  <a:schemeClr val="tx1"/>
+                </a:solidFill>
+                <a:effectLst/>
+                <a:latin typeface="Arial" panose="020B0604020202020204" pitchFamily="34" charset="0"/>
+              </a:rPr>
+              <a:t>that the </a:t>
+            </a:r>
+            <a:r xmlns:a="http://schemas.openxmlformats.org/drawingml/2006/main">
+              <a:rPr kumimoji="0" lang="en" altLang="en-US" sz="1800" b="0" i="0" u="none" strike="noStrike" cap="none" normalizeH="0" baseline="0" dirty="0" err="1" smtClean="0">
+                <a:ln>
+                  <a:noFill/>
+                </a:ln>
+                <a:solidFill>
+                  <a:schemeClr val="tx1"/>
+                </a:solidFill>
+                <a:effectLst/>
+                <a:latin typeface="Arial" panose="020B0604020202020204" pitchFamily="34" charset="0"/>
+              </a:rPr>
+              <a:t>filter</a:t>
+            </a:r>
+            <a:r xmlns:a="http://schemas.openxmlformats.org/drawingml/2006/main">
+              <a:rPr kumimoji="0" lang="en" altLang="en-US" sz="1800" b="0" i="0" u="none" strike="noStrike" cap="none" normalizeH="0" baseline="0" dirty="0" smtClean="0">
+                <a:ln>
+                  <a:noFill/>
+                </a:ln>
+                <a:solidFill>
+                  <a:schemeClr val="tx1"/>
+                </a:solidFill>
+                <a:effectLst/>
+                <a:latin typeface="Arial" panose="020B0604020202020204" pitchFamily="34" charset="0"/>
+              </a:rPr>
+              <a:t> </a:t>
+            </a:r>
+            <a:r xmlns:a="http://schemas.openxmlformats.org/drawingml/2006/main">
+              <a:rPr kumimoji="0" lang="en" altLang="en-US" sz="1800" b="0" i="0" u="none" strike="noStrike" cap="none" normalizeH="0" baseline="0" dirty="0" err="1" smtClean="0">
+                <a:ln>
+                  <a:noFill/>
+                </a:ln>
+                <a:solidFill>
+                  <a:schemeClr val="tx1"/>
+                </a:solidFill>
+                <a:effectLst/>
+                <a:latin typeface="Arial" panose="020B0604020202020204" pitchFamily="34" charset="0"/>
+              </a:rPr>
+              <a:t>is </a:t>
+            </a:r>
+            <a:r xmlns:a="http://schemas.openxmlformats.org/drawingml/2006/main">
+              <a:rPr kumimoji="0" lang="en" altLang="en-US" sz="1800" b="0" i="0" u="none" strike="noStrike" cap="none" normalizeH="0" baseline="0" dirty="0" smtClean="0">
+                <a:ln>
+                  <a:noFill/>
+                </a:ln>
+                <a:solidFill>
+                  <a:schemeClr val="tx1"/>
+                </a:solidFill>
+                <a:effectLst/>
+                <a:latin typeface="Arial" panose="020B0604020202020204" pitchFamily="34" charset="0"/>
+              </a:rPr>
+              <a:t>applied </a:t>
+            </a:r>
+            <a:r xmlns:a="http://schemas.openxmlformats.org/drawingml/2006/main">
+              <a:rPr kumimoji="0" lang="en" altLang="en-US" sz="1800" b="0" i="0" u="none" strike="noStrike" cap="none" normalizeH="0" baseline="0" dirty="0" err="1" smtClean="0">
+                <a:ln>
+                  <a:noFill/>
+                </a:ln>
+                <a:solidFill>
+                  <a:schemeClr val="tx1"/>
+                </a:solidFill>
+                <a:effectLst/>
+                <a:latin typeface="Arial" panose="020B0604020202020204" pitchFamily="34" charset="0"/>
+              </a:rPr>
+              <a:t>only </a:t>
+            </a:r>
+            <a:r xmlns:a="http://schemas.openxmlformats.org/drawingml/2006/main">
+              <a:rPr kumimoji="0" lang="en" altLang="en-US" sz="1800" b="0" i="0" u="none" strike="noStrike" cap="none" normalizeH="0" baseline="0" dirty="0" smtClean="0">
+                <a:ln>
+                  <a:noFill/>
+                </a:ln>
+                <a:solidFill>
+                  <a:schemeClr val="tx1"/>
+                </a:solidFill>
+                <a:effectLst/>
+                <a:latin typeface="Arial" panose="020B0604020202020204" pitchFamily="34" charset="0"/>
+              </a:rPr>
+              <a:t>for</a:t>
+            </a:r>
+          </a:p>
+          <a:p>
+            <a:pPr xmlns:a="http://schemas.openxmlformats.org/drawingml/2006/main" marL="0" marR="0" lvl="0" indent="0" algn="l" defTabSz="914400" rtl="0" eaLnBrk="0" fontAlgn="base" latinLnBrk="0" hangingPunct="0">
+              <a:lnSpc>
+                <a:spcPct val="100000"/>
+              </a:lnSpc>
+              <a:spcBef>
+                <a:spcPct val="0"/>
+              </a:spcBef>
+              <a:spcAft>
+                <a:spcPct val="0"/>
+              </a:spcAft>
+              <a:buClrTx/>
+              <a:buSzTx/>
+              <a:buFontTx/>
+              <a:buNone/>
+              <a:tabLst/>
+            </a:pPr>
+            <a:r xmlns:a="http://schemas.openxmlformats.org/drawingml/2006/main">
+              <a:rPr kumimoji="0" lang="en" altLang="en-US" sz="1800" b="0" i="0" u="none" strike="noStrike" cap="none" normalizeH="0" baseline="0" dirty="0" smtClean="0">
+                <a:ln>
+                  <a:noFill/>
+                </a:ln>
+                <a:solidFill>
+                  <a:schemeClr val="tx1"/>
+                </a:solidFill>
+                <a:effectLst/>
+                <a:latin typeface="Arial" panose="020B0604020202020204" pitchFamily="34" charset="0"/>
+              </a:rPr>
+              <a:t>the </a:t>
+            </a:r>
+            <a:r xmlns:a="http://schemas.openxmlformats.org/drawingml/2006/main">
+              <a:rPr kumimoji="0" lang="en" altLang="en-US" sz="1800" b="0" i="0" u="none" strike="noStrike" cap="none" normalizeH="0" baseline="0" dirty="0" err="1" smtClean="0">
+                <a:ln>
+                  <a:noFill/>
+                </a:ln>
+                <a:solidFill>
+                  <a:schemeClr val="tx1"/>
+                </a:solidFill>
+                <a:effectLst/>
+                <a:latin typeface="Arial" panose="020B0604020202020204" pitchFamily="34" charset="0"/>
+              </a:rPr>
+              <a:t>case </a:t>
+            </a:r>
+            <a:r xmlns:a="http://schemas.openxmlformats.org/drawingml/2006/main">
+              <a:rPr kumimoji="0" lang="en" altLang="en-US" sz="1800" b="0" i="0" u="none" strike="noStrike" cap="none" normalizeH="0" baseline="0" dirty="0" smtClean="0">
+                <a:ln>
+                  <a:noFill/>
+                </a:ln>
+                <a:solidFill>
+                  <a:schemeClr val="tx1"/>
+                </a:solidFill>
+                <a:effectLst/>
+                <a:latin typeface="Arial" panose="020B0604020202020204" pitchFamily="34" charset="0"/>
+              </a:rPr>
+              <a:t>of the </a:t>
+            </a:r>
+            <a:r xmlns:a="http://schemas.openxmlformats.org/drawingml/2006/main">
+              <a:rPr kumimoji="0" lang="en" altLang="en-US" sz="1800" b="0" i="0" u="none" strike="noStrike" cap="none" normalizeH="0" baseline="0" dirty="0" err="1" smtClean="0">
+                <a:ln>
+                  <a:noFill/>
+                </a:ln>
+                <a:solidFill>
+                  <a:schemeClr val="tx1"/>
+                </a:solidFill>
+                <a:effectLst/>
+                <a:latin typeface="Arial" panose="020B0604020202020204" pitchFamily="34" charset="0"/>
+              </a:rPr>
+              <a:t>visual</a:t>
+            </a:r>
+            <a:r xmlns:a="http://schemas.openxmlformats.org/drawingml/2006/main">
+              <a:rPr kumimoji="0" lang="en" altLang="en-US" sz="1800" b="0" i="0" u="none" strike="noStrike" cap="none" normalizeH="0" baseline="0" dirty="0" smtClean="0">
+                <a:ln>
+                  <a:noFill/>
+                </a:ln>
+                <a:solidFill>
+                  <a:schemeClr val="tx1"/>
+                </a:solidFill>
+                <a:effectLst/>
+                <a:latin typeface="Arial" panose="020B0604020202020204" pitchFamily="34" charset="0"/>
+              </a:rPr>
+              <a:t> </a:t>
+            </a:r>
+            <a:r xmlns:a="http://schemas.openxmlformats.org/drawingml/2006/main">
+              <a:rPr kumimoji="0" lang="en" altLang="en-US" sz="1800" b="0" i="0" u="none" strike="noStrike" cap="none" normalizeH="0" baseline="0" dirty="0" err="1" smtClean="0">
+                <a:ln>
+                  <a:noFill/>
+                </a:ln>
+                <a:solidFill>
+                  <a:schemeClr val="tx1"/>
+                </a:solidFill>
+                <a:effectLst/>
+                <a:latin typeface="Arial" panose="020B0604020202020204" pitchFamily="34" charset="0"/>
+              </a:rPr>
+              <a:t>located </a:t>
+            </a:r>
+            <a:r xmlns:a="http://schemas.openxmlformats.org/drawingml/2006/main">
+              <a:rPr kumimoji="0" lang="en" altLang="en-US" sz="1800" b="0" i="0" u="none" strike="noStrike" cap="none" normalizeH="0" baseline="0" dirty="0" smtClean="0">
+                <a:ln>
+                  <a:noFill/>
+                </a:ln>
+                <a:solidFill>
+                  <a:schemeClr val="tx1"/>
+                </a:solidFill>
+                <a:effectLst/>
+                <a:latin typeface="Arial" panose="020B0604020202020204" pitchFamily="34" charset="0"/>
+              </a:rPr>
+              <a:t>on the left.</a:t>
+            </a:r>
+          </a:p>
+        </p:txBody>
+      </p:sp>
     </p:spTree>
     <p:extLst>
       <p:ext uri="{BB962C8B-B14F-4D97-AF65-F5344CB8AC3E}">
@@ -3637,62 +3960,16 @@
           </a:bodyPr>
           <a:lstStyle/>
           <a:p>
-            <a:r>
-              <a:rPr lang="en-US" sz="3200" dirty="0" smtClean="0">
+            <a:r xmlns:a="http://schemas.openxmlformats.org/drawingml/2006/main">
+              <a:rPr lang="en" sz="3200" dirty="0" smtClean="0">
                 <a:latin typeface="Segoe UI" panose="020B0502040204020203" pitchFamily="34" charset="0"/>
                 <a:cs typeface="Segoe UI" panose="020B0502040204020203" pitchFamily="34" charset="0"/>
               </a:rPr>
               <a:t>Filter</a:t>
             </a:r>
-            <a:endParaRPr lang="en-US" sz="3200" dirty="0">
+            <a:endParaRPr xmlns:a="http://schemas.openxmlformats.org/drawingml/2006/main" lang="en-US" sz="3200" dirty="0">
               <a:latin typeface="Segoe UI" panose="020B0502040204020203" pitchFamily="34" charset="0"/>
               <a:cs typeface="Segoe UI" panose="020B0502040204020203" pitchFamily="34" charset="0"/>
-            </a:endParaRPr>
-          </a:p>
-        </p:txBody>
-      </p:sp>
-      <p:sp>
-        <p:nvSpPr>
-          <p:cNvPr id="3" name="Rectangle 2"/>
-          <p:cNvSpPr/>
-          <p:nvPr/>
-        </p:nvSpPr>
-        <p:spPr>
-          <a:xfrm>
-            <a:off x="309384" y="827606"/>
-            <a:ext cx="11378436" cy="388696"/>
-          </a:xfrm>
-          <a:prstGeom prst="rect">
-            <a:avLst/>
-          </a:prstGeom>
-        </p:spPr>
-        <p:txBody>
-          <a:bodyPr wrap="square">
-            <a:spAutoFit/>
-          </a:bodyPr>
-          <a:lstStyle/>
-          <a:p>
-            <a:pPr lvl="0">
-              <a:lnSpc>
-                <a:spcPct val="107000"/>
-              </a:lnSpc>
-              <a:spcAft>
-                <a:spcPts val="800"/>
-              </a:spcAft>
-            </a:pPr>
-            <a:r>
-              <a:rPr lang="en-US" dirty="0">
-                <a:latin typeface="Segoe UI" panose="020B0502040204020203" pitchFamily="34" charset="0"/>
-                <a:ea typeface="Calibri" panose="020F0502020204030204" pitchFamily="34" charset="0"/>
-                <a:cs typeface="Times New Roman" panose="02020603050405020304" pitchFamily="18" charset="0"/>
-              </a:rPr>
-              <a:t>Apply the filter at the page level instead of the map visual and notice the change in behavior of all three visuals</a:t>
-            </a:r>
-            <a:endParaRPr lang="en-US" sz="1400" dirty="0">
-              <a:effectLst/>
-              <a:latin typeface="Calibri" panose="020F0502020204030204" pitchFamily="34" charset="0"/>
-              <a:ea typeface="Calibri" panose="020F0502020204030204" pitchFamily="34" charset="0"/>
-              <a:cs typeface="Times New Roman" panose="02020603050405020304" pitchFamily="18" charset="0"/>
             </a:endParaRPr>
           </a:p>
         </p:txBody>
@@ -3718,7 +3995,7 @@
         </p:blipFill>
         <p:spPr bwMode="auto">
           <a:xfrm>
-            <a:off x="438037" y="1339157"/>
+            <a:off x="432021" y="1880578"/>
             <a:ext cx="7317175" cy="3762231"/>
           </a:xfrm>
           <a:prstGeom prst="rect">
@@ -3736,6 +4013,349 @@
           </a:effectLst>
         </p:spPr>
       </p:pic>
+      <p:sp>
+        <p:nvSpPr>
+          <p:cNvPr id="2" name="Rectangle 1"/>
+          <p:cNvSpPr>
+            <a:spLocks noChangeArrowheads="1"/>
+          </p:cNvSpPr>
+          <p:nvPr/>
+        </p:nvSpPr>
+        <p:spPr bwMode="auto">
+          <a:xfrm>
+            <a:off x="309384" y="777279"/>
+            <a:ext cx="9905276" cy="646331"/>
+          </a:xfrm>
+          <a:prstGeom prst="rect">
+            <a:avLst/>
+          </a:prstGeom>
+          <a:noFill/>
+          <a:ln>
+            <a:noFill/>
+          </a:ln>
+          <a:effectLst/>
+          <a:extLst>
+            <a:ext uri="{909E8E84-426E-40DD-AFC4-6F175D3DCCD1}">
+              <a14:hiddenFill xmlns:a14="http://schemas.microsoft.com/office/drawing/2010/main">
+                <a:solidFill>
+                  <a:schemeClr val="accent1"/>
+                </a:solidFill>
+              </a14:hiddenFill>
+            </a:ext>
+            <a:ext uri="{91240B29-F687-4F45-9708-019B960494DF}">
+              <a14:hiddenLine xmlns:a14="http://schemas.microsoft.com/office/drawing/2010/main" w="9525">
+                <a:solidFill>
+                  <a:schemeClr val="tx1"/>
+                </a:solidFill>
+                <a:miter lim="800000"/>
+                <a:headEnd/>
+                <a:tailEnd/>
+              </a14:hiddenLine>
+            </a:ext>
+            <a:ext uri="{AF507438-7753-43E0-B8FC-AC1667EBCBE1}">
+              <a14:hiddenEffects xmlns:a14="http://schemas.microsoft.com/office/drawing/2010/main">
+                <a:effectLst>
+                  <a:outerShdw dist="35921" dir="2700000" algn="ctr" rotWithShape="0">
+                    <a:schemeClr val="bg2"/>
+                  </a:outerShdw>
+                </a:effectLst>
+              </a14:hiddenEffects>
+            </a:ext>
+          </a:extLst>
+        </p:spPr>
+        <p:txBody>
+          <a:bodyPr vert="horz" wrap="none" lIns="91440" tIns="45720" rIns="91440" bIns="45720" numCol="1" anchor="ctr" anchorCtr="0" compatLnSpc="1">
+            <a:prstTxWarp prst="textNoShape">
+              <a:avLst/>
+            </a:prstTxWarp>
+            <a:spAutoFit/>
+          </a:bodyPr>
+          <a:lstStyle/>
+          <a:p>
+            <a:pPr xmlns:a="http://schemas.openxmlformats.org/drawingml/2006/main" marL="0" marR="0" lvl="0" indent="0" algn="l" defTabSz="914400" rtl="0" eaLnBrk="0" fontAlgn="base" latinLnBrk="0" hangingPunct="0">
+              <a:lnSpc>
+                <a:spcPct val="100000"/>
+              </a:lnSpc>
+              <a:spcBef>
+                <a:spcPct val="0"/>
+              </a:spcBef>
+              <a:spcAft>
+                <a:spcPct val="0"/>
+              </a:spcAft>
+              <a:buClrTx/>
+              <a:buSzTx/>
+              <a:buFontTx/>
+              <a:buNone/>
+              <a:tabLst/>
+            </a:pPr>
+            <a:r xmlns:a="http://schemas.openxmlformats.org/drawingml/2006/main">
+              <a:rPr kumimoji="0" lang="en" altLang="en-US" sz="1800" b="0" i="0" u="none" strike="noStrike" cap="none" normalizeH="0" baseline="0" dirty="0" err="1" smtClean="0">
+                <a:ln>
+                  <a:noFill/>
+                </a:ln>
+                <a:solidFill>
+                  <a:schemeClr val="tx1"/>
+                </a:solidFill>
+                <a:effectLst/>
+                <a:latin typeface="Arial" panose="020B0604020202020204" pitchFamily="34" charset="0"/>
+              </a:rPr>
+              <a:t>Apply </a:t>
+            </a:r>
+            <a:r xmlns:a="http://schemas.openxmlformats.org/drawingml/2006/main">
+              <a:rPr kumimoji="0" lang="en" altLang="en-US" sz="1800" b="0" i="0" u="none" strike="noStrike" cap="none" normalizeH="0" baseline="0" dirty="0" smtClean="0">
+                <a:ln>
+                  <a:noFill/>
+                </a:ln>
+                <a:solidFill>
+                  <a:schemeClr val="tx1"/>
+                </a:solidFill>
+                <a:effectLst/>
+                <a:latin typeface="Arial" panose="020B0604020202020204" pitchFamily="34" charset="0"/>
+              </a:rPr>
+              <a:t>the </a:t>
+            </a:r>
+            <a:r xmlns:a="http://schemas.openxmlformats.org/drawingml/2006/main">
+              <a:rPr kumimoji="0" lang="en" altLang="en-US" sz="1800" b="0" i="0" u="none" strike="noStrike" cap="none" normalizeH="0" baseline="0" dirty="0" err="1" smtClean="0">
+                <a:ln>
+                  <a:noFill/>
+                </a:ln>
+                <a:solidFill>
+                  <a:schemeClr val="tx1"/>
+                </a:solidFill>
+                <a:effectLst/>
+                <a:latin typeface="Arial" panose="020B0604020202020204" pitchFamily="34" charset="0"/>
+              </a:rPr>
+              <a:t>filter </a:t>
+            </a:r>
+            <a:r xmlns:a="http://schemas.openxmlformats.org/drawingml/2006/main">
+              <a:rPr kumimoji="0" lang="en" altLang="en-US" sz="1800" b="0" i="0" u="none" strike="noStrike" cap="none" normalizeH="0" baseline="0" dirty="0" smtClean="0">
+                <a:ln>
+                  <a:noFill/>
+                </a:ln>
+                <a:solidFill>
+                  <a:schemeClr val="tx1"/>
+                </a:solidFill>
+                <a:effectLst/>
+                <a:latin typeface="Arial" panose="020B0604020202020204" pitchFamily="34" charset="0"/>
+              </a:rPr>
+              <a:t>at the </a:t>
+            </a:r>
+            <a:r xmlns:a="http://schemas.openxmlformats.org/drawingml/2006/main">
+              <a:rPr kumimoji="0" lang="en" altLang="en-US" sz="1800" b="0" i="0" u="none" strike="noStrike" cap="none" normalizeH="0" baseline="0" dirty="0" smtClean="0">
+                <a:ln>
+                  <a:noFill/>
+                </a:ln>
+                <a:solidFill>
+                  <a:schemeClr val="tx1"/>
+                </a:solidFill>
+                <a:effectLst/>
+                <a:latin typeface="Arial" panose="020B0604020202020204" pitchFamily="34" charset="0"/>
+              </a:rPr>
+              <a:t>page </a:t>
+            </a:r>
+            <a:r xmlns:a="http://schemas.openxmlformats.org/drawingml/2006/main">
+              <a:rPr kumimoji="0" lang="en" altLang="en-US" sz="1800" b="0" i="0" u="none" strike="noStrike" cap="none" normalizeH="0" baseline="0" dirty="0" err="1" smtClean="0">
+                <a:ln>
+                  <a:noFill/>
+                </a:ln>
+                <a:solidFill>
+                  <a:schemeClr val="tx1"/>
+                </a:solidFill>
+                <a:effectLst/>
+                <a:latin typeface="Arial" panose="020B0604020202020204" pitchFamily="34" charset="0"/>
+              </a:rPr>
+              <a:t>level instead of the </a:t>
+            </a:r>
+            <a:r xmlns:a="http://schemas.openxmlformats.org/drawingml/2006/main">
+              <a:rPr kumimoji="0" lang="en" altLang="en-US" sz="1800" b="0" i="0" u="none" strike="noStrike" cap="none" normalizeH="0" baseline="0" dirty="0" smtClean="0">
+                <a:ln>
+                  <a:noFill/>
+                </a:ln>
+                <a:solidFill>
+                  <a:schemeClr val="tx1"/>
+                </a:solidFill>
+                <a:effectLst/>
+                <a:latin typeface="Arial" panose="020B0604020202020204" pitchFamily="34" charset="0"/>
+              </a:rPr>
+              <a:t>map </a:t>
+            </a:r>
+            <a:r xmlns:a="http://schemas.openxmlformats.org/drawingml/2006/main">
+              <a:rPr kumimoji="0" lang="en" altLang="en-US" sz="1800" b="0" i="0" u="none" strike="noStrike" cap="none" normalizeH="0" baseline="0" dirty="0" err="1" smtClean="0">
+                <a:ln>
+                  <a:noFill/>
+                </a:ln>
+                <a:solidFill>
+                  <a:schemeClr val="tx1"/>
+                </a:solidFill>
+                <a:effectLst/>
+                <a:latin typeface="Arial" panose="020B0604020202020204" pitchFamily="34" charset="0"/>
+              </a:rPr>
+              <a:t>visual and </a:t>
+            </a:r>
+            <a:r xmlns:a="http://schemas.openxmlformats.org/drawingml/2006/main">
+              <a:rPr kumimoji="0" lang="en" altLang="en-US" sz="1800" b="0" i="0" u="none" strike="noStrike" cap="none" normalizeH="0" baseline="0" dirty="0" err="1" smtClean="0">
+                <a:ln>
+                  <a:noFill/>
+                </a:ln>
+                <a:solidFill>
+                  <a:schemeClr val="tx1"/>
+                </a:solidFill>
+                <a:effectLst/>
+                <a:latin typeface="Arial" panose="020B0604020202020204" pitchFamily="34" charset="0"/>
+              </a:rPr>
+              <a:t>observe </a:t>
+            </a:r>
+            <a:r xmlns:a="http://schemas.openxmlformats.org/drawingml/2006/main">
+              <a:rPr kumimoji="0" lang="en" altLang="en-US" sz="1800" b="0" i="0" u="none" strike="noStrike" cap="none" normalizeH="0" baseline="0" dirty="0" smtClean="0">
+                <a:ln>
+                  <a:noFill/>
+                </a:ln>
+                <a:solidFill>
+                  <a:schemeClr val="tx1"/>
+                </a:solidFill>
+                <a:effectLst/>
+                <a:latin typeface="Arial" panose="020B0604020202020204" pitchFamily="34" charset="0"/>
+              </a:rPr>
+              <a:t>the </a:t>
+            </a:r>
+            <a:r xmlns:a="http://schemas.openxmlformats.org/drawingml/2006/main">
+              <a:rPr kumimoji="0" lang="en" altLang="en-US" sz="1800" b="0" i="0" u="none" strike="noStrike" cap="none" normalizeH="0" baseline="0" dirty="0" err="1" smtClean="0">
+                <a:ln>
+                  <a:noFill/>
+                </a:ln>
+                <a:solidFill>
+                  <a:schemeClr val="tx1"/>
+                </a:solidFill>
+                <a:effectLst/>
+                <a:latin typeface="Arial" panose="020B0604020202020204" pitchFamily="34" charset="0"/>
+              </a:rPr>
+              <a:t>change</a:t>
+            </a:r>
+            <a:r xmlns:a="http://schemas.openxmlformats.org/drawingml/2006/main">
+              <a:rPr kumimoji="0" lang="en" altLang="en-US" sz="1800" b="0" i="0" u="none" strike="noStrike" cap="none" normalizeH="0" baseline="0" dirty="0" smtClean="0">
+                <a:ln>
+                  <a:noFill/>
+                </a:ln>
+                <a:solidFill>
+                  <a:schemeClr val="tx1"/>
+                </a:solidFill>
+                <a:effectLst/>
+                <a:latin typeface="Arial" panose="020B0604020202020204" pitchFamily="34" charset="0"/>
+              </a:rPr>
+              <a:t> </a:t>
+            </a:r>
+          </a:p>
+          <a:p>
+            <a:pPr xmlns:a="http://schemas.openxmlformats.org/drawingml/2006/main" marL="0" marR="0" lvl="0" indent="0" algn="l" defTabSz="914400" rtl="0" eaLnBrk="0" fontAlgn="base" latinLnBrk="0" hangingPunct="0">
+              <a:lnSpc>
+                <a:spcPct val="100000"/>
+              </a:lnSpc>
+              <a:spcBef>
+                <a:spcPct val="0"/>
+              </a:spcBef>
+              <a:spcAft>
+                <a:spcPct val="0"/>
+              </a:spcAft>
+              <a:buClrTx/>
+              <a:buSzTx/>
+              <a:buFontTx/>
+              <a:buNone/>
+              <a:tabLst/>
+            </a:pPr>
+            <a:r xmlns:a="http://schemas.openxmlformats.org/drawingml/2006/main">
+              <a:rPr kumimoji="0" lang="en" altLang="en-US" sz="1800" b="0" i="0" u="none" strike="noStrike" cap="none" normalizeH="0" baseline="0" dirty="0" smtClean="0">
+                <a:ln>
+                  <a:noFill/>
+                </a:ln>
+                <a:solidFill>
+                  <a:schemeClr val="tx1"/>
+                </a:solidFill>
+                <a:effectLst/>
+                <a:latin typeface="Arial" panose="020B0604020202020204" pitchFamily="34" charset="0"/>
+              </a:rPr>
+              <a:t>of </a:t>
+            </a:r>
+            <a:r xmlns:a="http://schemas.openxmlformats.org/drawingml/2006/main">
+              <a:rPr kumimoji="0" lang="en" altLang="en-US" sz="1800" b="0" i="0" u="none" strike="noStrike" cap="none" normalizeH="0" baseline="0" dirty="0" err="1" smtClean="0">
+                <a:ln>
+                  <a:noFill/>
+                </a:ln>
+                <a:solidFill>
+                  <a:schemeClr val="tx1"/>
+                </a:solidFill>
+                <a:effectLst/>
+                <a:latin typeface="Arial" panose="020B0604020202020204" pitchFamily="34" charset="0"/>
+              </a:rPr>
+              <a:t>behavior </a:t>
+            </a:r>
+            <a:r xmlns:a="http://schemas.openxmlformats.org/drawingml/2006/main">
+              <a:rPr kumimoji="0" lang="en" altLang="en-US" sz="1800" b="0" i="0" u="none" strike="noStrike" cap="none" normalizeH="0" baseline="0" dirty="0" smtClean="0">
+                <a:ln>
+                  <a:noFill/>
+                </a:ln>
+                <a:solidFill>
+                  <a:schemeClr val="tx1"/>
+                </a:solidFill>
+                <a:effectLst/>
+                <a:latin typeface="Arial" panose="020B0604020202020204" pitchFamily="34" charset="0"/>
+              </a:rPr>
+              <a:t>of the </a:t>
+            </a:r>
+            <a:r xmlns:a="http://schemas.openxmlformats.org/drawingml/2006/main">
+              <a:rPr kumimoji="0" lang="en" altLang="en-US" sz="1800" b="0" i="0" u="none" strike="noStrike" cap="none" normalizeH="0" baseline="0" dirty="0" err="1" smtClean="0">
+                <a:ln>
+                  <a:noFill/>
+                </a:ln>
+                <a:solidFill>
+                  <a:schemeClr val="tx1"/>
+                </a:solidFill>
+                <a:effectLst/>
+                <a:latin typeface="Arial" panose="020B0604020202020204" pitchFamily="34" charset="0"/>
+              </a:rPr>
+              <a:t>three</a:t>
+            </a:r>
+            <a:r xmlns:a="http://schemas.openxmlformats.org/drawingml/2006/main">
+              <a:rPr kumimoji="0" lang="en" altLang="en-US" sz="1800" b="0" i="0" u="none" strike="noStrike" cap="none" normalizeH="0" baseline="0" dirty="0" smtClean="0">
+                <a:ln>
+                  <a:noFill/>
+                </a:ln>
+                <a:solidFill>
+                  <a:schemeClr val="tx1"/>
+                </a:solidFill>
+                <a:effectLst/>
+                <a:latin typeface="Arial" panose="020B0604020202020204" pitchFamily="34" charset="0"/>
+              </a:rPr>
+              <a:t> </a:t>
+            </a:r>
+            <a:r xmlns:a="http://schemas.openxmlformats.org/drawingml/2006/main">
+              <a:rPr kumimoji="0" lang="en" altLang="en-US" sz="1800" b="0" i="0" u="none" strike="noStrike" cap="none" normalizeH="0" baseline="0" dirty="0" err="1" smtClean="0">
+                <a:ln>
+                  <a:noFill/>
+                </a:ln>
+                <a:solidFill>
+                  <a:schemeClr val="tx1"/>
+                </a:solidFill>
+                <a:effectLst/>
+                <a:latin typeface="Arial" panose="020B0604020202020204" pitchFamily="34" charset="0"/>
+              </a:rPr>
+              <a:t>visuals </a:t>
+            </a:r>
+            <a:r xmlns:a="http://schemas.openxmlformats.org/drawingml/2006/main">
+              <a:rPr kumimoji="0" lang="en" altLang="en-US" sz="1800" b="0" i="0" u="none" strike="noStrike" cap="none" normalizeH="0" baseline="0" dirty="0" smtClean="0">
+                <a:ln>
+                  <a:noFill/>
+                </a:ln>
+                <a:solidFill>
+                  <a:schemeClr val="tx1"/>
+                </a:solidFill>
+                <a:effectLst/>
+                <a:latin typeface="Arial" panose="020B0604020202020204" pitchFamily="34" charset="0"/>
+              </a:rPr>
+              <a:t>.</a:t>
+            </a:r>
+          </a:p>
+        </p:txBody>
+      </p:sp>
     </p:spTree>
     <p:extLst>
       <p:ext uri="{BB962C8B-B14F-4D97-AF65-F5344CB8AC3E}">
@@ -3782,7 +4402,7 @@
         </p:blipFill>
         <p:spPr>
           <a:xfrm>
-            <a:off x="4360967" y="2940338"/>
+            <a:off x="8723525" y="3066670"/>
             <a:ext cx="2700459" cy="3408777"/>
           </a:xfrm>
           <a:prstGeom prst="rect">
@@ -3822,14 +4442,14 @@
           </a:bodyPr>
           <a:lstStyle/>
           <a:p>
-            <a:r>
-              <a:rPr lang="en-US" sz="3200" dirty="0" smtClean="0">
+            <a:r xmlns:a="http://schemas.openxmlformats.org/drawingml/2006/main">
+              <a:rPr lang="en" sz="3200" dirty="0" smtClean="0">
                 <a:latin typeface="Segoe UI" panose="020B0502040204020203" pitchFamily="34" charset="0"/>
                 <a:cs typeface="Segoe UI" panose="020B0502040204020203" pitchFamily="34" charset="0"/>
               </a:rPr>
               <a:t>Filter</a:t>
             </a:r>
-            <a:endParaRPr lang="en-US" sz="3200" dirty="0">
+            <a:endParaRPr xmlns:a="http://schemas.openxmlformats.org/drawingml/2006/main" lang="en-US" sz="3200" dirty="0">
               <a:latin typeface="Segoe UI" panose="020B0502040204020203" pitchFamily="34" charset="0"/>
               <a:cs typeface="Segoe UI" panose="020B0502040204020203" pitchFamily="34" charset="0"/>
             </a:endParaRPr>
@@ -3838,261 +4458,13 @@
       </p:sp>
       <p:sp>
         <p:nvSpPr>
-          <p:cNvPr id="2" name="Rectangle 1"/>
-          <p:cNvSpPr/>
-          <p:nvPr/>
-        </p:nvSpPr>
-        <p:spPr>
-          <a:xfrm>
-            <a:off x="407927" y="777279"/>
-            <a:ext cx="10571747" cy="373692"/>
-          </a:xfrm>
-          <a:prstGeom prst="rect">
-            <a:avLst/>
-          </a:prstGeom>
-        </p:spPr>
-        <p:txBody>
-          <a:bodyPr wrap="square">
-            <a:spAutoFit/>
-          </a:bodyPr>
-          <a:lstStyle/>
-          <a:p>
-            <a:pPr lvl="0">
-              <a:lnSpc>
-                <a:spcPct val="107000"/>
-              </a:lnSpc>
-              <a:spcAft>
-                <a:spcPts val="800"/>
-              </a:spcAft>
-            </a:pPr>
-            <a:r>
-              <a:rPr lang="en-US" dirty="0" smtClean="0">
-                <a:latin typeface="Segoe UI" panose="020B0502040204020203" pitchFamily="34" charset="0"/>
-                <a:ea typeface="Calibri" panose="020F0502020204030204" pitchFamily="34" charset="0"/>
-                <a:cs typeface="Times New Roman" panose="02020603050405020304" pitchFamily="18" charset="0"/>
-              </a:rPr>
-              <a:t>Navigate to the details page and notice that the filter is not applied at this different page level</a:t>
-            </a:r>
-            <a:endParaRPr lang="en-US" sz="1400" dirty="0">
-              <a:effectLst/>
-              <a:latin typeface="Calibri" panose="020F0502020204030204" pitchFamily="34" charset="0"/>
-              <a:ea typeface="Calibri" panose="020F0502020204030204" pitchFamily="34" charset="0"/>
-              <a:cs typeface="Times New Roman" panose="02020603050405020304" pitchFamily="18" charset="0"/>
-            </a:endParaRPr>
-          </a:p>
-        </p:txBody>
-      </p:sp>
-      <p:sp>
-        <p:nvSpPr>
-          <p:cNvPr id="5" name="Rectangle 4"/>
-          <p:cNvSpPr/>
-          <p:nvPr/>
-        </p:nvSpPr>
-        <p:spPr>
-          <a:xfrm>
-            <a:off x="462928" y="1222565"/>
-            <a:ext cx="8811699" cy="685059"/>
-          </a:xfrm>
-          <a:prstGeom prst="rect">
-            <a:avLst/>
-          </a:prstGeom>
-        </p:spPr>
-        <p:txBody>
-          <a:bodyPr wrap="square">
-            <a:spAutoFit/>
-          </a:bodyPr>
-          <a:lstStyle/>
-          <a:p>
-            <a:pPr lvl="0">
-              <a:lnSpc>
-                <a:spcPct val="107000"/>
-              </a:lnSpc>
-              <a:spcAft>
-                <a:spcPts val="800"/>
-              </a:spcAft>
-            </a:pPr>
-            <a:r>
-              <a:rPr lang="en-US" dirty="0" smtClean="0">
-                <a:latin typeface="Segoe UI" panose="020B0502040204020203" pitchFamily="34" charset="0"/>
-                <a:ea typeface="Calibri" panose="020F0502020204030204" pitchFamily="34" charset="0"/>
-                <a:cs typeface="Times New Roman" panose="02020603050405020304" pitchFamily="18" charset="0"/>
-              </a:rPr>
-              <a:t>Go back to the </a:t>
-            </a:r>
-            <a:r>
-              <a:rPr lang="en-US" b="1" dirty="0" err="1" smtClean="0">
-                <a:latin typeface="Segoe UI" panose="020B0502040204020203" pitchFamily="34" charset="0"/>
-                <a:ea typeface="Calibri" panose="020F0502020204030204" pitchFamily="34" charset="0"/>
-                <a:cs typeface="Times New Roman" panose="02020603050405020304" pitchFamily="18" charset="0"/>
-              </a:rPr>
-              <a:t>Gdp</a:t>
-            </a:r>
-            <a:r>
-              <a:rPr lang="en-US" dirty="0" smtClean="0">
-                <a:latin typeface="Segoe UI" panose="020B0502040204020203" pitchFamily="34" charset="0"/>
-                <a:ea typeface="Calibri" panose="020F0502020204030204" pitchFamily="34" charset="0"/>
-                <a:cs typeface="Times New Roman" panose="02020603050405020304" pitchFamily="18" charset="0"/>
-              </a:rPr>
-              <a:t> </a:t>
-            </a:r>
-            <a:r>
-              <a:rPr lang="en-US" b="1" dirty="0" smtClean="0">
-                <a:latin typeface="Segoe UI" panose="020B0502040204020203" pitchFamily="34" charset="0"/>
-                <a:ea typeface="Calibri" panose="020F0502020204030204" pitchFamily="34" charset="0"/>
-                <a:cs typeface="Times New Roman" panose="02020603050405020304" pitchFamily="18" charset="0"/>
-              </a:rPr>
-              <a:t>page</a:t>
-            </a:r>
-            <a:r>
-              <a:rPr lang="en-US" dirty="0" smtClean="0">
-                <a:latin typeface="Segoe UI" panose="020B0502040204020203" pitchFamily="34" charset="0"/>
-                <a:ea typeface="Calibri" panose="020F0502020204030204" pitchFamily="34" charset="0"/>
-                <a:cs typeface="Times New Roman" panose="02020603050405020304" pitchFamily="18" charset="0"/>
-              </a:rPr>
-              <a:t> and apply the filter based on </a:t>
-            </a:r>
-            <a:r>
-              <a:rPr lang="en-US" b="1" dirty="0" err="1" smtClean="0">
-                <a:latin typeface="Segoe UI" panose="020B0502040204020203" pitchFamily="34" charset="0"/>
-                <a:ea typeface="Calibri" panose="020F0502020204030204" pitchFamily="34" charset="0"/>
-                <a:cs typeface="Times New Roman" panose="02020603050405020304" pitchFamily="18" charset="0"/>
-              </a:rPr>
-              <a:t>ContinentName</a:t>
-            </a:r>
-            <a:r>
-              <a:rPr lang="en-US" b="1" dirty="0" smtClean="0">
-                <a:latin typeface="Segoe UI" panose="020B0502040204020203" pitchFamily="34" charset="0"/>
-                <a:ea typeface="Calibri" panose="020F0502020204030204" pitchFamily="34" charset="0"/>
-                <a:cs typeface="Times New Roman" panose="02020603050405020304" pitchFamily="18" charset="0"/>
-              </a:rPr>
-              <a:t> </a:t>
-            </a:r>
-            <a:r>
-              <a:rPr lang="en-US" dirty="0" smtClean="0">
-                <a:latin typeface="Segoe UI" panose="020B0502040204020203" pitchFamily="34" charset="0"/>
-                <a:ea typeface="Calibri" panose="020F0502020204030204" pitchFamily="34" charset="0"/>
-                <a:cs typeface="Times New Roman" panose="02020603050405020304" pitchFamily="18" charset="0"/>
-              </a:rPr>
-              <a:t>on all pages and notice that the filter is now applied on all pages in the report without exception</a:t>
-            </a:r>
-            <a:endParaRPr lang="en-US" sz="1400" dirty="0">
-              <a:effectLst/>
-              <a:latin typeface="Calibri" panose="020F0502020204030204" pitchFamily="34" charset="0"/>
-              <a:ea typeface="Calibri" panose="020F0502020204030204" pitchFamily="34" charset="0"/>
-              <a:cs typeface="Times New Roman" panose="02020603050405020304" pitchFamily="18" charset="0"/>
-            </a:endParaRPr>
-          </a:p>
-        </p:txBody>
-      </p:sp>
-      <p:sp>
-        <p:nvSpPr>
-          <p:cNvPr id="7" name="Rectangle 6"/>
-          <p:cNvSpPr/>
-          <p:nvPr/>
-        </p:nvSpPr>
-        <p:spPr>
-          <a:xfrm>
-            <a:off x="407927" y="2099516"/>
-            <a:ext cx="9842977" cy="373692"/>
-          </a:xfrm>
-          <a:prstGeom prst="rect">
-            <a:avLst/>
-          </a:prstGeom>
-        </p:spPr>
-        <p:txBody>
-          <a:bodyPr wrap="square">
-            <a:spAutoFit/>
-          </a:bodyPr>
-          <a:lstStyle/>
-          <a:p>
-            <a:pPr lvl="0">
-              <a:lnSpc>
-                <a:spcPct val="107000"/>
-              </a:lnSpc>
-              <a:spcAft>
-                <a:spcPts val="0"/>
-              </a:spcAft>
-            </a:pPr>
-            <a:r>
-              <a:rPr lang="en-US" dirty="0" smtClean="0">
-                <a:latin typeface="Segoe UI" panose="020B0502040204020203" pitchFamily="34" charset="0"/>
-                <a:ea typeface="Calibri" panose="020F0502020204030204" pitchFamily="34" charset="0"/>
-                <a:cs typeface="Times New Roman" panose="02020603050405020304" pitchFamily="18" charset="0"/>
-              </a:rPr>
-              <a:t>Go back to the Visual level configuration and now test the filter type </a:t>
-            </a:r>
-            <a:r>
-              <a:rPr lang="en-US" b="1" dirty="0" smtClean="0">
-                <a:latin typeface="Segoe UI" panose="020B0502040204020203" pitchFamily="34" charset="0"/>
-                <a:ea typeface="Calibri" panose="020F0502020204030204" pitchFamily="34" charset="0"/>
-                <a:cs typeface="Times New Roman" panose="02020603050405020304" pitchFamily="18" charset="0"/>
-              </a:rPr>
-              <a:t>Top N</a:t>
-            </a:r>
-            <a:endParaRPr lang="en-US" sz="1400" dirty="0">
-              <a:effectLst/>
-              <a:latin typeface="Calibri" panose="020F0502020204030204" pitchFamily="34" charset="0"/>
-              <a:ea typeface="Calibri" panose="020F0502020204030204" pitchFamily="34" charset="0"/>
-              <a:cs typeface="Times New Roman" panose="02020603050405020304" pitchFamily="18" charset="0"/>
-            </a:endParaRPr>
-          </a:p>
-        </p:txBody>
-      </p:sp>
-      <p:sp>
-        <p:nvSpPr>
-          <p:cNvPr id="8" name="Rectangle 7"/>
-          <p:cNvSpPr/>
-          <p:nvPr/>
-        </p:nvSpPr>
-        <p:spPr>
-          <a:xfrm>
-            <a:off x="407927" y="2482477"/>
-            <a:ext cx="4391138" cy="373692"/>
-          </a:xfrm>
-          <a:prstGeom prst="rect">
-            <a:avLst/>
-          </a:prstGeom>
-        </p:spPr>
-        <p:txBody>
-          <a:bodyPr wrap="none">
-            <a:spAutoFit/>
-          </a:bodyPr>
-          <a:lstStyle/>
-          <a:p>
-            <a:pPr lvl="0">
-              <a:lnSpc>
-                <a:spcPct val="107000"/>
-              </a:lnSpc>
-              <a:spcAft>
-                <a:spcPts val="800"/>
-              </a:spcAft>
-            </a:pPr>
-            <a:r>
-              <a:rPr lang="en-US" dirty="0" smtClean="0">
-                <a:latin typeface="Segoe UI" panose="020B0502040204020203" pitchFamily="34" charset="0"/>
-                <a:ea typeface="Calibri" panose="020F0502020204030204" pitchFamily="34" charset="0"/>
-                <a:cs typeface="Times New Roman" panose="02020603050405020304" pitchFamily="18" charset="0"/>
-              </a:rPr>
-              <a:t>Configure the filter as shown in the figure</a:t>
-            </a:r>
-            <a:endParaRPr lang="en-US" sz="1400" dirty="0">
-              <a:effectLst/>
-              <a:latin typeface="Calibri" panose="020F0502020204030204" pitchFamily="34" charset="0"/>
-              <a:ea typeface="Calibri" panose="020F0502020204030204" pitchFamily="34" charset="0"/>
-              <a:cs typeface="Times New Roman" panose="02020603050405020304" pitchFamily="18" charset="0"/>
-            </a:endParaRPr>
-          </a:p>
-        </p:txBody>
-      </p:sp>
-      <p:sp>
-        <p:nvSpPr>
           <p:cNvPr id="10" name="Oval 9"/>
           <p:cNvSpPr/>
           <p:nvPr/>
         </p:nvSpPr>
         <p:spPr>
           <a:xfrm>
-            <a:off x="5473072" y="3873202"/>
+            <a:off x="9854680" y="3999534"/>
             <a:ext cx="438150" cy="438150"/>
           </a:xfrm>
           <a:prstGeom prst="ellipse">
@@ -4137,7 +4509,7 @@
           </a:bodyPr>
           <a:lstStyle/>
           <a:p>
-            <a:pPr algn="ctr">
+            <a:pPr xmlns:a="http://schemas.openxmlformats.org/drawingml/2006/main" algn="ctr">
               <a:lnSpc>
                 <a:spcPct val="107000"/>
               </a:lnSpc>
@@ -4145,15 +4517,15 @@
                 <a:spcPts val="800"/>
               </a:spcAft>
             </a:pPr>
-            <a:r>
-              <a:rPr lang="en-US" sz="1400" b="1">
+            <a:r xmlns:a="http://schemas.openxmlformats.org/drawingml/2006/main">
+              <a:rPr lang="en" sz="1400" b="1">
                 <a:effectLst/>
                 <a:ea typeface="Calibri" panose="020F0502020204030204" pitchFamily="34" charset="0"/>
                 <a:cs typeface="Times New Roman" panose="02020603050405020304" pitchFamily="18" charset="0"/>
               </a:rPr>
               <a:t>1</a:t>
             </a:r>
-            <a:endParaRPr lang="en-US" sz="1100">
+            <a:endParaRPr xmlns:a="http://schemas.openxmlformats.org/drawingml/2006/main" lang="en-US" sz="1100">
               <a:effectLst/>
               <a:ea typeface="Calibri" panose="020F0502020204030204" pitchFamily="34" charset="0"/>
               <a:cs typeface="Times New Roman" panose="02020603050405020304" pitchFamily="18" charset="0"/>
@@ -4169,7 +4541,7 @@
         </p:nvSpPr>
         <p:spPr>
           <a:xfrm>
-            <a:off x="4977772" y="4520902"/>
+            <a:off x="9359380" y="4647234"/>
             <a:ext cx="438150" cy="438150"/>
           </a:xfrm>
           <a:prstGeom prst="ellipse">
@@ -4214,7 +4586,7 @@
           </a:bodyPr>
           <a:lstStyle/>
           <a:p>
-            <a:pPr algn="ctr">
+            <a:pPr xmlns:a="http://schemas.openxmlformats.org/drawingml/2006/main" algn="ctr">
               <a:lnSpc>
                 <a:spcPct val="107000"/>
               </a:lnSpc>
@@ -4222,15 +4594,15 @@
                 <a:spcPts val="800"/>
               </a:spcAft>
             </a:pPr>
-            <a:r>
-              <a:rPr lang="en-US" sz="1400" b="1">
+            <a:r xmlns:a="http://schemas.openxmlformats.org/drawingml/2006/main">
+              <a:rPr lang="en" sz="1400" b="1">
                 <a:effectLst/>
                 <a:ea typeface="Calibri" panose="020F0502020204030204" pitchFamily="34" charset="0"/>
                 <a:cs typeface="Times New Roman" panose="02020603050405020304" pitchFamily="18" charset="0"/>
               </a:rPr>
               <a:t>2</a:t>
             </a:r>
-            <a:endParaRPr lang="en-US" sz="1100">
+            <a:endParaRPr xmlns:a="http://schemas.openxmlformats.org/drawingml/2006/main" lang="en-US" sz="1100">
               <a:effectLst/>
               <a:ea typeface="Calibri" panose="020F0502020204030204" pitchFamily="34" charset="0"/>
               <a:cs typeface="Times New Roman" panose="02020603050405020304" pitchFamily="18" charset="0"/>
@@ -4246,7 +4618,7 @@
         </p:nvSpPr>
         <p:spPr>
           <a:xfrm>
-            <a:off x="6120772" y="4644727"/>
+            <a:off x="10502380" y="4771059"/>
             <a:ext cx="438150" cy="438150"/>
           </a:xfrm>
           <a:prstGeom prst="ellipse">
@@ -4291,7 +4663,7 @@
           </a:bodyPr>
           <a:lstStyle/>
           <a:p>
-            <a:pPr algn="ctr">
+            <a:pPr xmlns:a="http://schemas.openxmlformats.org/drawingml/2006/main" algn="ctr">
               <a:lnSpc>
                 <a:spcPct val="107000"/>
               </a:lnSpc>
@@ -4299,15 +4671,15 @@
                 <a:spcPts val="800"/>
               </a:spcAft>
             </a:pPr>
-            <a:r>
-              <a:rPr lang="en-US" sz="1400" b="1">
+            <a:r xmlns:a="http://schemas.openxmlformats.org/drawingml/2006/main">
+              <a:rPr lang="en" sz="1400" b="1">
                 <a:effectLst/>
                 <a:ea typeface="Calibri" panose="020F0502020204030204" pitchFamily="34" charset="0"/>
                 <a:cs typeface="Times New Roman" panose="02020603050405020304" pitchFamily="18" charset="0"/>
               </a:rPr>
               <a:t>3</a:t>
             </a:r>
-            <a:endParaRPr lang="en-US" sz="1100">
+            <a:endParaRPr xmlns:a="http://schemas.openxmlformats.org/drawingml/2006/main" lang="en-US" sz="1100">
               <a:effectLst/>
               <a:ea typeface="Calibri" panose="020F0502020204030204" pitchFamily="34" charset="0"/>
               <a:cs typeface="Times New Roman" panose="02020603050405020304" pitchFamily="18" charset="0"/>
@@ -4323,7 +4695,7 @@
         </p:nvSpPr>
         <p:spPr>
           <a:xfrm>
-            <a:off x="5492122" y="5254327"/>
+            <a:off x="9873730" y="5380659"/>
             <a:ext cx="438150" cy="438150"/>
           </a:xfrm>
           <a:prstGeom prst="ellipse">
@@ -4368,7 +4740,7 @@
           </a:bodyPr>
           <a:lstStyle/>
           <a:p>
-            <a:pPr algn="ctr">
+            <a:pPr xmlns:a="http://schemas.openxmlformats.org/drawingml/2006/main" algn="ctr">
               <a:lnSpc>
                 <a:spcPct val="107000"/>
               </a:lnSpc>
@@ -4376,19 +4748,151 @@
                 <a:spcPts val="800"/>
               </a:spcAft>
             </a:pPr>
-            <a:r>
-              <a:rPr lang="en-US" sz="1400" b="1">
+            <a:r xmlns:a="http://schemas.openxmlformats.org/drawingml/2006/main">
+              <a:rPr lang="en" sz="1400" b="1">
                 <a:effectLst/>
                 <a:ea typeface="Calibri" panose="020F0502020204030204" pitchFamily="34" charset="0"/>
                 <a:cs typeface="Times New Roman" panose="02020603050405020304" pitchFamily="18" charset="0"/>
               </a:rPr>
               <a:t>4</a:t>
             </a:r>
-            <a:endParaRPr lang="en-US" sz="1100">
+            <a:endParaRPr xmlns:a="http://schemas.openxmlformats.org/drawingml/2006/main" lang="en-US" sz="1100">
               <a:effectLst/>
               <a:ea typeface="Calibri" panose="020F0502020204030204" pitchFamily="34" charset="0"/>
               <a:cs typeface="Times New Roman" panose="02020603050405020304" pitchFamily="18" charset="0"/>
             </a:endParaRPr>
+          </a:p>
+        </p:txBody>
+      </p:sp>
+      <p:sp>
+        <p:nvSpPr>
+          <p:cNvPr id="6" name="Rectangle 5"/>
+          <p:cNvSpPr/>
+          <p:nvPr/>
+        </p:nvSpPr>
+        <p:spPr>
+          <a:xfrm>
+            <a:off x="309384" y="759883"/>
+            <a:ext cx="11114600" cy="707886"/>
+          </a:xfrm>
+          <a:prstGeom prst="rect">
+            <a:avLst/>
+          </a:prstGeom>
+        </p:spPr>
+        <p:txBody>
+          <a:bodyPr wrap="square">
+            <a:spAutoFit/>
+          </a:bodyPr>
+          <a:lstStyle/>
+          <a:p>
+            <a:r xmlns:a="http://schemas.openxmlformats.org/drawingml/2006/main">
+              <a:rPr lang="en" sz="2000" dirty="0"/>
+              <a:t>Navigate to the details page and notice that the filter is not applied at this different page level.</a:t>
+            </a:r>
+            <a:endParaRPr xmlns:a="http://schemas.openxmlformats.org/drawingml/2006/main" lang="en-US" sz="2000" dirty="0"/>
+          </a:p>
+        </p:txBody>
+      </p:sp>
+      <p:sp>
+        <p:nvSpPr>
+          <p:cNvPr id="9" name="Rectangle 8"/>
+          <p:cNvSpPr/>
+          <p:nvPr/>
+        </p:nvSpPr>
+        <p:spPr>
+          <a:xfrm>
+            <a:off x="308803" y="1454556"/>
+            <a:ext cx="11216869" cy="707886"/>
+          </a:xfrm>
+          <a:prstGeom prst="rect">
+            <a:avLst/>
+          </a:prstGeom>
+        </p:spPr>
+        <p:txBody>
+          <a:bodyPr wrap="square">
+            <a:spAutoFit/>
+          </a:bodyPr>
+          <a:lstStyle/>
+          <a:p>
+            <a:r xmlns:a="http://schemas.openxmlformats.org/drawingml/2006/main">
+              <a:rPr lang="en" sz="2000" dirty="0"/>
+              <a:t>Go back to the GDP page and apply the filter based on </a:t>
+            </a:r>
+            <a:r xmlns:a="http://schemas.openxmlformats.org/drawingml/2006/main">
+              <a:rPr lang="en" sz="2000" b="1" dirty="0" err="1"/>
+              <a:t>ContinentName </a:t>
+            </a:r>
+            <a:r xmlns:a="http://schemas.openxmlformats.org/drawingml/2006/main">
+              <a:rPr lang="en" sz="2000" dirty="0"/>
+              <a:t>to all pages, then notice that the filter is now applied to all pages in the report without exception.</a:t>
+            </a:r>
+            <a:endParaRPr xmlns:a="http://schemas.openxmlformats.org/drawingml/2006/main" lang="en-US" sz="2000" dirty="0"/>
+          </a:p>
+        </p:txBody>
+      </p:sp>
+      <p:sp>
+        <p:nvSpPr>
+          <p:cNvPr id="14" name="Rectangle 13"/>
+          <p:cNvSpPr/>
+          <p:nvPr/>
+        </p:nvSpPr>
+        <p:spPr>
+          <a:xfrm>
+            <a:off x="308803" y="2215967"/>
+            <a:ext cx="10975600" cy="400110"/>
+          </a:xfrm>
+          <a:prstGeom prst="rect">
+            <a:avLst/>
+          </a:prstGeom>
+        </p:spPr>
+        <p:txBody>
+          <a:bodyPr wrap="square">
+            <a:spAutoFit/>
+          </a:bodyPr>
+          <a:lstStyle/>
+          <a:p>
+            <a:r xmlns:a="http://schemas.openxmlformats.org/drawingml/2006/main">
+              <a:rPr lang="en" sz="2000" b="1" dirty="0"/>
+              <a:t>Top N </a:t>
+            </a:r>
+            <a:r xmlns:a="http://schemas.openxmlformats.org/drawingml/2006/main">
+              <a:rPr lang="en" sz="2000" dirty="0"/>
+              <a:t>filter type </a:t>
+            </a:r>
+            <a:r xmlns:a="http://schemas.openxmlformats.org/drawingml/2006/main">
+              <a:rPr lang="en" sz="2000" dirty="0"/>
+              <a:t>.</a:t>
+            </a:r>
+            <a:endParaRPr xmlns:a="http://schemas.openxmlformats.org/drawingml/2006/main" lang="en-US" sz="2000" dirty="0"/>
+          </a:p>
+        </p:txBody>
+      </p:sp>
+      <p:sp>
+        <p:nvSpPr>
+          <p:cNvPr id="15" name="Rectangle 14"/>
+          <p:cNvSpPr/>
+          <p:nvPr/>
+        </p:nvSpPr>
+        <p:spPr>
+          <a:xfrm>
+            <a:off x="308803" y="2745023"/>
+            <a:ext cx="5224379" cy="400110"/>
+          </a:xfrm>
+          <a:prstGeom prst="rect">
+            <a:avLst/>
+          </a:prstGeom>
+        </p:spPr>
+        <p:txBody>
+          <a:bodyPr wrap="none">
+            <a:spAutoFit/>
+          </a:bodyPr>
+          <a:lstStyle/>
+          <a:p>
+            <a:r xmlns:a="http://schemas.openxmlformats.org/drawingml/2006/main">
+              <a:rPr lang="en" sz="2000" dirty="0"/>
+              <a:t>Configure the filter as shown in the figure.</a:t>
+            </a:r>
+            <a:endParaRPr xmlns:a="http://schemas.openxmlformats.org/drawingml/2006/main" lang="en-US" sz="2000" dirty="0"/>
           </a:p>
         </p:txBody>
       </p:sp>
@@ -4444,62 +4948,16 @@
           </a:bodyPr>
           <a:lstStyle/>
           <a:p>
-            <a:r>
-              <a:rPr lang="en-US" sz="3200" dirty="0" smtClean="0">
+            <a:r xmlns:a="http://schemas.openxmlformats.org/drawingml/2006/main">
+              <a:rPr lang="en" sz="3200" dirty="0" smtClean="0">
                 <a:latin typeface="Segoe UI" panose="020B0502040204020203" pitchFamily="34" charset="0"/>
                 <a:cs typeface="Segoe UI" panose="020B0502040204020203" pitchFamily="34" charset="0"/>
               </a:rPr>
               <a:t>Filter</a:t>
             </a:r>
-            <a:endParaRPr lang="en-US" sz="3200" dirty="0">
+            <a:endParaRPr xmlns:a="http://schemas.openxmlformats.org/drawingml/2006/main" lang="en-US" sz="3200" dirty="0">
               <a:latin typeface="Segoe UI" panose="020B0502040204020203" pitchFamily="34" charset="0"/>
               <a:cs typeface="Segoe UI" panose="020B0502040204020203" pitchFamily="34" charset="0"/>
-            </a:endParaRPr>
-          </a:p>
-        </p:txBody>
-      </p:sp>
-      <p:sp>
-        <p:nvSpPr>
-          <p:cNvPr id="3" name="Rectangle 2"/>
-          <p:cNvSpPr/>
-          <p:nvPr/>
-        </p:nvSpPr>
-        <p:spPr>
-          <a:xfrm>
-            <a:off x="309384" y="831409"/>
-            <a:ext cx="9006496" cy="373692"/>
-          </a:xfrm>
-          <a:prstGeom prst="rect">
-            <a:avLst/>
-          </a:prstGeom>
-        </p:spPr>
-        <p:txBody>
-          <a:bodyPr wrap="square">
-            <a:spAutoFit/>
-          </a:bodyPr>
-          <a:lstStyle/>
-          <a:p>
-            <a:pPr lvl="0">
-              <a:lnSpc>
-                <a:spcPct val="107000"/>
-              </a:lnSpc>
-              <a:spcAft>
-                <a:spcPts val="800"/>
-              </a:spcAft>
-            </a:pPr>
-            <a:r>
-              <a:rPr lang="en-US" dirty="0" smtClean="0">
-                <a:latin typeface="Segoe UI" panose="020B0502040204020203" pitchFamily="34" charset="0"/>
-                <a:ea typeface="Calibri" panose="020F0502020204030204" pitchFamily="34" charset="0"/>
-                <a:cs typeface="Times New Roman" panose="02020603050405020304" pitchFamily="18" charset="0"/>
-              </a:rPr>
-              <a:t>Go back to the page level filter to notice that Top N is no longer a filter type option</a:t>
-            </a:r>
-            <a:endParaRPr lang="en-US" sz="1400" dirty="0">
-              <a:effectLst/>
-              <a:latin typeface="Calibri" panose="020F0502020204030204" pitchFamily="34" charset="0"/>
-              <a:ea typeface="Calibri" panose="020F0502020204030204" pitchFamily="34" charset="0"/>
-              <a:cs typeface="Times New Roman" panose="02020603050405020304" pitchFamily="18" charset="0"/>
             </a:endParaRPr>
           </a:p>
         </p:txBody>
@@ -4543,68 +5001,6 @@
           </a:effectLst>
         </p:spPr>
       </p:pic>
-      <p:sp>
-        <p:nvSpPr>
-          <p:cNvPr id="6" name="Rectangle 5"/>
-          <p:cNvSpPr/>
-          <p:nvPr/>
-        </p:nvSpPr>
-        <p:spPr>
-          <a:xfrm>
-            <a:off x="547380" y="5015092"/>
-            <a:ext cx="10780294" cy="685059"/>
-          </a:xfrm>
-          <a:prstGeom prst="rect">
-            <a:avLst/>
-          </a:prstGeom>
-        </p:spPr>
-        <p:txBody>
-          <a:bodyPr wrap="square">
-            <a:spAutoFit/>
-          </a:bodyPr>
-          <a:lstStyle/>
-          <a:p>
-            <a:pPr lvl="0">
-              <a:lnSpc>
-                <a:spcPct val="107000"/>
-              </a:lnSpc>
-              <a:spcAft>
-                <a:spcPts val="800"/>
-              </a:spcAft>
-            </a:pPr>
-            <a:r>
-              <a:rPr lang="en-US" dirty="0" smtClean="0">
-                <a:latin typeface="Segoe UI" panose="020B0502040204020203" pitchFamily="34" charset="0"/>
-                <a:ea typeface="Calibri" panose="020F0502020204030204" pitchFamily="34" charset="0"/>
-                <a:cs typeface="Times New Roman" panose="02020603050405020304" pitchFamily="18" charset="0"/>
-              </a:rPr>
-              <a:t>Note that the filter types are missing the </a:t>
-            </a:r>
-            <a:r>
-              <a:rPr lang="en-US" b="1" dirty="0" smtClean="0">
-                <a:latin typeface="Segoe UI" panose="020B0502040204020203" pitchFamily="34" charset="0"/>
-                <a:ea typeface="Calibri" panose="020F0502020204030204" pitchFamily="34" charset="0"/>
-                <a:cs typeface="Times New Roman" panose="02020603050405020304" pitchFamily="18" charset="0"/>
-              </a:rPr>
-              <a:t>Top N</a:t>
-            </a:r>
-            <a:r>
-              <a:rPr lang="en-US" dirty="0" smtClean="0">
-                <a:latin typeface="Segoe UI" panose="020B0502040204020203" pitchFamily="34" charset="0"/>
-                <a:ea typeface="Calibri" panose="020F0502020204030204" pitchFamily="34" charset="0"/>
-                <a:cs typeface="Times New Roman" panose="02020603050405020304" pitchFamily="18" charset="0"/>
-              </a:rPr>
-              <a:t> even for the all pages level and it is only applicable at the Visual level only</a:t>
-            </a:r>
-            <a:endParaRPr lang="en-US" sz="1400" dirty="0">
-              <a:effectLst/>
-              <a:latin typeface="Calibri" panose="020F0502020204030204" pitchFamily="34" charset="0"/>
-              <a:ea typeface="Calibri" panose="020F0502020204030204" pitchFamily="34" charset="0"/>
-              <a:cs typeface="Times New Roman" panose="02020603050405020304" pitchFamily="18" charset="0"/>
-            </a:endParaRPr>
-          </a:p>
-        </p:txBody>
-      </p:sp>
       <p:pic>
         <p:nvPicPr>
           <p:cNvPr id="2" name="Picture 1"/>
@@ -4639,6 +5035,96 @@
           </a:effectLst>
         </p:spPr>
       </p:pic>
+      <p:sp>
+        <p:nvSpPr>
+          <p:cNvPr id="5" name="Rectangle 4"/>
+          <p:cNvSpPr/>
+          <p:nvPr/>
+        </p:nvSpPr>
+        <p:spPr>
+          <a:xfrm>
+            <a:off x="309383" y="704702"/>
+            <a:ext cx="10134027" cy="369332"/>
+          </a:xfrm>
+          <a:prstGeom prst="rect">
+            <a:avLst/>
+          </a:prstGeom>
+        </p:spPr>
+        <p:txBody>
+          <a:bodyPr wrap="square">
+            <a:spAutoFit/>
+          </a:bodyPr>
+          <a:lstStyle/>
+          <a:p>
+            <a:r xmlns:a="http://schemas.openxmlformats.org/drawingml/2006/main">
+              <a:rPr lang="en" dirty="0"/>
+              <a:t>Go back to the page level filter and notice that </a:t>
+            </a:r>
+            <a:r xmlns:a="http://schemas.openxmlformats.org/drawingml/2006/main">
+              <a:rPr lang="en" b="1" dirty="0"/>
+              <a:t>Top N </a:t>
+            </a:r>
+            <a:r xmlns:a="http://schemas.openxmlformats.org/drawingml/2006/main">
+              <a:rPr lang="en" dirty="0"/>
+              <a:t>is no longer a filter type option.</a:t>
+            </a:r>
+            <a:endParaRPr xmlns:a="http://schemas.openxmlformats.org/drawingml/2006/main" lang="en-US" dirty="0"/>
+          </a:p>
+        </p:txBody>
+      </p:sp>
+      <p:sp>
+        <p:nvSpPr>
+          <p:cNvPr id="7" name="Rectangle 6"/>
+          <p:cNvSpPr/>
+          <p:nvPr/>
+        </p:nvSpPr>
+        <p:spPr>
+          <a:xfrm>
+            <a:off x="437148" y="5103373"/>
+            <a:ext cx="10980820" cy="707886"/>
+          </a:xfrm>
+          <a:prstGeom prst="rect">
+            <a:avLst/>
+          </a:prstGeom>
+        </p:spPr>
+        <p:txBody>
+          <a:bodyPr wrap="square">
+            <a:spAutoFit/>
+          </a:bodyPr>
+          <a:lstStyle/>
+          <a:p>
+            <a:r xmlns:a="http://schemas.openxmlformats.org/drawingml/2006/main">
+              <a:rPr lang="en" sz="2000" dirty="0"/>
+              <a:t>Note that filter types no longer include </a:t>
+            </a:r>
+            <a:r xmlns:a="http://schemas.openxmlformats.org/drawingml/2006/main">
+              <a:rPr lang="en" sz="2000" b="1" dirty="0"/>
+              <a:t>Top N , even at the </a:t>
+            </a:r>
+            <a:r xmlns:a="http://schemas.openxmlformats.org/drawingml/2006/main">
+              <a:rPr lang="en" sz="2000" b="1" dirty="0"/>
+              <a:t>All Pages </a:t>
+            </a:r>
+            <a:r xmlns:a="http://schemas.openxmlformats.org/drawingml/2006/main">
+              <a:rPr lang="en" sz="2000" dirty="0"/>
+              <a:t>level </a:t>
+            </a:r>
+            <a:r xmlns:a="http://schemas.openxmlformats.org/drawingml/2006/main">
+              <a:rPr lang="en" sz="2000" dirty="0"/>
+              <a:t>, and it is only applicable at the </a:t>
+            </a:r>
+            <a:r xmlns:a="http://schemas.openxmlformats.org/drawingml/2006/main">
+              <a:rPr lang="en" sz="2000" b="1" dirty="0"/>
+              <a:t>Visual level </a:t>
+            </a:r>
+            <a:r xmlns:a="http://schemas.openxmlformats.org/drawingml/2006/main">
+              <a:rPr lang="en" sz="2000" dirty="0"/>
+              <a:t>.</a:t>
+            </a:r>
+            <a:endParaRPr xmlns:a="http://schemas.openxmlformats.org/drawingml/2006/main" lang="en-US" sz="2000" dirty="0"/>
+          </a:p>
+        </p:txBody>
+      </p:sp>
     </p:spTree>
     <p:extLst>
       <p:ext uri="{BB962C8B-B14F-4D97-AF65-F5344CB8AC3E}">
@@ -4691,62 +5177,16 @@
           </a:bodyPr>
           <a:lstStyle/>
           <a:p>
-            <a:r>
-              <a:rPr lang="en-US" sz="3200" dirty="0" smtClean="0">
+            <a:r xmlns:a="http://schemas.openxmlformats.org/drawingml/2006/main">
+              <a:rPr lang="en" sz="3200" dirty="0" smtClean="0">
                 <a:latin typeface="Segoe UI" panose="020B0502040204020203" pitchFamily="34" charset="0"/>
                 <a:cs typeface="Segoe UI" panose="020B0502040204020203" pitchFamily="34" charset="0"/>
               </a:rPr>
               <a:t>Filter</a:t>
             </a:r>
-            <a:endParaRPr lang="en-US" sz="3200" dirty="0">
+            <a:endParaRPr xmlns:a="http://schemas.openxmlformats.org/drawingml/2006/main" lang="en-US" sz="3200" dirty="0">
               <a:latin typeface="Segoe UI" panose="020B0502040204020203" pitchFamily="34" charset="0"/>
               <a:cs typeface="Segoe UI" panose="020B0502040204020203" pitchFamily="34" charset="0"/>
-            </a:endParaRPr>
-          </a:p>
-        </p:txBody>
-      </p:sp>
-      <p:sp>
-        <p:nvSpPr>
-          <p:cNvPr id="2" name="Rectangle 1"/>
-          <p:cNvSpPr/>
-          <p:nvPr/>
-        </p:nvSpPr>
-        <p:spPr>
-          <a:xfrm>
-            <a:off x="373551" y="777279"/>
-            <a:ext cx="10640499" cy="373692"/>
-          </a:xfrm>
-          <a:prstGeom prst="rect">
-            <a:avLst/>
-          </a:prstGeom>
-        </p:spPr>
-        <p:txBody>
-          <a:bodyPr wrap="square">
-            <a:spAutoFit/>
-          </a:bodyPr>
-          <a:lstStyle/>
-          <a:p>
-            <a:pPr lvl="0">
-              <a:lnSpc>
-                <a:spcPct val="107000"/>
-              </a:lnSpc>
-              <a:spcAft>
-                <a:spcPts val="800"/>
-              </a:spcAft>
-            </a:pPr>
-            <a:r>
-              <a:rPr lang="en-US" dirty="0" smtClean="0">
-                <a:latin typeface="Segoe UI" panose="020B0502040204020203" pitchFamily="34" charset="0"/>
-                <a:ea typeface="Calibri" panose="020F0502020204030204" pitchFamily="34" charset="0"/>
-                <a:cs typeface="Times New Roman" panose="02020603050405020304" pitchFamily="18" charset="0"/>
-              </a:rPr>
-              <a:t>Note when changing to the Advanced type we will have more granularity in terms of data filtration</a:t>
-            </a:r>
-            <a:endParaRPr lang="en-US" sz="1400" dirty="0">
-              <a:effectLst/>
-              <a:latin typeface="Calibri" panose="020F0502020204030204" pitchFamily="34" charset="0"/>
-              <a:ea typeface="Calibri" panose="020F0502020204030204" pitchFamily="34" charset="0"/>
-              <a:cs typeface="Times New Roman" panose="02020603050405020304" pitchFamily="18" charset="0"/>
             </a:endParaRPr>
           </a:p>
         </p:txBody>
@@ -4772,7 +5212,7 @@
         </p:blipFill>
         <p:spPr bwMode="auto">
           <a:xfrm>
-            <a:off x="522299" y="1530433"/>
+            <a:off x="504252" y="2198186"/>
             <a:ext cx="1962150" cy="3508375"/>
           </a:xfrm>
           <a:prstGeom prst="rect">
@@ -4798,7 +5238,7 @@
         </p:nvSpPr>
         <p:spPr>
           <a:xfrm>
-            <a:off x="1815548" y="2316330"/>
+            <a:off x="1797501" y="2984083"/>
             <a:ext cx="438150" cy="438150"/>
           </a:xfrm>
           <a:prstGeom prst="ellipse">
@@ -4843,7 +5283,7 @@
           </a:bodyPr>
           <a:lstStyle/>
           <a:p>
-            <a:pPr algn="ctr">
+            <a:pPr xmlns:a="http://schemas.openxmlformats.org/drawingml/2006/main" algn="ctr">
               <a:lnSpc>
                 <a:spcPct val="107000"/>
               </a:lnSpc>
@@ -4851,15 +5291,15 @@
                 <a:spcPts val="800"/>
               </a:spcAft>
             </a:pPr>
-            <a:r>
-              <a:rPr lang="en-US" sz="1400" b="1">
+            <a:r xmlns:a="http://schemas.openxmlformats.org/drawingml/2006/main">
+              <a:rPr lang="en" sz="1400" b="1">
                 <a:effectLst/>
                 <a:ea typeface="Calibri" panose="020F0502020204030204" pitchFamily="34" charset="0"/>
                 <a:cs typeface="Times New Roman" panose="02020603050405020304" pitchFamily="18" charset="0"/>
               </a:rPr>
               <a:t>1</a:t>
             </a:r>
-            <a:endParaRPr lang="en-US" sz="1100">
+            <a:endParaRPr xmlns:a="http://schemas.openxmlformats.org/drawingml/2006/main" lang="en-US" sz="1100">
               <a:effectLst/>
               <a:ea typeface="Calibri" panose="020F0502020204030204" pitchFamily="34" charset="0"/>
               <a:cs typeface="Times New Roman" panose="02020603050405020304" pitchFamily="18" charset="0"/>
@@ -4875,7 +5315,7 @@
         </p:nvSpPr>
         <p:spPr>
           <a:xfrm>
-            <a:off x="1386923" y="2944980"/>
+            <a:off x="1368876" y="3612733"/>
             <a:ext cx="438150" cy="438150"/>
           </a:xfrm>
           <a:prstGeom prst="ellipse">
@@ -4920,7 +5360,7 @@
           </a:bodyPr>
           <a:lstStyle/>
           <a:p>
-            <a:pPr algn="ctr">
+            <a:pPr xmlns:a="http://schemas.openxmlformats.org/drawingml/2006/main" algn="ctr">
               <a:lnSpc>
                 <a:spcPct val="107000"/>
               </a:lnSpc>
@@ -4928,15 +5368,15 @@
                 <a:spcPts val="800"/>
               </a:spcAft>
             </a:pPr>
-            <a:r>
-              <a:rPr lang="en-US" sz="1400" b="1">
+            <a:r xmlns:a="http://schemas.openxmlformats.org/drawingml/2006/main">
+              <a:rPr lang="en" sz="1400" b="1">
                 <a:effectLst/>
                 <a:ea typeface="Calibri" panose="020F0502020204030204" pitchFamily="34" charset="0"/>
                 <a:cs typeface="Times New Roman" panose="02020603050405020304" pitchFamily="18" charset="0"/>
               </a:rPr>
               <a:t>2</a:t>
             </a:r>
-            <a:endParaRPr lang="en-US" sz="1100">
+            <a:endParaRPr xmlns:a="http://schemas.openxmlformats.org/drawingml/2006/main" lang="en-US" sz="1100">
               <a:effectLst/>
               <a:ea typeface="Calibri" panose="020F0502020204030204" pitchFamily="34" charset="0"/>
               <a:cs typeface="Times New Roman" panose="02020603050405020304" pitchFamily="18" charset="0"/>
@@ -4952,7 +5392,7 @@
         </p:nvSpPr>
         <p:spPr>
           <a:xfrm>
-            <a:off x="1720298" y="3526005"/>
+            <a:off x="1702251" y="4193758"/>
             <a:ext cx="438150" cy="438150"/>
           </a:xfrm>
           <a:prstGeom prst="ellipse">
@@ -4997,7 +5437,7 @@
           </a:bodyPr>
           <a:lstStyle/>
           <a:p>
-            <a:pPr algn="ctr">
+            <a:pPr xmlns:a="http://schemas.openxmlformats.org/drawingml/2006/main" algn="ctr">
               <a:lnSpc>
                 <a:spcPct val="107000"/>
               </a:lnSpc>
@@ -5005,15 +5445,15 @@
                 <a:spcPts val="800"/>
               </a:spcAft>
             </a:pPr>
-            <a:r>
-              <a:rPr lang="en-US" sz="1400" b="1">
+            <a:r xmlns:a="http://schemas.openxmlformats.org/drawingml/2006/main">
+              <a:rPr lang="en" sz="1400" b="1">
                 <a:effectLst/>
                 <a:ea typeface="Calibri" panose="020F0502020204030204" pitchFamily="34" charset="0"/>
                 <a:cs typeface="Times New Roman" panose="02020603050405020304" pitchFamily="18" charset="0"/>
               </a:rPr>
               <a:t>3</a:t>
             </a:r>
-            <a:endParaRPr lang="en-US" sz="1100">
+            <a:endParaRPr xmlns:a="http://schemas.openxmlformats.org/drawingml/2006/main" lang="en-US" sz="1100">
               <a:effectLst/>
               <a:ea typeface="Calibri" panose="020F0502020204030204" pitchFamily="34" charset="0"/>
               <a:cs typeface="Times New Roman" panose="02020603050405020304" pitchFamily="18" charset="0"/>
@@ -5029,7 +5469,7 @@
         </p:nvSpPr>
         <p:spPr>
           <a:xfrm>
-            <a:off x="683149" y="3821817"/>
+            <a:off x="665102" y="4489570"/>
             <a:ext cx="438150" cy="438150"/>
           </a:xfrm>
           <a:prstGeom prst="ellipse">
@@ -5074,7 +5514,7 @@
           </a:bodyPr>
           <a:lstStyle/>
           <a:p>
-            <a:pPr algn="ctr">
+            <a:pPr xmlns:a="http://schemas.openxmlformats.org/drawingml/2006/main" algn="ctr">
               <a:lnSpc>
                 <a:spcPct val="107000"/>
               </a:lnSpc>
@@ -5082,19 +5522,388 @@
                 <a:spcPts val="800"/>
               </a:spcAft>
             </a:pPr>
-            <a:r>
-              <a:rPr lang="en-US" sz="1400" b="1">
+            <a:r xmlns:a="http://schemas.openxmlformats.org/drawingml/2006/main">
+              <a:rPr lang="en" sz="1400" b="1">
                 <a:effectLst/>
                 <a:ea typeface="Calibri" panose="020F0502020204030204" pitchFamily="34" charset="0"/>
                 <a:cs typeface="Times New Roman" panose="02020603050405020304" pitchFamily="18" charset="0"/>
               </a:rPr>
               <a:t>4</a:t>
             </a:r>
-            <a:endParaRPr lang="en-US" sz="1100">
+            <a:endParaRPr xmlns:a="http://schemas.openxmlformats.org/drawingml/2006/main" lang="en-US" sz="1100">
               <a:effectLst/>
               <a:ea typeface="Calibri" panose="020F0502020204030204" pitchFamily="34" charset="0"/>
               <a:cs typeface="Times New Roman" panose="02020603050405020304" pitchFamily="18" charset="0"/>
             </a:endParaRPr>
+          </a:p>
+        </p:txBody>
+      </p:sp>
+      <p:sp>
+        <p:nvSpPr>
+          <p:cNvPr id="3" name="Rectangle 1"/>
+          <p:cNvSpPr>
+            <a:spLocks noChangeArrowheads="1"/>
+          </p:cNvSpPr>
+          <p:nvPr/>
+        </p:nvSpPr>
+        <p:spPr bwMode="auto">
+          <a:xfrm>
+            <a:off x="309384" y="800367"/>
+            <a:ext cx="9555244" cy="646331"/>
+          </a:xfrm>
+          <a:prstGeom prst="rect">
+            <a:avLst/>
+          </a:prstGeom>
+          <a:noFill/>
+          <a:ln>
+            <a:noFill/>
+          </a:ln>
+          <a:effectLst/>
+          <a:extLst>
+            <a:ext uri="{909E8E84-426E-40DD-AFC4-6F175D3DCCD1}">
+              <a14:hiddenFill xmlns:a14="http://schemas.microsoft.com/office/drawing/2010/main">
+                <a:solidFill>
+                  <a:schemeClr val="accent1"/>
+                </a:solidFill>
+              </a14:hiddenFill>
+            </a:ext>
+            <a:ext uri="{91240B29-F687-4F45-9708-019B960494DF}">
+              <a14:hiddenLine xmlns:a14="http://schemas.microsoft.com/office/drawing/2010/main" w="9525">
+                <a:solidFill>
+                  <a:schemeClr val="tx1"/>
+                </a:solidFill>
+                <a:miter lim="800000"/>
+                <a:headEnd/>
+                <a:tailEnd/>
+              </a14:hiddenLine>
+            </a:ext>
+            <a:ext uri="{AF507438-7753-43E0-B8FC-AC1667EBCBE1}">
+              <a14:hiddenEffects xmlns:a14="http://schemas.microsoft.com/office/drawing/2010/main">
+                <a:effectLst>
+                  <a:outerShdw dist="35921" dir="2700000" algn="ctr" rotWithShape="0">
+                    <a:schemeClr val="bg2"/>
+                  </a:outerShdw>
+                </a:effectLst>
+              </a14:hiddenEffects>
+            </a:ext>
+          </a:extLst>
+        </p:spPr>
+        <p:txBody>
+          <a:bodyPr vert="horz" wrap="none" lIns="91440" tIns="45720" rIns="91440" bIns="45720" numCol="1" anchor="ctr" anchorCtr="0" compatLnSpc="1">
+            <a:prstTxWarp prst="textNoShape">
+              <a:avLst/>
+            </a:prstTxWarp>
+            <a:spAutoFit/>
+          </a:bodyPr>
+          <a:lstStyle/>
+          <a:p>
+            <a:pPr xmlns:a="http://schemas.openxmlformats.org/drawingml/2006/main" marL="0" marR="0" lvl="0" indent="0" algn="l" defTabSz="914400" rtl="0" eaLnBrk="0" fontAlgn="base" latinLnBrk="0" hangingPunct="0">
+              <a:lnSpc>
+                <a:spcPct val="100000"/>
+              </a:lnSpc>
+              <a:spcBef>
+                <a:spcPct val="0"/>
+              </a:spcBef>
+              <a:spcAft>
+                <a:spcPct val="0"/>
+              </a:spcAft>
+              <a:buClrTx/>
+              <a:buSzTx/>
+              <a:buFontTx/>
+              <a:buNone/>
+              <a:tabLst/>
+            </a:pPr>
+            <a:r xmlns:a="http://schemas.openxmlformats.org/drawingml/2006/main">
+              <a:rPr kumimoji="0" lang="en" altLang="en-US" sz="1800" b="0" i="0" u="none" strike="noStrike" cap="none" normalizeH="0" baseline="0" dirty="0" err="1" smtClean="0">
+                <a:ln>
+                  <a:noFill/>
+                </a:ln>
+                <a:solidFill>
+                  <a:schemeClr val="tx1"/>
+                </a:solidFill>
+                <a:effectLst/>
+                <a:latin typeface="Arial" panose="020B0604020202020204" pitchFamily="34" charset="0"/>
+              </a:rPr>
+              <a:t>Note</a:t>
+            </a:r>
+            <a:r xmlns:a="http://schemas.openxmlformats.org/drawingml/2006/main">
+              <a:rPr kumimoji="0" lang="en" altLang="en-US" sz="1800" b="0" i="0" u="none" strike="noStrike" cap="none" normalizeH="0" baseline="0" dirty="0" smtClean="0">
+                <a:ln>
+                  <a:noFill/>
+                </a:ln>
+                <a:solidFill>
+                  <a:schemeClr val="tx1"/>
+                </a:solidFill>
+                <a:effectLst/>
+                <a:latin typeface="Arial" panose="020B0604020202020204" pitchFamily="34" charset="0"/>
+              </a:rPr>
+              <a:t> </a:t>
+            </a:r>
+            <a:r xmlns:a="http://schemas.openxmlformats.org/drawingml/2006/main">
+              <a:rPr kumimoji="0" lang="en" altLang="en-US" sz="1800" b="0" i="0" u="none" strike="noStrike" cap="none" normalizeH="0" baseline="0" dirty="0" err="1" smtClean="0">
+                <a:ln>
+                  <a:noFill/>
+                </a:ln>
+                <a:solidFill>
+                  <a:schemeClr val="tx1"/>
+                </a:solidFill>
+                <a:effectLst/>
+                <a:latin typeface="Arial" panose="020B0604020202020204" pitchFamily="34" charset="0"/>
+              </a:rPr>
+              <a:t>that by switching to the </a:t>
+            </a:r>
+            <a:r xmlns:a="http://schemas.openxmlformats.org/drawingml/2006/main">
+              <a:rPr kumimoji="0" lang="en" altLang="en-US" sz="1800" b="1" i="0" u="none" strike="noStrike" cap="none" normalizeH="0" baseline="0" dirty="0" err="1" smtClean="0">
+                <a:ln>
+                  <a:noFill/>
+                </a:ln>
+                <a:solidFill>
+                  <a:schemeClr val="tx1"/>
+                </a:solidFill>
+                <a:effectLst/>
+                <a:latin typeface="Arial" panose="020B0604020202020204" pitchFamily="34" charset="0"/>
+              </a:rPr>
+              <a:t>Advanced </a:t>
+            </a:r>
+            <a:r xmlns:a="http://schemas.openxmlformats.org/drawingml/2006/main">
+              <a:rPr kumimoji="0" lang="en" altLang="en-US" sz="1800" b="0" i="0" u="none" strike="noStrike" cap="none" normalizeH="0" baseline="0" dirty="0" smtClean="0">
+                <a:ln>
+                  <a:noFill/>
+                </a:ln>
+                <a:solidFill>
+                  <a:schemeClr val="tx1"/>
+                </a:solidFill>
+                <a:effectLst/>
+                <a:latin typeface="Arial" panose="020B0604020202020204" pitchFamily="34" charset="0"/>
+              </a:rPr>
+              <a:t>type </a:t>
+            </a:r>
+            <a:r xmlns:a="http://schemas.openxmlformats.org/drawingml/2006/main">
+              <a:rPr kumimoji="0" lang="en" altLang="en-US" sz="1800" b="0" i="0" u="none" strike="noStrike" cap="none" normalizeH="0" baseline="0" dirty="0" smtClean="0">
+                <a:ln>
+                  <a:noFill/>
+                </a:ln>
+                <a:solidFill>
+                  <a:schemeClr val="tx1"/>
+                </a:solidFill>
+                <a:effectLst/>
+                <a:latin typeface="Arial" panose="020B0604020202020204" pitchFamily="34" charset="0"/>
+              </a:rPr>
+              <a:t>, we </a:t>
+            </a:r>
+            <a:r xmlns:a="http://schemas.openxmlformats.org/drawingml/2006/main">
+              <a:rPr kumimoji="0" lang="en" altLang="en-US" sz="1800" b="0" i="0" u="none" strike="noStrike" cap="none" normalizeH="0" baseline="0" dirty="0" err="1" smtClean="0">
+                <a:ln>
+                  <a:noFill/>
+                </a:ln>
+                <a:solidFill>
+                  <a:schemeClr val="tx1"/>
+                </a:solidFill>
+                <a:effectLst/>
+                <a:latin typeface="Arial" panose="020B0604020202020204" pitchFamily="34" charset="0"/>
+              </a:rPr>
+              <a:t>will obtain</a:t>
+            </a:r>
+            <a:r xmlns:a="http://schemas.openxmlformats.org/drawingml/2006/main">
+              <a:rPr kumimoji="0" lang="en" altLang="en-US" sz="1800" b="0" i="0" u="none" strike="noStrike" cap="none" normalizeH="0" baseline="0" dirty="0" smtClean="0">
+                <a:ln>
+                  <a:noFill/>
+                </a:ln>
+                <a:solidFill>
+                  <a:schemeClr val="tx1"/>
+                </a:solidFill>
+                <a:effectLst/>
+                <a:latin typeface="Arial" panose="020B0604020202020204" pitchFamily="34" charset="0"/>
+              </a:rPr>
+              <a:t> </a:t>
+            </a:r>
+            <a:r xmlns:a="http://schemas.openxmlformats.org/drawingml/2006/main">
+              <a:rPr kumimoji="0" lang="en" altLang="en-US" sz="1800" b="0" i="0" u="none" strike="noStrike" cap="none" normalizeH="0" baseline="0" dirty="0" err="1" smtClean="0">
+                <a:ln>
+                  <a:noFill/>
+                </a:ln>
+                <a:solidFill>
+                  <a:schemeClr val="tx1"/>
+                </a:solidFill>
+                <a:effectLst/>
+                <a:latin typeface="Arial" panose="020B0604020202020204" pitchFamily="34" charset="0"/>
+              </a:rPr>
+              <a:t>a</a:t>
+            </a:r>
+            <a:r xmlns:a="http://schemas.openxmlformats.org/drawingml/2006/main">
+              <a:rPr kumimoji="0" lang="en" altLang="en-US" sz="1800" b="0" i="0" u="none" strike="noStrike" cap="none" normalizeH="0" baseline="0" dirty="0" smtClean="0">
+                <a:ln>
+                  <a:noFill/>
+                </a:ln>
+                <a:solidFill>
+                  <a:schemeClr val="tx1"/>
+                </a:solidFill>
+                <a:effectLst/>
+                <a:latin typeface="Arial" panose="020B0604020202020204" pitchFamily="34" charset="0"/>
+              </a:rPr>
+              <a:t> </a:t>
+            </a:r>
+            <a:r xmlns:a="http://schemas.openxmlformats.org/drawingml/2006/main">
+              <a:rPr kumimoji="0" lang="en" altLang="en-US" sz="1800" b="0" i="0" u="none" strike="noStrike" cap="none" normalizeH="0" baseline="0" dirty="0" smtClean="0">
+                <a:ln>
+                  <a:noFill/>
+                </a:ln>
+                <a:solidFill>
+                  <a:schemeClr val="tx1"/>
+                </a:solidFill>
+                <a:effectLst/>
+                <a:latin typeface="Arial" panose="020B0604020202020204" pitchFamily="34" charset="0"/>
+              </a:rPr>
+              <a:t>finer </a:t>
+            </a:r>
+            <a:r xmlns:a="http://schemas.openxmlformats.org/drawingml/2006/main">
+              <a:rPr kumimoji="0" lang="en" altLang="en-US" sz="1800" b="0" i="0" u="none" strike="noStrike" cap="none" normalizeH="0" baseline="0" dirty="0" err="1" smtClean="0">
+                <a:ln>
+                  <a:noFill/>
+                </a:ln>
+                <a:solidFill>
+                  <a:schemeClr val="tx1"/>
+                </a:solidFill>
+                <a:effectLst/>
+                <a:latin typeface="Arial" panose="020B0604020202020204" pitchFamily="34" charset="0"/>
+              </a:rPr>
+              <a:t>granularity </a:t>
+            </a:r>
+            <a:r xmlns:a="http://schemas.openxmlformats.org/drawingml/2006/main">
+              <a:rPr kumimoji="0" lang="en" altLang="en-US" sz="1800" b="0" i="0" u="none" strike="noStrike" cap="none" normalizeH="0" baseline="0" dirty="0" err="1" smtClean="0">
+                <a:ln>
+                  <a:noFill/>
+                </a:ln>
+                <a:solidFill>
+                  <a:schemeClr val="tx1"/>
+                </a:solidFill>
+                <a:effectLst/>
+                <a:latin typeface="Arial" panose="020B0604020202020204" pitchFamily="34" charset="0"/>
+              </a:rPr>
+              <a:t>in</a:t>
+            </a:r>
+            <a:r xmlns:a="http://schemas.openxmlformats.org/drawingml/2006/main">
+              <a:rPr kumimoji="0" lang="en" altLang="en-US" sz="1800" b="0" i="0" u="none" strike="noStrike" cap="none" normalizeH="0" baseline="0" dirty="0" smtClean="0">
+                <a:ln>
+                  <a:noFill/>
+                </a:ln>
+                <a:solidFill>
+                  <a:schemeClr val="tx1"/>
+                </a:solidFill>
+                <a:effectLst/>
+                <a:latin typeface="Arial" panose="020B0604020202020204" pitchFamily="34" charset="0"/>
+              </a:rPr>
+              <a:t> </a:t>
+            </a:r>
+            <a:r xmlns:a="http://schemas.openxmlformats.org/drawingml/2006/main">
+              <a:rPr kumimoji="0" lang="en" altLang="en-US" sz="1800" b="0" i="0" u="none" strike="noStrike" cap="none" normalizeH="0" baseline="0" dirty="0" err="1" smtClean="0">
+                <a:ln>
+                  <a:noFill/>
+                </a:ln>
+                <a:solidFill>
+                  <a:schemeClr val="tx1"/>
+                </a:solidFill>
+                <a:effectLst/>
+                <a:latin typeface="Arial" panose="020B0604020202020204" pitchFamily="34" charset="0"/>
+              </a:rPr>
+              <a:t>terms</a:t>
+            </a:r>
+            <a:r xmlns:a="http://schemas.openxmlformats.org/drawingml/2006/main">
+              <a:rPr kumimoji="0" lang="en" altLang="en-US" sz="1800" b="0" i="0" u="none" strike="noStrike" cap="none" normalizeH="0" baseline="0" dirty="0" smtClean="0">
+                <a:ln>
+                  <a:noFill/>
+                </a:ln>
+                <a:solidFill>
+                  <a:schemeClr val="tx1"/>
+                </a:solidFill>
+                <a:effectLst/>
+                <a:latin typeface="Arial" panose="020B0604020202020204" pitchFamily="34" charset="0"/>
+              </a:rPr>
+              <a:t> </a:t>
+            </a:r>
+          </a:p>
+          <a:p>
+            <a:pPr xmlns:a="http://schemas.openxmlformats.org/drawingml/2006/main" marL="0" marR="0" lvl="0" indent="0" algn="l" defTabSz="914400" rtl="0" eaLnBrk="0" fontAlgn="base" latinLnBrk="0" hangingPunct="0">
+              <a:lnSpc>
+                <a:spcPct val="100000"/>
+              </a:lnSpc>
+              <a:spcBef>
+                <a:spcPct val="0"/>
+              </a:spcBef>
+              <a:spcAft>
+                <a:spcPct val="0"/>
+              </a:spcAft>
+              <a:buClrTx/>
+              <a:buSzTx/>
+              <a:buFontTx/>
+              <a:buNone/>
+              <a:tabLst/>
+            </a:pPr>
+            <a:r xmlns:a="http://schemas.openxmlformats.org/drawingml/2006/main">
+              <a:rPr kumimoji="0" lang="en" altLang="en-US" sz="1800" b="0" i="0" u="none" strike="noStrike" cap="none" normalizeH="0" baseline="0" dirty="0" smtClean="0">
+                <a:ln>
+                  <a:noFill/>
+                </a:ln>
+                <a:solidFill>
+                  <a:schemeClr val="tx1"/>
+                </a:solidFill>
+                <a:effectLst/>
+                <a:latin typeface="Arial" panose="020B0604020202020204" pitchFamily="34" charset="0"/>
+              </a:rPr>
+              <a:t>data </a:t>
+            </a:r>
+            <a:r xmlns:a="http://schemas.openxmlformats.org/drawingml/2006/main">
+              <a:rPr kumimoji="0" lang="en" altLang="en-US" sz="1800" b="0" i="0" u="none" strike="noStrike" cap="none" normalizeH="0" baseline="0" dirty="0" smtClean="0">
+                <a:ln>
+                  <a:noFill/>
+                </a:ln>
+                <a:solidFill>
+                  <a:schemeClr val="tx1"/>
+                </a:solidFill>
+                <a:effectLst/>
+                <a:latin typeface="Arial" panose="020B0604020202020204" pitchFamily="34" charset="0"/>
+              </a:rPr>
+              <a:t>filtering </a:t>
+            </a:r>
+            <a:r xmlns:a="http://schemas.openxmlformats.org/drawingml/2006/main">
+              <a:rPr kumimoji="0" lang="en" altLang="en-US" sz="1800" b="0" i="0" u="none" strike="noStrike" cap="none" normalizeH="0" baseline="0" dirty="0" smtClean="0">
+                <a:ln>
+                  <a:noFill/>
+                </a:ln>
+                <a:solidFill>
+                  <a:schemeClr val="tx1"/>
+                </a:solidFill>
+                <a:effectLst/>
+                <a:latin typeface="Arial" panose="020B0604020202020204" pitchFamily="34" charset="0"/>
+              </a:rPr>
+              <a:t>.</a:t>
+            </a:r>
+            <a:r xmlns:a="http://schemas.openxmlformats.org/drawingml/2006/main">
+              <a:rPr kumimoji="0" lang="en" altLang="en-US" sz="1800" b="0" i="0" u="none" strike="noStrike" cap="none" normalizeH="0" baseline="0" dirty="0" err="1" smtClean="0">
+                <a:ln>
+                  <a:noFill/>
+                </a:ln>
+                <a:solidFill>
+                  <a:schemeClr val="tx1"/>
+                </a:solidFill>
+                <a:effectLst/>
+                <a:latin typeface="Arial" panose="020B0604020202020204" pitchFamily="34" charset="0"/>
+              </a:rPr>
+              <a:t>​</a:t>
+            </a:r>
+            <a:r xmlns:a="http://schemas.openxmlformats.org/drawingml/2006/main">
+              <a:rPr kumimoji="0" lang="en" altLang="en-US" sz="1800" b="0" i="0" u="none" strike="noStrike" cap="none" normalizeH="0" baseline="0" dirty="0" err="1" smtClean="0">
+                <a:ln>
+                  <a:noFill/>
+                </a:ln>
+                <a:solidFill>
+                  <a:schemeClr val="tx1"/>
+                </a:solidFill>
+                <a:effectLst/>
+                <a:latin typeface="Arial" panose="020B0604020202020204" pitchFamily="34" charset="0"/>
+              </a:rPr>
+              <a:t>​</a:t>
+            </a:r>
           </a:p>
         </p:txBody>
       </p:sp>
@@ -5150,62 +5959,16 @@
           </a:bodyPr>
           <a:lstStyle/>
           <a:p>
-            <a:r>
-              <a:rPr lang="en-US" sz="3200" dirty="0" smtClean="0">
+            <a:r xmlns:a="http://schemas.openxmlformats.org/drawingml/2006/main">
+              <a:rPr lang="en" sz="3200" dirty="0" smtClean="0">
                 <a:latin typeface="Segoe UI" panose="020B0502040204020203" pitchFamily="34" charset="0"/>
                 <a:cs typeface="Segoe UI" panose="020B0502040204020203" pitchFamily="34" charset="0"/>
               </a:rPr>
               <a:t>Filter</a:t>
             </a:r>
-            <a:endParaRPr lang="en-US" sz="3200" dirty="0">
+            <a:endParaRPr xmlns:a="http://schemas.openxmlformats.org/drawingml/2006/main" lang="en-US" sz="3200" dirty="0">
               <a:latin typeface="Segoe UI" panose="020B0502040204020203" pitchFamily="34" charset="0"/>
               <a:cs typeface="Segoe UI" panose="020B0502040204020203" pitchFamily="34" charset="0"/>
-            </a:endParaRPr>
-          </a:p>
-        </p:txBody>
-      </p:sp>
-      <p:sp>
-        <p:nvSpPr>
-          <p:cNvPr id="3" name="Rectangle 2"/>
-          <p:cNvSpPr/>
-          <p:nvPr/>
-        </p:nvSpPr>
-        <p:spPr>
-          <a:xfrm>
-            <a:off x="309384" y="838284"/>
-            <a:ext cx="11007175" cy="373692"/>
-          </a:xfrm>
-          <a:prstGeom prst="rect">
-            <a:avLst/>
-          </a:prstGeom>
-        </p:spPr>
-        <p:txBody>
-          <a:bodyPr wrap="square">
-            <a:spAutoFit/>
-          </a:bodyPr>
-          <a:lstStyle/>
-          <a:p>
-            <a:pPr lvl="0">
-              <a:lnSpc>
-                <a:spcPct val="107000"/>
-              </a:lnSpc>
-              <a:spcAft>
-                <a:spcPts val="800"/>
-              </a:spcAft>
-            </a:pPr>
-            <a:r>
-              <a:rPr lang="en-US" dirty="0" smtClean="0">
-                <a:latin typeface="Segoe UI" panose="020B0502040204020203" pitchFamily="34" charset="0"/>
-                <a:ea typeface="Calibri" panose="020F0502020204030204" pitchFamily="34" charset="0"/>
-                <a:cs typeface="Times New Roman" panose="02020603050405020304" pitchFamily="18" charset="0"/>
-              </a:rPr>
-              <a:t>Note that the application of the advanced filter is assisted with a defined number of filtration criteria.</a:t>
-            </a:r>
-            <a:endParaRPr lang="en-US" sz="1400" dirty="0">
-              <a:effectLst/>
-              <a:latin typeface="Calibri" panose="020F0502020204030204" pitchFamily="34" charset="0"/>
-              <a:ea typeface="Calibri" panose="020F0502020204030204" pitchFamily="34" charset="0"/>
-              <a:cs typeface="Times New Roman" panose="02020603050405020304" pitchFamily="18" charset="0"/>
             </a:endParaRPr>
           </a:p>
         </p:txBody>
@@ -5298,6 +6061,97 @@
           <a:lstStyle/>
           <a:p>
             <a:endParaRPr lang="en-US"/>
+          </a:p>
+        </p:txBody>
+      </p:sp>
+      <p:sp>
+        <p:nvSpPr>
+          <p:cNvPr id="2" name="Rectangle 1"/>
+          <p:cNvSpPr>
+            <a:spLocks noChangeArrowheads="1"/>
+          </p:cNvSpPr>
+          <p:nvPr/>
+        </p:nvSpPr>
+        <p:spPr bwMode="auto">
+          <a:xfrm>
+            <a:off x="309384" y="777279"/>
+            <a:ext cx="12192000" cy="457200"/>
+          </a:xfrm>
+          <a:prstGeom prst="rect">
+            <a:avLst/>
+          </a:prstGeom>
+          <a:noFill/>
+          <a:ln>
+            <a:noFill/>
+          </a:ln>
+          <a:effectLst/>
+          <a:extLst>
+            <a:ext uri="{909E8E84-426E-40DD-AFC4-6F175D3DCCD1}">
+              <a14:hiddenFill xmlns:a14="http://schemas.microsoft.com/office/drawing/2010/main">
+                <a:solidFill>
+                  <a:schemeClr val="accent1"/>
+                </a:solidFill>
+              </a14:hiddenFill>
+            </a:ext>
+            <a:ext uri="{91240B29-F687-4F45-9708-019B960494DF}">
+              <a14:hiddenLine xmlns:a14="http://schemas.microsoft.com/office/drawing/2010/main" w="9525">
+                <a:solidFill>
+                  <a:schemeClr val="tx1"/>
+                </a:solidFill>
+                <a:miter lim="800000"/>
+                <a:headEnd/>
+                <a:tailEnd/>
+              </a14:hiddenLine>
+            </a:ext>
+            <a:ext uri="{AF507438-7753-43E0-B8FC-AC1667EBCBE1}">
+              <a14:hiddenEffects xmlns:a14="http://schemas.microsoft.com/office/drawing/2010/main">
+                <a:effectLst>
+                  <a:outerShdw dist="35921" dir="2700000" algn="ctr" rotWithShape="0">
+                    <a:schemeClr val="bg2"/>
+                  </a:outerShdw>
+                </a:effectLst>
+              </a14:hiddenEffects>
+            </a:ext>
+          </a:extLst>
+        </p:spPr>
+        <p:txBody>
+          <a:bodyPr vert="horz" wrap="none" lIns="91440" tIns="45720" rIns="91440" bIns="45720" numCol="1" anchor="ctr" anchorCtr="0" compatLnSpc="1">
+            <a:prstTxWarp prst="textNoShape">
+              <a:avLst/>
+            </a:prstTxWarp>
+            <a:spAutoFit/>
+          </a:bodyPr>
+          <a:lstStyle/>
+          <a:p>
+            <a:pPr xmlns:a="http://schemas.openxmlformats.org/drawingml/2006/main" marL="0" marR="0" lvl="0" indent="0" algn="l" defTabSz="914400" rtl="0" eaLnBrk="0" fontAlgn="base" latinLnBrk="0" hangingPunct="0">
+              <a:lnSpc>
+                <a:spcPct val="100000"/>
+              </a:lnSpc>
+              <a:spcBef>
+                <a:spcPct val="0"/>
+              </a:spcBef>
+              <a:spcAft>
+                <a:spcPct val="0"/>
+              </a:spcAft>
+              <a:buClrTx/>
+              <a:buSzTx/>
+              <a:buFontTx/>
+              <a:buNone/>
+              <a:tabLst/>
+            </a:pPr>
+            <a:r xmlns:a="http://schemas.openxmlformats.org/drawingml/2006/main">
+              <a:rPr kumimoji="0" lang="en" altLang="en-US" sz="1800" b="0" i="0" u="none" strike="noStrike" cap="none" normalizeH="0" baseline="0" smtClean="0">
+                <a:ln>
+                  <a:noFill/>
+                </a:ln>
+                <a:solidFill>
+                  <a:schemeClr val="tx1"/>
+                </a:solidFill>
+                <a:effectLst/>
+                <a:latin typeface="Arial" panose="020B0604020202020204" pitchFamily="34" charset="0"/>
+              </a:rPr>
+              <a:t>Note that the application of the advanced filter is assisted by a defined number of filtration criteria.</a:t>
+            </a:r>
           </a:p>
         </p:txBody>
       </p:sp>
@@ -5353,62 +6207,16 @@
           </a:bodyPr>
           <a:lstStyle/>
           <a:p>
-            <a:r>
-              <a:rPr lang="en-US" sz="3200" dirty="0" smtClean="0">
+            <a:r xmlns:a="http://schemas.openxmlformats.org/drawingml/2006/main">
+              <a:rPr lang="en" sz="3200" dirty="0" smtClean="0">
                 <a:latin typeface="Segoe UI" panose="020B0502040204020203" pitchFamily="34" charset="0"/>
                 <a:cs typeface="Segoe UI" panose="020B0502040204020203" pitchFamily="34" charset="0"/>
               </a:rPr>
               <a:t>Filter</a:t>
             </a:r>
-            <a:endParaRPr lang="en-US" sz="3200" dirty="0">
+            <a:endParaRPr xmlns:a="http://schemas.openxmlformats.org/drawingml/2006/main" lang="en-US" sz="3200" dirty="0">
               <a:latin typeface="Segoe UI" panose="020B0502040204020203" pitchFamily="34" charset="0"/>
               <a:cs typeface="Segoe UI" panose="020B0502040204020203" pitchFamily="34" charset="0"/>
-            </a:endParaRPr>
-          </a:p>
-        </p:txBody>
-      </p:sp>
-      <p:sp>
-        <p:nvSpPr>
-          <p:cNvPr id="2" name="Rectangle 1"/>
-          <p:cNvSpPr/>
-          <p:nvPr/>
-        </p:nvSpPr>
-        <p:spPr>
-          <a:xfrm>
-            <a:off x="261257" y="872661"/>
-            <a:ext cx="8793365" cy="373692"/>
-          </a:xfrm>
-          <a:prstGeom prst="rect">
-            <a:avLst/>
-          </a:prstGeom>
-        </p:spPr>
-        <p:txBody>
-          <a:bodyPr wrap="square">
-            <a:spAutoFit/>
-          </a:bodyPr>
-          <a:lstStyle/>
-          <a:p>
-            <a:pPr lvl="0">
-              <a:lnSpc>
-                <a:spcPct val="107000"/>
-              </a:lnSpc>
-              <a:spcAft>
-                <a:spcPts val="800"/>
-              </a:spcAft>
-            </a:pPr>
-            <a:r>
-              <a:rPr lang="en-US" dirty="0" smtClean="0">
-                <a:latin typeface="Segoe UI" panose="020B0502040204020203" pitchFamily="34" charset="0"/>
-                <a:ea typeface="Calibri" panose="020F0502020204030204" pitchFamily="34" charset="0"/>
-                <a:cs typeface="Times New Roman" panose="02020603050405020304" pitchFamily="18" charset="0"/>
-              </a:rPr>
-              <a:t>Note that it is applicable to at most two selections per filter in advanced mode</a:t>
-            </a:r>
-            <a:endParaRPr lang="en-US" sz="1400" dirty="0">
-              <a:effectLst/>
-              <a:latin typeface="Calibri" panose="020F0502020204030204" pitchFamily="34" charset="0"/>
-              <a:ea typeface="Calibri" panose="020F0502020204030204" pitchFamily="34" charset="0"/>
-              <a:cs typeface="Times New Roman" panose="02020603050405020304" pitchFamily="18" charset="0"/>
             </a:endParaRPr>
           </a:p>
         </p:txBody>
@@ -5501,6 +6309,97 @@
           <a:lstStyle/>
           <a:p>
             <a:endParaRPr lang="en-US"/>
+          </a:p>
+        </p:txBody>
+      </p:sp>
+      <p:sp>
+        <p:nvSpPr>
+          <p:cNvPr id="3" name="Rectangle 1"/>
+          <p:cNvSpPr>
+            <a:spLocks noChangeArrowheads="1"/>
+          </p:cNvSpPr>
+          <p:nvPr/>
+        </p:nvSpPr>
+        <p:spPr bwMode="auto">
+          <a:xfrm>
+            <a:off x="309384" y="762499"/>
+            <a:ext cx="8064595" cy="369332"/>
+          </a:xfrm>
+          <a:prstGeom prst="rect">
+            <a:avLst/>
+          </a:prstGeom>
+          <a:noFill/>
+          <a:ln>
+            <a:noFill/>
+          </a:ln>
+          <a:effectLst/>
+          <a:extLst>
+            <a:ext uri="{909E8E84-426E-40DD-AFC4-6F175D3DCCD1}">
+              <a14:hiddenFill xmlns:a14="http://schemas.microsoft.com/office/drawing/2010/main">
+                <a:solidFill>
+                  <a:schemeClr val="accent1"/>
+                </a:solidFill>
+              </a14:hiddenFill>
+            </a:ext>
+            <a:ext uri="{91240B29-F687-4F45-9708-019B960494DF}">
+              <a14:hiddenLine xmlns:a14="http://schemas.microsoft.com/office/drawing/2010/main" w="9525">
+                <a:solidFill>
+                  <a:schemeClr val="tx1"/>
+                </a:solidFill>
+                <a:miter lim="800000"/>
+                <a:headEnd/>
+                <a:tailEnd/>
+              </a14:hiddenLine>
+            </a:ext>
+            <a:ext uri="{AF507438-7753-43E0-B8FC-AC1667EBCBE1}">
+              <a14:hiddenEffects xmlns:a14="http://schemas.microsoft.com/office/drawing/2010/main">
+                <a:effectLst>
+                  <a:outerShdw dist="35921" dir="2700000" algn="ctr" rotWithShape="0">
+                    <a:schemeClr val="bg2"/>
+                  </a:outerShdw>
+                </a:effectLst>
+              </a14:hiddenEffects>
+            </a:ext>
+          </a:extLst>
+        </p:spPr>
+        <p:txBody>
+          <a:bodyPr vert="horz" wrap="square" lIns="91440" tIns="45720" rIns="91440" bIns="45720" numCol="1" anchor="ctr" anchorCtr="0" compatLnSpc="1">
+            <a:prstTxWarp prst="textNoShape">
+              <a:avLst/>
+            </a:prstTxWarp>
+            <a:spAutoFit/>
+          </a:bodyPr>
+          <a:lstStyle/>
+          <a:p>
+            <a:pPr xmlns:a="http://schemas.openxmlformats.org/drawingml/2006/main" marL="0" marR="0" lvl="0" indent="0" algn="l" defTabSz="914400" rtl="0" eaLnBrk="0" fontAlgn="base" latinLnBrk="0" hangingPunct="0">
+              <a:lnSpc>
+                <a:spcPct val="100000"/>
+              </a:lnSpc>
+              <a:spcBef>
+                <a:spcPct val="0"/>
+              </a:spcBef>
+              <a:spcAft>
+                <a:spcPct val="0"/>
+              </a:spcAft>
+              <a:buClrTx/>
+              <a:buSzTx/>
+              <a:buFontTx/>
+              <a:buNone/>
+              <a:tabLst/>
+            </a:pPr>
+            <a:r xmlns:a="http://schemas.openxmlformats.org/drawingml/2006/main">
+              <a:rPr kumimoji="0" lang="en" altLang="en-US" sz="1800" b="0" i="0" u="none" strike="noStrike" cap="none" normalizeH="0" baseline="0" smtClean="0">
+                <a:ln>
+                  <a:noFill/>
+                </a:ln>
+                <a:solidFill>
+                  <a:schemeClr val="tx1"/>
+                </a:solidFill>
+                <a:effectLst/>
+                <a:latin typeface="Arial" panose="020B0604020202020204" pitchFamily="34" charset="0"/>
+              </a:rPr>
+              <a:t>Note that it is applicable to at most two selections per filter in advanced mode.</a:t>
+            </a:r>
           </a:p>
         </p:txBody>
       </p:sp>
@@ -5603,8 +6502,8 @@
           </a:bodyPr>
           <a:lstStyle/>
           <a:p>
-            <a:r>
-              <a:rPr lang="en-US" sz="9600" b="1" dirty="0" smtClean="0">
+            <a:r xmlns:a="http://schemas.openxmlformats.org/drawingml/2006/main">
+              <a:rPr lang="en" sz="9600" b="1" dirty="0" smtClean="0">
                 <a:solidFill>
                   <a:srgbClr val="7030A0"/>
                 </a:solidFill>
@@ -5614,7 +6513,7 @@
               </a:rPr>
               <a:t>Thank you</a:t>
             </a:r>
-            <a:endParaRPr lang="en-US" sz="9600" b="1" dirty="0">
+            <a:endParaRPr xmlns:a="http://schemas.openxmlformats.org/drawingml/2006/main" lang="en-US" sz="9600" b="1" dirty="0">
               <a:solidFill>
                 <a:srgbClr val="7030A0"/>
               </a:solidFill>
@@ -5647,8 +6546,8 @@
           </a:bodyPr>
           <a:lstStyle/>
           <a:p>
-            <a:r>
-              <a:rPr lang="en-US" sz="9600" b="1" dirty="0" smtClean="0">
+            <a:r xmlns:a="http://schemas.openxmlformats.org/drawingml/2006/main">
+              <a:rPr lang="en" sz="9600" b="1" dirty="0" smtClean="0">
                 <a:solidFill>
                   <a:schemeClr val="bg1"/>
                 </a:solidFill>
@@ -5658,7 +6557,7 @@
               </a:rPr>
               <a:t>Thank you</a:t>
             </a:r>
-            <a:endParaRPr lang="en-US" sz="9600" b="1" dirty="0">
+            <a:endParaRPr xmlns:a="http://schemas.openxmlformats.org/drawingml/2006/main" lang="en-US" sz="9600" b="1" dirty="0">
               <a:solidFill>
                 <a:schemeClr val="bg1"/>
               </a:solidFill>
@@ -5721,325 +6620,16 @@
           </a:bodyPr>
           <a:lstStyle/>
           <a:p>
-            <a:r>
-              <a:rPr lang="en-US" sz="3200" dirty="0" smtClean="0">
+            <a:r xmlns:a="http://schemas.openxmlformats.org/drawingml/2006/main">
+              <a:rPr lang="en" sz="3200" dirty="0" smtClean="0">
                 <a:latin typeface="Segoe UI" panose="020B0502040204020203" pitchFamily="34" charset="0"/>
                 <a:cs typeface="Segoe UI" panose="020B0502040204020203" pitchFamily="34" charset="0"/>
               </a:rPr>
               <a:t>Filter</a:t>
             </a:r>
-            <a:endParaRPr lang="en-US" sz="3200" dirty="0">
+            <a:endParaRPr xmlns:a="http://schemas.openxmlformats.org/drawingml/2006/main" lang="en-US" sz="3200" dirty="0">
               <a:latin typeface="Segoe UI" panose="020B0502040204020203" pitchFamily="34" charset="0"/>
               <a:cs typeface="Segoe UI" panose="020B0502040204020203" pitchFamily="34" charset="0"/>
-            </a:endParaRPr>
-          </a:p>
-        </p:txBody>
-      </p:sp>
-      <p:sp>
-        <p:nvSpPr>
-          <p:cNvPr id="3" name="Rectangle 2"/>
-          <p:cNvSpPr/>
-          <p:nvPr/>
-        </p:nvSpPr>
-        <p:spPr>
-          <a:xfrm>
-            <a:off x="359800" y="879536"/>
-            <a:ext cx="10427369" cy="366895"/>
-          </a:xfrm>
-          <a:prstGeom prst="rect">
-            <a:avLst/>
-          </a:prstGeom>
-        </p:spPr>
-        <p:txBody>
-          <a:bodyPr wrap="square">
-            <a:spAutoFit/>
-          </a:bodyPr>
-          <a:lstStyle/>
-          <a:p>
-            <a:pPr>
-              <a:lnSpc>
-                <a:spcPct val="107000"/>
-              </a:lnSpc>
-              <a:spcBef>
-                <a:spcPts val="1200"/>
-              </a:spcBef>
-              <a:spcAft>
-                <a:spcPts val="0"/>
-              </a:spcAft>
-            </a:pPr>
-            <a:r>
-              <a:rPr lang="en-US" b="1" kern="0" dirty="0" smtClean="0">
-                <a:latin typeface="Segoe UI" panose="020B0502040204020203" pitchFamily="34" charset="0"/>
-                <a:ea typeface="Times New Roman" panose="02020603050405020304" pitchFamily="18" charset="0"/>
-                <a:cs typeface="Times New Roman" panose="02020603050405020304" pitchFamily="18" charset="0"/>
-              </a:rPr>
-              <a:t>Note: </a:t>
-            </a:r>
-            <a:r>
-              <a:rPr lang="en-US" kern="0" dirty="0" smtClean="0">
-                <a:latin typeface="Segoe UI" panose="020B0502040204020203" pitchFamily="34" charset="0"/>
-                <a:ea typeface="Times New Roman" panose="02020603050405020304" pitchFamily="18" charset="0"/>
-                <a:cs typeface="Times New Roman" panose="02020603050405020304" pitchFamily="18" charset="0"/>
-              </a:rPr>
-              <a:t>This Lab uses</a:t>
-            </a:r>
-            <a:r>
-              <a:rPr lang="en-US" b="1" kern="0" dirty="0" smtClean="0">
-                <a:latin typeface="Segoe UI" panose="020B0502040204020203" pitchFamily="34" charset="0"/>
-                <a:ea typeface="Times New Roman" panose="02020603050405020304" pitchFamily="18" charset="0"/>
-                <a:cs typeface="Times New Roman" panose="02020603050405020304" pitchFamily="18" charset="0"/>
-              </a:rPr>
-              <a:t> the </a:t>
-            </a:r>
-            <a:r>
-              <a:rPr lang="en-US" b="1" kern="0" dirty="0" err="1" smtClean="0">
-                <a:latin typeface="Segoe UI" panose="020B0502040204020203" pitchFamily="34" charset="0"/>
-                <a:ea typeface="Times New Roman" panose="02020603050405020304" pitchFamily="18" charset="0"/>
-                <a:cs typeface="Times New Roman" panose="02020603050405020304" pitchFamily="18" charset="0"/>
-              </a:rPr>
-              <a:t>gdp.xslx</a:t>
-            </a:r>
-            <a:r>
-              <a:rPr lang="en-US" b="1" kern="0" dirty="0" smtClean="0">
-                <a:latin typeface="Segoe UI" panose="020B0502040204020203" pitchFamily="34" charset="0"/>
-                <a:ea typeface="Times New Roman" panose="02020603050405020304" pitchFamily="18" charset="0"/>
-                <a:cs typeface="Times New Roman" panose="02020603050405020304" pitchFamily="18" charset="0"/>
-              </a:rPr>
-              <a:t> </a:t>
-            </a:r>
-            <a:r>
-              <a:rPr lang="en-US" kern="0" dirty="0" smtClean="0">
-                <a:latin typeface="Segoe UI" panose="020B0502040204020203" pitchFamily="34" charset="0"/>
-                <a:ea typeface="Times New Roman" panose="02020603050405020304" pitchFamily="18" charset="0"/>
-                <a:cs typeface="Times New Roman" panose="02020603050405020304" pitchFamily="18" charset="0"/>
-              </a:rPr>
-              <a:t>file located in the </a:t>
-            </a:r>
-            <a:r>
-              <a:rPr lang="en-US" b="1" kern="0" dirty="0" smtClean="0">
-                <a:latin typeface="Segoe UI" panose="020B0502040204020203" pitchFamily="34" charset="0"/>
-                <a:ea typeface="Times New Roman" panose="02020603050405020304" pitchFamily="18" charset="0"/>
-                <a:cs typeface="Times New Roman" panose="02020603050405020304" pitchFamily="18" charset="0"/>
-              </a:rPr>
-              <a:t>resources\</a:t>
-            </a:r>
-            <a:r>
-              <a:rPr lang="en-US" b="1" kern="0" dirty="0" err="1" smtClean="0">
-                <a:latin typeface="Segoe UI" panose="020B0502040204020203" pitchFamily="34" charset="0"/>
-                <a:ea typeface="Times New Roman" panose="02020603050405020304" pitchFamily="18" charset="0"/>
-                <a:cs typeface="Times New Roman" panose="02020603050405020304" pitchFamily="18" charset="0"/>
-              </a:rPr>
-              <a:t>Drillthrough</a:t>
-            </a:r>
-            <a:r>
-              <a:rPr lang="en-US" b="1" kern="0" dirty="0" smtClean="0">
-                <a:latin typeface="Segoe UI" panose="020B0502040204020203" pitchFamily="34" charset="0"/>
-                <a:ea typeface="Times New Roman" panose="02020603050405020304" pitchFamily="18" charset="0"/>
-                <a:cs typeface="Times New Roman" panose="02020603050405020304" pitchFamily="18" charset="0"/>
-              </a:rPr>
-              <a:t> and Filter folder</a:t>
-            </a:r>
-            <a:endParaRPr lang="en-US" sz="2800" b="1" kern="0" dirty="0">
-              <a:effectLst/>
-              <a:latin typeface="Segoe UI" panose="020B0502040204020203" pitchFamily="34" charset="0"/>
-              <a:ea typeface="Times New Roman" panose="02020603050405020304" pitchFamily="18" charset="0"/>
-              <a:cs typeface="Times New Roman" panose="02020603050405020304" pitchFamily="18" charset="0"/>
-            </a:endParaRPr>
-          </a:p>
-        </p:txBody>
-      </p:sp>
-      <p:sp>
-        <p:nvSpPr>
-          <p:cNvPr id="4" name="Rectangle 3"/>
-          <p:cNvSpPr/>
-          <p:nvPr/>
-        </p:nvSpPr>
-        <p:spPr>
-          <a:xfrm>
-            <a:off x="359800" y="1348688"/>
-            <a:ext cx="10482370" cy="685059"/>
-          </a:xfrm>
-          <a:prstGeom prst="rect">
-            <a:avLst/>
-          </a:prstGeom>
-        </p:spPr>
-        <p:txBody>
-          <a:bodyPr wrap="square">
-            <a:spAutoFit/>
-          </a:bodyPr>
-          <a:lstStyle/>
-          <a:p>
-            <a:pPr lvl="0">
-              <a:lnSpc>
-                <a:spcPct val="107000"/>
-              </a:lnSpc>
-              <a:spcAft>
-                <a:spcPts val="800"/>
-              </a:spcAft>
-            </a:pPr>
-            <a:r>
-              <a:rPr lang="en-US" dirty="0">
-                <a:latin typeface="Segoe UI" panose="020B0502040204020203" pitchFamily="34" charset="0"/>
-                <a:ea typeface="Calibri" panose="020F0502020204030204" pitchFamily="34" charset="0"/>
-                <a:cs typeface="Times New Roman" panose="02020603050405020304" pitchFamily="18" charset="0"/>
-              </a:rPr>
-              <a:t>Navigate to the location of the </a:t>
-            </a:r>
-            <a:r>
-              <a:rPr lang="en-US" b="1" dirty="0" err="1">
-                <a:latin typeface="Segoe UI" panose="020B0502040204020203" pitchFamily="34" charset="0"/>
-                <a:ea typeface="Calibri" panose="020F0502020204030204" pitchFamily="34" charset="0"/>
-                <a:cs typeface="Times New Roman" panose="02020603050405020304" pitchFamily="18" charset="0"/>
-              </a:rPr>
-              <a:t>gdp.xslx</a:t>
-            </a:r>
-            <a:r>
-              <a:rPr lang="en-US" b="1" dirty="0">
-                <a:latin typeface="Segoe UI" panose="020B0502040204020203" pitchFamily="34" charset="0"/>
-                <a:ea typeface="Calibri" panose="020F0502020204030204" pitchFamily="34" charset="0"/>
-                <a:cs typeface="Times New Roman" panose="02020603050405020304" pitchFamily="18" charset="0"/>
-              </a:rPr>
-              <a:t> file </a:t>
-            </a:r>
-            <a:r>
-              <a:rPr lang="en-US" dirty="0">
-                <a:latin typeface="Segoe UI" panose="020B0502040204020203" pitchFamily="34" charset="0"/>
-                <a:ea typeface="Calibri" panose="020F0502020204030204" pitchFamily="34" charset="0"/>
-                <a:cs typeface="Times New Roman" panose="02020603050405020304" pitchFamily="18" charset="0"/>
-              </a:rPr>
-              <a:t>and load both tables </a:t>
-            </a:r>
-            <a:r>
-              <a:rPr lang="en-US" b="1" dirty="0">
-                <a:latin typeface="Segoe UI" panose="020B0502040204020203" pitchFamily="34" charset="0"/>
-                <a:ea typeface="Calibri" panose="020F0502020204030204" pitchFamily="34" charset="0"/>
-                <a:cs typeface="Times New Roman" panose="02020603050405020304" pitchFamily="18" charset="0"/>
-              </a:rPr>
-              <a:t>continent </a:t>
-            </a:r>
-            <a:r>
-              <a:rPr lang="en-US" dirty="0">
-                <a:latin typeface="Segoe UI" panose="020B0502040204020203" pitchFamily="34" charset="0"/>
-                <a:ea typeface="Calibri" panose="020F0502020204030204" pitchFamily="34" charset="0"/>
-                <a:cs typeface="Times New Roman" panose="02020603050405020304" pitchFamily="18" charset="0"/>
-              </a:rPr>
-              <a:t>and </a:t>
-            </a:r>
-            <a:r>
-              <a:rPr lang="en-US" b="1" dirty="0" err="1">
-                <a:latin typeface="Segoe UI" panose="020B0502040204020203" pitchFamily="34" charset="0"/>
-                <a:ea typeface="Calibri" panose="020F0502020204030204" pitchFamily="34" charset="0"/>
-                <a:cs typeface="Times New Roman" panose="02020603050405020304" pitchFamily="18" charset="0"/>
-              </a:rPr>
-              <a:t>gdp</a:t>
-            </a:r>
-            <a:r>
-              <a:rPr lang="en-US" b="1" dirty="0">
-                <a:latin typeface="Segoe UI" panose="020B0502040204020203" pitchFamily="34" charset="0"/>
-                <a:ea typeface="Calibri" panose="020F0502020204030204" pitchFamily="34" charset="0"/>
-                <a:cs typeface="Times New Roman" panose="02020603050405020304" pitchFamily="18" charset="0"/>
-              </a:rPr>
-              <a:t> 2018 </a:t>
-            </a:r>
-            <a:r>
-              <a:rPr lang="en-US" dirty="0">
-                <a:latin typeface="Segoe UI" panose="020B0502040204020203" pitchFamily="34" charset="0"/>
-                <a:ea typeface="Calibri" panose="020F0502020204030204" pitchFamily="34" charset="0"/>
-                <a:cs typeface="Times New Roman" panose="02020603050405020304" pitchFamily="18" charset="0"/>
-              </a:rPr>
-              <a:t>at the query editor level</a:t>
-            </a:r>
-            <a:endParaRPr lang="en-US" sz="1400" dirty="0">
-              <a:effectLst/>
-              <a:latin typeface="Calibri" panose="020F0502020204030204" pitchFamily="34" charset="0"/>
-              <a:ea typeface="Calibri" panose="020F0502020204030204" pitchFamily="34" charset="0"/>
-              <a:cs typeface="Times New Roman" panose="02020603050405020304" pitchFamily="18" charset="0"/>
-            </a:endParaRPr>
-          </a:p>
-        </p:txBody>
-      </p:sp>
-      <p:sp>
-        <p:nvSpPr>
-          <p:cNvPr id="5" name="Rectangle 4"/>
-          <p:cNvSpPr/>
-          <p:nvPr/>
-        </p:nvSpPr>
-        <p:spPr>
-          <a:xfrm>
-            <a:off x="309384" y="2136004"/>
-            <a:ext cx="9093583" cy="373692"/>
-          </a:xfrm>
-          <a:prstGeom prst="rect">
-            <a:avLst/>
-          </a:prstGeom>
-        </p:spPr>
-        <p:txBody>
-          <a:bodyPr wrap="square">
-            <a:spAutoFit/>
-          </a:bodyPr>
-          <a:lstStyle/>
-          <a:p>
-            <a:pPr lvl="0">
-              <a:lnSpc>
-                <a:spcPct val="107000"/>
-              </a:lnSpc>
-              <a:spcAft>
-                <a:spcPts val="800"/>
-              </a:spcAft>
-            </a:pPr>
-            <a:r>
-              <a:rPr lang="en-US" dirty="0" smtClean="0">
-                <a:latin typeface="Segoe UI" panose="020B0502040204020203" pitchFamily="34" charset="0"/>
-                <a:ea typeface="Calibri" panose="020F0502020204030204" pitchFamily="34" charset="0"/>
-                <a:cs typeface="Times New Roman" panose="02020603050405020304" pitchFamily="18" charset="0"/>
-              </a:rPr>
-              <a:t>Check that the relationship between </a:t>
-            </a:r>
-            <a:r>
-              <a:rPr lang="en-US" b="1" dirty="0" smtClean="0">
-                <a:latin typeface="Segoe UI" panose="020B0502040204020203" pitchFamily="34" charset="0"/>
-                <a:ea typeface="Calibri" panose="020F0502020204030204" pitchFamily="34" charset="0"/>
-                <a:cs typeface="Times New Roman" panose="02020603050405020304" pitchFamily="18" charset="0"/>
-              </a:rPr>
-              <a:t>contains </a:t>
-            </a:r>
-            <a:r>
-              <a:rPr lang="en-US" dirty="0" smtClean="0">
-                <a:latin typeface="Segoe UI" panose="020B0502040204020203" pitchFamily="34" charset="0"/>
-                <a:ea typeface="Calibri" panose="020F0502020204030204" pitchFamily="34" charset="0"/>
-                <a:cs typeface="Times New Roman" panose="02020603050405020304" pitchFamily="18" charset="0"/>
-              </a:rPr>
-              <a:t>and </a:t>
-            </a:r>
-            <a:r>
-              <a:rPr lang="en-US" b="1" dirty="0" err="1" smtClean="0">
-                <a:latin typeface="Segoe UI" panose="020B0502040204020203" pitchFamily="34" charset="0"/>
-                <a:ea typeface="Calibri" panose="020F0502020204030204" pitchFamily="34" charset="0"/>
-                <a:cs typeface="Times New Roman" panose="02020603050405020304" pitchFamily="18" charset="0"/>
-              </a:rPr>
-              <a:t>gdp</a:t>
-            </a:r>
-            <a:r>
-              <a:rPr lang="en-US" b="1" dirty="0" smtClean="0">
-                <a:latin typeface="Segoe UI" panose="020B0502040204020203" pitchFamily="34" charset="0"/>
-                <a:ea typeface="Calibri" panose="020F0502020204030204" pitchFamily="34" charset="0"/>
-                <a:cs typeface="Times New Roman" panose="02020603050405020304" pitchFamily="18" charset="0"/>
-              </a:rPr>
-              <a:t> 2018 </a:t>
-            </a:r>
-            <a:r>
-              <a:rPr lang="en-US" dirty="0" smtClean="0">
-                <a:latin typeface="Segoe UI" panose="020B0502040204020203" pitchFamily="34" charset="0"/>
-                <a:ea typeface="Calibri" panose="020F0502020204030204" pitchFamily="34" charset="0"/>
-                <a:cs typeface="Times New Roman" panose="02020603050405020304" pitchFamily="18" charset="0"/>
-              </a:rPr>
-              <a:t>is established</a:t>
-            </a:r>
-            <a:endParaRPr lang="en-US" sz="1400" dirty="0">
-              <a:effectLst/>
-              <a:latin typeface="Calibri" panose="020F0502020204030204" pitchFamily="34" charset="0"/>
-              <a:ea typeface="Calibri" panose="020F0502020204030204" pitchFamily="34" charset="0"/>
-              <a:cs typeface="Times New Roman" panose="02020603050405020304" pitchFamily="18" charset="0"/>
             </a:endParaRPr>
           </a:p>
         </p:txBody>
@@ -6050,7 +6640,7 @@
           <p:cNvPicPr/>
           <p:nvPr/>
         </p:nvPicPr>
-        <p:blipFill>
+        <p:blipFill rotWithShape="1">
           <a:blip r:embed="rId2">
             <a:extLst>
               <a:ext uri="{28A0092B-C50C-407E-A947-70E740481C1C}">
@@ -6058,15 +6648,13 @@
               </a:ext>
             </a:extLst>
           </a:blip>
-          <a:srcRect/>
-          <a:stretch>
-            <a:fillRect/>
-          </a:stretch>
+          <a:srcRect l="3245" t="7170" r="3119" b="10668"/>
+          <a:stretch/>
         </p:blipFill>
         <p:spPr bwMode="auto">
           <a:xfrm>
-            <a:off x="400334" y="2730767"/>
-            <a:ext cx="6199845" cy="3697534"/>
+            <a:off x="2350478" y="3005846"/>
+            <a:ext cx="5805238" cy="3037974"/>
           </a:xfrm>
           <a:prstGeom prst="rect">
             <a:avLst/>
@@ -6083,6 +6671,768 @@
           </a:effectLst>
         </p:spPr>
       </p:pic>
+      <p:sp>
+        <p:nvSpPr>
+          <p:cNvPr id="7" name="Rectangle 1"/>
+          <p:cNvSpPr>
+            <a:spLocks noChangeArrowheads="1"/>
+          </p:cNvSpPr>
+          <p:nvPr/>
+        </p:nvSpPr>
+        <p:spPr bwMode="auto">
+          <a:xfrm>
+            <a:off x="316833" y="792551"/>
+            <a:ext cx="11351184" cy="400110"/>
+          </a:xfrm>
+          <a:prstGeom prst="rect">
+            <a:avLst/>
+          </a:prstGeom>
+          <a:noFill/>
+          <a:ln>
+            <a:noFill/>
+          </a:ln>
+          <a:effectLst/>
+          <a:extLst>
+            <a:ext uri="{909E8E84-426E-40DD-AFC4-6F175D3DCCD1}">
+              <a14:hiddenFill xmlns:a14="http://schemas.microsoft.com/office/drawing/2010/main">
+                <a:solidFill>
+                  <a:schemeClr val="accent1"/>
+                </a:solidFill>
+              </a14:hiddenFill>
+            </a:ext>
+            <a:ext uri="{91240B29-F687-4F45-9708-019B960494DF}">
+              <a14:hiddenLine xmlns:a14="http://schemas.microsoft.com/office/drawing/2010/main" w="9525">
+                <a:solidFill>
+                  <a:schemeClr val="tx1"/>
+                </a:solidFill>
+                <a:miter lim="800000"/>
+                <a:headEnd/>
+                <a:tailEnd/>
+              </a14:hiddenLine>
+            </a:ext>
+            <a:ext uri="{AF507438-7753-43E0-B8FC-AC1667EBCBE1}">
+              <a14:hiddenEffects xmlns:a14="http://schemas.microsoft.com/office/drawing/2010/main">
+                <a:effectLst>
+                  <a:outerShdw dist="35921" dir="2700000" algn="ctr" rotWithShape="0">
+                    <a:schemeClr val="bg2"/>
+                  </a:outerShdw>
+                </a:effectLst>
+              </a14:hiddenEffects>
+            </a:ext>
+          </a:extLst>
+        </p:spPr>
+        <p:txBody>
+          <a:bodyPr vert="horz" wrap="none" lIns="91440" tIns="45720" rIns="91440" bIns="45720" numCol="1" anchor="ctr" anchorCtr="0" compatLnSpc="1">
+            <a:prstTxWarp prst="textNoShape">
+              <a:avLst/>
+            </a:prstTxWarp>
+            <a:spAutoFit/>
+          </a:bodyPr>
+          <a:lstStyle/>
+          <a:p>
+            <a:pPr xmlns:a="http://schemas.openxmlformats.org/drawingml/2006/main" marL="0" marR="0" lvl="0" indent="0" algn="l" defTabSz="914400" rtl="0" eaLnBrk="0" fontAlgn="base" latinLnBrk="0" hangingPunct="0">
+              <a:lnSpc>
+                <a:spcPct val="100000"/>
+              </a:lnSpc>
+              <a:spcBef>
+                <a:spcPct val="0"/>
+              </a:spcBef>
+              <a:spcAft>
+                <a:spcPct val="0"/>
+              </a:spcAft>
+              <a:buClrTx/>
+              <a:buSzTx/>
+              <a:buFontTx/>
+              <a:buNone/>
+              <a:tabLst/>
+            </a:pPr>
+            <a:r xmlns:a="http://schemas.openxmlformats.org/drawingml/2006/main">
+              <a:rPr kumimoji="0" lang="en" altLang="en-US" sz="2000" b="1" i="0" u="none" strike="noStrike" cap="none" normalizeH="0" baseline="0" dirty="0" smtClean="0">
+                <a:ln>
+                  <a:noFill/>
+                </a:ln>
+                <a:solidFill>
+                  <a:schemeClr val="tx1"/>
+                </a:solidFill>
+                <a:effectLst/>
+                <a:latin typeface="Arial" panose="020B0604020202020204" pitchFamily="34" charset="0"/>
+              </a:rPr>
+              <a:t>Note: </a:t>
+            </a:r>
+            <a:r xmlns:a="http://schemas.openxmlformats.org/drawingml/2006/main">
+              <a:rPr kumimoji="0" lang="en" altLang="en-US" sz="2000" b="0" i="0" u="none" strike="noStrike" cap="none" normalizeH="0" baseline="0" dirty="0" smtClean="0">
+                <a:ln>
+                  <a:noFill/>
+                </a:ln>
+                <a:solidFill>
+                  <a:schemeClr val="tx1"/>
+                </a:solidFill>
+                <a:effectLst/>
+                <a:latin typeface="Arial" panose="020B0604020202020204" pitchFamily="34" charset="0"/>
+              </a:rPr>
+              <a:t>This </a:t>
+            </a:r>
+            <a:r xmlns:a="http://schemas.openxmlformats.org/drawingml/2006/main">
+              <a:rPr kumimoji="0" lang="en" altLang="en-US" sz="2000" b="0" i="0" u="none" strike="noStrike" cap="none" normalizeH="0" dirty="0" smtClean="0">
+                <a:ln>
+                  <a:noFill/>
+                </a:ln>
+                <a:solidFill>
+                  <a:schemeClr val="tx1"/>
+                </a:solidFill>
+                <a:effectLst/>
+                <a:latin typeface="Arial" panose="020B0604020202020204" pitchFamily="34" charset="0"/>
+              </a:rPr>
+              <a:t>workshop uses the </a:t>
+            </a:r>
+            <a:r xmlns:a="http://schemas.openxmlformats.org/drawingml/2006/main">
+              <a:rPr kumimoji="0" lang="en" altLang="en-US" sz="2000" b="1" i="0" u="none" strike="noStrike" cap="none" normalizeH="0" baseline="0" dirty="0" smtClean="0">
+                <a:ln>
+                  <a:noFill/>
+                </a:ln>
+                <a:solidFill>
+                  <a:schemeClr val="tx1"/>
+                </a:solidFill>
+                <a:effectLst/>
+                <a:latin typeface="Arial Unicode MS"/>
+              </a:rPr>
+              <a:t>gdp.xlsx </a:t>
+            </a:r>
+            <a:r xmlns:a="http://schemas.openxmlformats.org/drawingml/2006/main">
+              <a:rPr kumimoji="0" lang="en" altLang="en-US" sz="2000" b="0" i="0" u="none" strike="noStrike" cap="none" normalizeH="0" baseline="0" dirty="0" smtClean="0">
+                <a:ln>
+                  <a:noFill/>
+                </a:ln>
+                <a:solidFill>
+                  <a:schemeClr val="tx1"/>
+                </a:solidFill>
+                <a:effectLst/>
+                <a:latin typeface="Arial" panose="020B0604020202020204" pitchFamily="34" charset="0"/>
+              </a:rPr>
+              <a:t>file </a:t>
+            </a:r>
+            <a:r xmlns:a="http://schemas.openxmlformats.org/drawingml/2006/main">
+              <a:rPr kumimoji="0" lang="en" altLang="en-US" sz="2000" b="0" i="0" u="none" strike="noStrike" cap="none" normalizeH="0" baseline="0" dirty="0" smtClean="0">
+                <a:ln>
+                  <a:noFill/>
+                </a:ln>
+                <a:solidFill>
+                  <a:schemeClr val="tx1"/>
+                </a:solidFill>
+                <a:effectLst/>
+              </a:rPr>
+              <a:t>located in the </a:t>
+            </a:r>
+            <a:r xmlns:a="http://schemas.openxmlformats.org/drawingml/2006/main">
+              <a:rPr kumimoji="0" lang="en" altLang="en-US" sz="2000" b="1" i="0" u="none" strike="noStrike" cap="none" normalizeH="0" baseline="0" dirty="0" err="1" smtClean="0">
+                <a:ln>
+                  <a:noFill/>
+                </a:ln>
+                <a:solidFill>
+                  <a:schemeClr val="tx1"/>
+                </a:solidFill>
+                <a:effectLst/>
+                <a:latin typeface="Arial Unicode MS"/>
+              </a:rPr>
+              <a:t>resources </a:t>
+            </a:r>
+            <a:r xmlns:a="http://schemas.openxmlformats.org/drawingml/2006/main">
+              <a:rPr kumimoji="0" lang="en" altLang="en-US" sz="2000" b="1" i="0" u="none" strike="noStrike" cap="none" normalizeH="0" baseline="0" dirty="0" smtClean="0">
+                <a:ln>
+                  <a:noFill/>
+                </a:ln>
+                <a:solidFill>
+                  <a:schemeClr val="tx1"/>
+                </a:solidFill>
+                <a:effectLst/>
+                <a:latin typeface="Arial Unicode MS"/>
+              </a:rPr>
+              <a:t>\ </a:t>
+            </a:r>
+            <a:r xmlns:a="http://schemas.openxmlformats.org/drawingml/2006/main">
+              <a:rPr kumimoji="0" lang="en" altLang="en-US" sz="2000" b="1" i="0" u="none" strike="noStrike" cap="none" normalizeH="0" baseline="0" dirty="0" err="1" smtClean="0">
+                <a:ln>
+                  <a:noFill/>
+                </a:ln>
+                <a:solidFill>
+                  <a:schemeClr val="tx1"/>
+                </a:solidFill>
+                <a:effectLst/>
+                <a:latin typeface="Arial Unicode MS"/>
+              </a:rPr>
+              <a:t>Drillthrough </a:t>
+            </a:r>
+            <a:r xmlns:a="http://schemas.openxmlformats.org/drawingml/2006/main">
+              <a:rPr kumimoji="0" lang="en" altLang="en-US" sz="2000" b="1" i="0" u="none" strike="noStrike" cap="none" normalizeH="0" baseline="0" dirty="0" smtClean="0">
+                <a:ln>
+                  <a:noFill/>
+                </a:ln>
+                <a:solidFill>
+                  <a:schemeClr val="tx1"/>
+                </a:solidFill>
+                <a:effectLst/>
+                <a:latin typeface="Arial Unicode MS"/>
+              </a:rPr>
+              <a:t>and Filter folder </a:t>
+            </a:r>
+            <a:r xmlns:a="http://schemas.openxmlformats.org/drawingml/2006/main">
+              <a:rPr kumimoji="0" lang="en" altLang="en-US" sz="2000" b="0" i="0" u="none" strike="noStrike" cap="none" normalizeH="0" baseline="0" dirty="0" smtClean="0">
+                <a:ln>
+                  <a:noFill/>
+                </a:ln>
+                <a:solidFill>
+                  <a:schemeClr val="tx1"/>
+                </a:solidFill>
+                <a:effectLst/>
+              </a:rPr>
+              <a:t>.</a:t>
+            </a:r>
+            <a:endParaRPr xmlns:a="http://schemas.openxmlformats.org/drawingml/2006/main" kumimoji="0" lang="fr-FR" altLang="en-US" sz="2000" b="0" i="0" u="none" strike="noStrike" cap="none" normalizeH="0" baseline="0" dirty="0" smtClean="0">
+              <a:ln>
+                <a:noFill/>
+              </a:ln>
+              <a:solidFill>
+                <a:schemeClr val="tx1"/>
+              </a:solidFill>
+              <a:effectLst/>
+              <a:latin typeface="Arial" panose="020B0604020202020204" pitchFamily="34" charset="0"/>
+            </a:endParaRPr>
+          </a:p>
+        </p:txBody>
+      </p:sp>
+      <p:sp>
+        <p:nvSpPr>
+          <p:cNvPr id="8" name="Rectangle 2"/>
+          <p:cNvSpPr>
+            <a:spLocks noChangeArrowheads="1"/>
+          </p:cNvSpPr>
+          <p:nvPr/>
+        </p:nvSpPr>
+        <p:spPr bwMode="auto">
+          <a:xfrm>
+            <a:off x="335224" y="1317448"/>
+            <a:ext cx="10213052" cy="707886"/>
+          </a:xfrm>
+          <a:prstGeom prst="rect">
+            <a:avLst/>
+          </a:prstGeom>
+          <a:noFill/>
+          <a:ln>
+            <a:noFill/>
+          </a:ln>
+          <a:effectLst/>
+          <a:extLst>
+            <a:ext uri="{909E8E84-426E-40DD-AFC4-6F175D3DCCD1}">
+              <a14:hiddenFill xmlns:a14="http://schemas.microsoft.com/office/drawing/2010/main">
+                <a:solidFill>
+                  <a:schemeClr val="accent1"/>
+                </a:solidFill>
+              </a14:hiddenFill>
+            </a:ext>
+            <a:ext uri="{91240B29-F687-4F45-9708-019B960494DF}">
+              <a14:hiddenLine xmlns:a14="http://schemas.microsoft.com/office/drawing/2010/main" w="9525">
+                <a:solidFill>
+                  <a:schemeClr val="tx1"/>
+                </a:solidFill>
+                <a:miter lim="800000"/>
+                <a:headEnd/>
+                <a:tailEnd/>
+              </a14:hiddenLine>
+            </a:ext>
+            <a:ext uri="{AF507438-7753-43E0-B8FC-AC1667EBCBE1}">
+              <a14:hiddenEffects xmlns:a14="http://schemas.microsoft.com/office/drawing/2010/main">
+                <a:effectLst>
+                  <a:outerShdw dist="35921" dir="2700000" algn="ctr" rotWithShape="0">
+                    <a:schemeClr val="bg2"/>
+                  </a:outerShdw>
+                </a:effectLst>
+              </a14:hiddenEffects>
+            </a:ext>
+          </a:extLst>
+        </p:spPr>
+        <p:txBody>
+          <a:bodyPr vert="horz" wrap="none" lIns="91440" tIns="45720" rIns="91440" bIns="45720" numCol="1" anchor="ctr" anchorCtr="0" compatLnSpc="1">
+            <a:prstTxWarp prst="textNoShape">
+              <a:avLst/>
+            </a:prstTxWarp>
+            <a:spAutoFit/>
+          </a:bodyPr>
+          <a:lstStyle/>
+          <a:p>
+            <a:pPr xmlns:a="http://schemas.openxmlformats.org/drawingml/2006/main" marL="0" marR="0" lvl="0" indent="0" algn="l" defTabSz="914400" rtl="0" eaLnBrk="0" fontAlgn="base" latinLnBrk="0" hangingPunct="0">
+              <a:lnSpc>
+                <a:spcPct val="100000"/>
+              </a:lnSpc>
+              <a:spcBef>
+                <a:spcPct val="0"/>
+              </a:spcBef>
+              <a:spcAft>
+                <a:spcPct val="0"/>
+              </a:spcAft>
+              <a:buClrTx/>
+              <a:buSzTx/>
+              <a:buFontTx/>
+              <a:buNone/>
+              <a:tabLst/>
+            </a:pPr>
+            <a:r xmlns:a="http://schemas.openxmlformats.org/drawingml/2006/main">
+              <a:rPr kumimoji="0" lang="en" altLang="en-US" sz="2000" i="0" u="none" strike="noStrike" cap="none" normalizeH="0" baseline="0" dirty="0" smtClean="0">
+                <a:ln>
+                  <a:noFill/>
+                </a:ln>
+                <a:solidFill>
+                  <a:schemeClr val="tx1"/>
+                </a:solidFill>
+                <a:effectLst/>
+                <a:latin typeface="Arial" panose="020B0604020202020204" pitchFamily="34" charset="0"/>
+              </a:rPr>
+              <a:t>Navigate to the location of the </a:t>
+            </a:r>
+            <a:r xmlns:a="http://schemas.openxmlformats.org/drawingml/2006/main">
+              <a:rPr kumimoji="0" lang="en" altLang="en-US" sz="2000" b="1" i="0" u="none" strike="noStrike" cap="none" normalizeH="0" baseline="0" dirty="0" smtClean="0">
+                <a:ln>
+                  <a:noFill/>
+                </a:ln>
+                <a:solidFill>
+                  <a:schemeClr val="tx1"/>
+                </a:solidFill>
+                <a:effectLst/>
+                <a:latin typeface="Arial" panose="020B0604020202020204" pitchFamily="34" charset="0"/>
+              </a:rPr>
+              <a:t>gdp.xlsx </a:t>
+            </a:r>
+            <a:r xmlns:a="http://schemas.openxmlformats.org/drawingml/2006/main">
+              <a:rPr kumimoji="0" lang="en" altLang="en-US" sz="2000" b="0" i="0" u="none" strike="noStrike" cap="none" normalizeH="0" baseline="0" dirty="0" smtClean="0">
+                <a:ln>
+                  <a:noFill/>
+                </a:ln>
+                <a:solidFill>
+                  <a:schemeClr val="tx1"/>
+                </a:solidFill>
+                <a:effectLst/>
+                <a:latin typeface="Arial" panose="020B0604020202020204" pitchFamily="34" charset="0"/>
+              </a:rPr>
+              <a:t>file </a:t>
+            </a:r>
+            <a:r xmlns:a="http://schemas.openxmlformats.org/drawingml/2006/main">
+              <a:rPr kumimoji="0" lang="en" altLang="en-US" sz="2000" b="0" i="0" u="none" strike="noStrike" cap="none" normalizeH="0" baseline="0" dirty="0" smtClean="0">
+                <a:ln>
+                  <a:noFill/>
+                </a:ln>
+                <a:solidFill>
+                  <a:schemeClr val="tx1"/>
+                </a:solidFill>
+                <a:effectLst/>
+                <a:latin typeface="Arial" panose="020B0604020202020204" pitchFamily="34" charset="0"/>
+              </a:rPr>
+              <a:t>and </a:t>
+            </a:r>
+            <a:r xmlns:a="http://schemas.openxmlformats.org/drawingml/2006/main">
+              <a:rPr kumimoji="0" lang="en" altLang="en-US" sz="2000" b="1" i="0" u="none" strike="noStrike" cap="none" normalizeH="0" baseline="0" dirty="0" smtClean="0">
+                <a:ln>
+                  <a:noFill/>
+                </a:ln>
+                <a:solidFill>
+                  <a:schemeClr val="tx1"/>
+                </a:solidFill>
+                <a:effectLst/>
+                <a:latin typeface="Arial" panose="020B0604020202020204" pitchFamily="34" charset="0"/>
+              </a:rPr>
+              <a:t>load both tables</a:t>
+            </a:r>
+            <a:r xmlns:a="http://schemas.openxmlformats.org/drawingml/2006/main">
+              <a:rPr kumimoji="0" lang="en" altLang="en-US" sz="2000" b="0" i="0" u="none" strike="noStrike" cap="none" normalizeH="0" baseline="0" dirty="0" smtClean="0">
+                <a:ln>
+                  <a:noFill/>
+                </a:ln>
+                <a:solidFill>
+                  <a:schemeClr val="tx1"/>
+                </a:solidFill>
+                <a:effectLst/>
+                <a:latin typeface="Arial" panose="020B0604020202020204" pitchFamily="34" charset="0"/>
+              </a:rPr>
+              <a:t> </a:t>
+            </a:r>
+            <a:r xmlns:a="http://schemas.openxmlformats.org/drawingml/2006/main">
+              <a:rPr kumimoji="0" lang="en" altLang="en-US" sz="2000" b="0" i="0" u="none" strike="noStrike" cap="none" normalizeH="0" baseline="0" dirty="0" smtClean="0">
+                <a:ln>
+                  <a:noFill/>
+                </a:ln>
+                <a:solidFill>
+                  <a:schemeClr val="tx1"/>
+                </a:solidFill>
+                <a:effectLst/>
+                <a:latin typeface="Arial Unicode MS"/>
+              </a:rPr>
+              <a:t>continent</a:t>
+            </a:r>
+            <a:r xmlns:a="http://schemas.openxmlformats.org/drawingml/2006/main">
+              <a:rPr kumimoji="0" lang="en" altLang="en-US" sz="2000" b="0" i="0" u="none" strike="noStrike" cap="none" normalizeH="0" baseline="0" dirty="0" smtClean="0">
+                <a:ln>
+                  <a:noFill/>
+                </a:ln>
+                <a:solidFill>
+                  <a:schemeClr val="tx1"/>
+                </a:solidFill>
+                <a:effectLst/>
+              </a:rPr>
+              <a:t> </a:t>
+            </a:r>
+          </a:p>
+          <a:p>
+            <a:pPr xmlns:a="http://schemas.openxmlformats.org/drawingml/2006/main" marL="0" marR="0" lvl="0" indent="0" algn="l" defTabSz="914400" rtl="0" eaLnBrk="0" fontAlgn="base" latinLnBrk="0" hangingPunct="0">
+              <a:lnSpc>
+                <a:spcPct val="100000"/>
+              </a:lnSpc>
+              <a:spcBef>
+                <a:spcPct val="0"/>
+              </a:spcBef>
+              <a:spcAft>
+                <a:spcPct val="0"/>
+              </a:spcAft>
+              <a:buClrTx/>
+              <a:buSzTx/>
+              <a:buFontTx/>
+              <a:buNone/>
+              <a:tabLst/>
+            </a:pPr>
+            <a:r xmlns:a="http://schemas.openxmlformats.org/drawingml/2006/main">
+              <a:rPr kumimoji="0" lang="en" altLang="en-US" sz="2000" b="0" i="0" u="none" strike="noStrike" cap="none" normalizeH="0" baseline="0" dirty="0" smtClean="0">
+                <a:ln>
+                  <a:noFill/>
+                </a:ln>
+                <a:solidFill>
+                  <a:schemeClr val="tx1"/>
+                </a:solidFill>
+                <a:effectLst/>
+              </a:rPr>
+              <a:t>and </a:t>
+            </a:r>
+            <a:r xmlns:a="http://schemas.openxmlformats.org/drawingml/2006/main">
+              <a:rPr kumimoji="0" lang="en" altLang="en-US" sz="2000" b="1" i="0" u="none" strike="noStrike" cap="none" normalizeH="0" baseline="0" dirty="0" err="1" smtClean="0">
+                <a:ln>
+                  <a:noFill/>
+                </a:ln>
+                <a:solidFill>
+                  <a:schemeClr val="tx1"/>
+                </a:solidFill>
+                <a:effectLst/>
+                <a:latin typeface="Arial Unicode MS"/>
+              </a:rPr>
+              <a:t>GDP </a:t>
+            </a:r>
+            <a:r xmlns:a="http://schemas.openxmlformats.org/drawingml/2006/main">
+              <a:rPr kumimoji="0" lang="en" altLang="en-US" sz="2000" b="1" i="0" u="none" strike="noStrike" cap="none" normalizeH="0" baseline="0" dirty="0" smtClean="0">
+                <a:ln>
+                  <a:noFill/>
+                </a:ln>
+                <a:solidFill>
+                  <a:schemeClr val="tx1"/>
+                </a:solidFill>
+                <a:effectLst/>
+                <a:latin typeface="Arial Unicode MS"/>
+              </a:rPr>
+              <a:t>2018</a:t>
+            </a:r>
+            <a:r xmlns:a="http://schemas.openxmlformats.org/drawingml/2006/main">
+              <a:rPr kumimoji="0" lang="en" altLang="en-US" sz="2000" b="1" i="0" u="none" strike="noStrike" cap="none" normalizeH="0" baseline="0" dirty="0" smtClean="0">
+                <a:ln>
+                  <a:noFill/>
+                </a:ln>
+                <a:solidFill>
+                  <a:schemeClr val="tx1"/>
+                </a:solidFill>
+                <a:effectLst/>
+              </a:rPr>
+              <a:t> </a:t>
+            </a:r>
+            <a:r xmlns:a="http://schemas.openxmlformats.org/drawingml/2006/main">
+              <a:rPr kumimoji="0" lang="en" altLang="en-US" sz="2000" b="0" i="0" u="none" strike="noStrike" cap="none" normalizeH="0" baseline="0" dirty="0" smtClean="0">
+                <a:ln>
+                  <a:noFill/>
+                </a:ln>
+                <a:solidFill>
+                  <a:schemeClr val="tx1"/>
+                </a:solidFill>
+                <a:effectLst/>
+              </a:rPr>
+              <a:t>in the query editor.</a:t>
+            </a:r>
+            <a:endParaRPr xmlns:a="http://schemas.openxmlformats.org/drawingml/2006/main" kumimoji="0" lang="fr-FR" altLang="en-US" sz="2000" b="0" i="0" u="none" strike="noStrike" cap="none" normalizeH="0" baseline="0" dirty="0" smtClean="0">
+              <a:ln>
+                <a:noFill/>
+              </a:ln>
+              <a:solidFill>
+                <a:schemeClr val="tx1"/>
+              </a:solidFill>
+              <a:effectLst/>
+              <a:latin typeface="Arial" panose="020B0604020202020204" pitchFamily="34" charset="0"/>
+            </a:endParaRPr>
+          </a:p>
+        </p:txBody>
+      </p:sp>
+      <p:sp>
+        <p:nvSpPr>
+          <p:cNvPr id="9" name="Rectangle 3"/>
+          <p:cNvSpPr>
+            <a:spLocks noChangeArrowheads="1"/>
+          </p:cNvSpPr>
+          <p:nvPr/>
+        </p:nvSpPr>
+        <p:spPr bwMode="auto">
+          <a:xfrm>
+            <a:off x="411173" y="2131144"/>
+            <a:ext cx="8006231" cy="400110"/>
+          </a:xfrm>
+          <a:prstGeom prst="rect">
+            <a:avLst/>
+          </a:prstGeom>
+          <a:noFill/>
+          <a:ln>
+            <a:noFill/>
+          </a:ln>
+          <a:effectLst/>
+          <a:extLst>
+            <a:ext uri="{909E8E84-426E-40DD-AFC4-6F175D3DCCD1}">
+              <a14:hiddenFill xmlns:a14="http://schemas.microsoft.com/office/drawing/2010/main">
+                <a:solidFill>
+                  <a:schemeClr val="accent1"/>
+                </a:solidFill>
+              </a14:hiddenFill>
+            </a:ext>
+            <a:ext uri="{91240B29-F687-4F45-9708-019B960494DF}">
+              <a14:hiddenLine xmlns:a14="http://schemas.microsoft.com/office/drawing/2010/main" w="9525">
+                <a:solidFill>
+                  <a:schemeClr val="tx1"/>
+                </a:solidFill>
+                <a:miter lim="800000"/>
+                <a:headEnd/>
+                <a:tailEnd/>
+              </a14:hiddenLine>
+            </a:ext>
+            <a:ext uri="{AF507438-7753-43E0-B8FC-AC1667EBCBE1}">
+              <a14:hiddenEffects xmlns:a14="http://schemas.microsoft.com/office/drawing/2010/main">
+                <a:effectLst>
+                  <a:outerShdw dist="35921" dir="2700000" algn="ctr" rotWithShape="0">
+                    <a:schemeClr val="bg2"/>
+                  </a:outerShdw>
+                </a:effectLst>
+              </a14:hiddenEffects>
+            </a:ext>
+          </a:extLst>
+        </p:spPr>
+        <p:txBody>
+          <a:bodyPr vert="horz" wrap="none" lIns="91440" tIns="45720" rIns="91440" bIns="45720" numCol="1" anchor="ctr" anchorCtr="0" compatLnSpc="1">
+            <a:prstTxWarp prst="textNoShape">
+              <a:avLst/>
+            </a:prstTxWarp>
+            <a:spAutoFit/>
+          </a:bodyPr>
+          <a:lstStyle/>
+          <a:p>
+            <a:pPr xmlns:a="http://schemas.openxmlformats.org/drawingml/2006/main" marL="0" marR="0" lvl="0" indent="0" algn="l" defTabSz="914400" rtl="0" eaLnBrk="0" fontAlgn="base" latinLnBrk="0" hangingPunct="0">
+              <a:lnSpc>
+                <a:spcPct val="100000"/>
+              </a:lnSpc>
+              <a:spcBef>
+                <a:spcPct val="0"/>
+              </a:spcBef>
+              <a:spcAft>
+                <a:spcPct val="0"/>
+              </a:spcAft>
+              <a:buClrTx/>
+              <a:buSzTx/>
+              <a:buFontTx/>
+              <a:buNone/>
+              <a:tabLst/>
+            </a:pPr>
+            <a:r xmlns:a="http://schemas.openxmlformats.org/drawingml/2006/main">
+              <a:rPr kumimoji="0" lang="en" altLang="en-US" sz="2000" b="1" i="0" u="none" strike="noStrike" cap="none" normalizeH="0" baseline="0" dirty="0" err="1" smtClean="0">
+                <a:ln>
+                  <a:noFill/>
+                </a:ln>
+                <a:solidFill>
+                  <a:schemeClr val="tx1"/>
+                </a:solidFill>
+                <a:effectLst/>
+                <a:latin typeface="Arial" panose="020B0604020202020204" pitchFamily="34" charset="0"/>
+              </a:rPr>
+              <a:t>Check </a:t>
+            </a:r>
+            <a:r xmlns:a="http://schemas.openxmlformats.org/drawingml/2006/main">
+              <a:rPr kumimoji="0" lang="en" altLang="en-US" sz="2000" b="0" i="0" u="none" strike="noStrike" cap="none" normalizeH="0" baseline="0" dirty="0" smtClean="0">
+                <a:ln>
+                  <a:noFill/>
+                </a:ln>
+                <a:solidFill>
+                  <a:schemeClr val="tx1"/>
+                </a:solidFill>
+                <a:effectLst/>
+                <a:latin typeface="Arial" panose="020B0604020202020204" pitchFamily="34" charset="0"/>
+              </a:rPr>
+              <a:t>the </a:t>
+            </a:r>
+            <a:r xmlns:a="http://schemas.openxmlformats.org/drawingml/2006/main">
+              <a:rPr kumimoji="0" lang="en" altLang="en-US" sz="2000" b="1" i="0" u="none" strike="noStrike" cap="none" normalizeH="0" baseline="0" dirty="0" smtClean="0">
+                <a:ln>
+                  <a:noFill/>
+                </a:ln>
+                <a:solidFill>
+                  <a:schemeClr val="tx1"/>
+                </a:solidFill>
+                <a:effectLst/>
+                <a:latin typeface="Arial" panose="020B0604020202020204" pitchFamily="34" charset="0"/>
+              </a:rPr>
+              <a:t>relationship between </a:t>
+            </a:r>
+            <a:r xmlns:a="http://schemas.openxmlformats.org/drawingml/2006/main">
+              <a:rPr kumimoji="0" lang="en" altLang="en-US" sz="2000" b="1" i="0" u="none" strike="noStrike" cap="none" normalizeH="0" baseline="0" dirty="0" smtClean="0">
+                <a:ln>
+                  <a:noFill/>
+                </a:ln>
+                <a:solidFill>
+                  <a:schemeClr val="tx1"/>
+                </a:solidFill>
+                <a:effectLst/>
+                <a:latin typeface="Arial Unicode MS"/>
+              </a:rPr>
+              <a:t>continent </a:t>
+            </a:r>
+            <a:r xmlns:a="http://schemas.openxmlformats.org/drawingml/2006/main">
+              <a:rPr kumimoji="0" lang="en" altLang="en-US" sz="2000" b="1" i="0" u="none" strike="noStrike" cap="none" normalizeH="0" baseline="0" dirty="0" smtClean="0">
+                <a:ln>
+                  <a:noFill/>
+                </a:ln>
+                <a:solidFill>
+                  <a:schemeClr val="tx1"/>
+                </a:solidFill>
+                <a:effectLst/>
+              </a:rPr>
+              <a:t>and </a:t>
+            </a:r>
+            <a:r xmlns:a="http://schemas.openxmlformats.org/drawingml/2006/main">
+              <a:rPr kumimoji="0" lang="en" altLang="en-US" sz="2000" b="1" i="0" u="none" strike="noStrike" cap="none" normalizeH="0" baseline="0" dirty="0" err="1" smtClean="0">
+                <a:ln>
+                  <a:noFill/>
+                </a:ln>
+                <a:solidFill>
+                  <a:schemeClr val="tx1"/>
+                </a:solidFill>
+                <a:effectLst/>
+                <a:latin typeface="Arial Unicode MS"/>
+              </a:rPr>
+              <a:t>gdp </a:t>
+            </a:r>
+            <a:r xmlns:a="http://schemas.openxmlformats.org/drawingml/2006/main">
+              <a:rPr kumimoji="0" lang="en" altLang="en-US" sz="2000" b="1" i="0" u="none" strike="noStrike" cap="none" normalizeH="0" baseline="0" dirty="0" smtClean="0">
+                <a:ln>
+                  <a:noFill/>
+                </a:ln>
+                <a:solidFill>
+                  <a:schemeClr val="tx1"/>
+                </a:solidFill>
+                <a:effectLst/>
+                <a:latin typeface="Arial Unicode MS"/>
+              </a:rPr>
+              <a:t>2018</a:t>
+            </a:r>
+            <a:r xmlns:a="http://schemas.openxmlformats.org/drawingml/2006/main">
+              <a:rPr kumimoji="0" lang="en" altLang="en-US" sz="2000" b="0" i="0" u="none" strike="noStrike" cap="none" normalizeH="0" baseline="0" dirty="0" smtClean="0">
+                <a:ln>
+                  <a:noFill/>
+                </a:ln>
+                <a:solidFill>
+                  <a:schemeClr val="tx1"/>
+                </a:solidFill>
+                <a:effectLst/>
+              </a:rPr>
+              <a:t> </a:t>
+            </a:r>
+            <a:r xmlns:a="http://schemas.openxmlformats.org/drawingml/2006/main">
+              <a:rPr kumimoji="0" lang="en" altLang="en-US" sz="2000" b="0" i="0" u="none" strike="noStrike" cap="none" normalizeH="0" baseline="0" dirty="0" err="1" smtClean="0">
+                <a:ln>
+                  <a:noFill/>
+                </a:ln>
+                <a:solidFill>
+                  <a:schemeClr val="tx1"/>
+                </a:solidFill>
+                <a:effectLst/>
+              </a:rPr>
+              <a:t>East</a:t>
+            </a:r>
+            <a:r xmlns:a="http://schemas.openxmlformats.org/drawingml/2006/main">
+              <a:rPr kumimoji="0" lang="en" altLang="en-US" sz="2000" b="0" i="0" u="none" strike="noStrike" cap="none" normalizeH="0" baseline="0" dirty="0" smtClean="0">
+                <a:ln>
+                  <a:noFill/>
+                </a:ln>
+                <a:solidFill>
+                  <a:schemeClr val="tx1"/>
+                </a:solidFill>
+                <a:effectLst/>
+              </a:rPr>
+              <a:t> </a:t>
+            </a:r>
+            <a:r xmlns:a="http://schemas.openxmlformats.org/drawingml/2006/main">
+              <a:rPr kumimoji="0" lang="en" altLang="en-US" sz="2000" b="0" i="0" u="none" strike="noStrike" cap="none" normalizeH="0" baseline="0" dirty="0" err="1" smtClean="0">
+                <a:ln>
+                  <a:noFill/>
+                </a:ln>
+                <a:solidFill>
+                  <a:schemeClr val="tx1"/>
+                </a:solidFill>
+                <a:effectLst/>
+              </a:rPr>
+              <a:t>GOOD</a:t>
+            </a:r>
+            <a:r xmlns:a="http://schemas.openxmlformats.org/drawingml/2006/main">
+              <a:rPr kumimoji="0" lang="en" altLang="en-US" sz="2000" b="0" i="0" u="none" strike="noStrike" cap="none" normalizeH="0" baseline="0" dirty="0" smtClean="0">
+                <a:ln>
+                  <a:noFill/>
+                </a:ln>
+                <a:solidFill>
+                  <a:schemeClr val="tx1"/>
+                </a:solidFill>
+                <a:effectLst/>
+              </a:rPr>
+              <a:t> </a:t>
+            </a:r>
+            <a:r xmlns:a="http://schemas.openxmlformats.org/drawingml/2006/main">
+              <a:rPr kumimoji="0" lang="en" altLang="en-US" sz="2000" b="0" i="0" u="none" strike="noStrike" cap="none" normalizeH="0" baseline="0" dirty="0" err="1" smtClean="0">
+                <a:ln>
+                  <a:noFill/>
+                </a:ln>
+                <a:solidFill>
+                  <a:schemeClr val="tx1"/>
+                </a:solidFill>
+                <a:effectLst/>
+              </a:rPr>
+              <a:t>established </a:t>
+            </a:r>
+            <a:r xmlns:a="http://schemas.openxmlformats.org/drawingml/2006/main">
+              <a:rPr kumimoji="0" lang="en" altLang="en-US" sz="2000" b="0" i="0" u="none" strike="noStrike" cap="none" normalizeH="0" baseline="0" dirty="0" smtClean="0">
+                <a:ln>
+                  <a:noFill/>
+                </a:ln>
+                <a:solidFill>
+                  <a:schemeClr val="tx1"/>
+                </a:solidFill>
+                <a:effectLst/>
+              </a:rPr>
+              <a:t>.</a:t>
+            </a:r>
+            <a:endParaRPr xmlns:a="http://schemas.openxmlformats.org/drawingml/2006/main" kumimoji="0" lang="en-US" altLang="en-US" sz="2000" b="0" i="0" u="none" strike="noStrike" cap="none" normalizeH="0" baseline="0" dirty="0" smtClean="0">
+              <a:ln>
+                <a:noFill/>
+              </a:ln>
+              <a:solidFill>
+                <a:schemeClr val="tx1"/>
+              </a:solidFill>
+              <a:effectLst/>
+              <a:latin typeface="Arial" panose="020B0604020202020204" pitchFamily="34" charset="0"/>
+            </a:endParaRPr>
+          </a:p>
+        </p:txBody>
+      </p:sp>
     </p:spTree>
     <p:extLst>
       <p:ext uri="{BB962C8B-B14F-4D97-AF65-F5344CB8AC3E}">
@@ -6135,14 +7485,14 @@
           </a:bodyPr>
           <a:lstStyle/>
           <a:p>
-            <a:r>
-              <a:rPr lang="en-US" sz="3200" dirty="0" smtClean="0">
+            <a:r xmlns:a="http://schemas.openxmlformats.org/drawingml/2006/main">
+              <a:rPr lang="en" sz="3200" dirty="0" smtClean="0">
                 <a:latin typeface="Segoe UI" panose="020B0502040204020203" pitchFamily="34" charset="0"/>
                 <a:cs typeface="Segoe UI" panose="020B0502040204020203" pitchFamily="34" charset="0"/>
               </a:rPr>
               <a:t>Filter</a:t>
             </a:r>
-            <a:endParaRPr lang="en-US" sz="3200" dirty="0">
+            <a:endParaRPr xmlns:a="http://schemas.openxmlformats.org/drawingml/2006/main" lang="en-US" sz="3200" dirty="0">
               <a:latin typeface="Segoe UI" panose="020B0502040204020203" pitchFamily="34" charset="0"/>
               <a:cs typeface="Segoe UI" panose="020B0502040204020203" pitchFamily="34" charset="0"/>
             </a:endParaRPr>
@@ -6151,14 +7501,14 @@
       </p:sp>
       <p:sp>
         <p:nvSpPr>
-          <p:cNvPr id="7" name="Rectangle 6"/>
+          <p:cNvPr id="8" name="Rectangle 7"/>
           <p:cNvSpPr/>
           <p:nvPr/>
         </p:nvSpPr>
         <p:spPr>
           <a:xfrm>
-            <a:off x="373551" y="865785"/>
-            <a:ext cx="7642917" cy="373692"/>
+            <a:off x="373550" y="3072930"/>
+            <a:ext cx="9600182" cy="373692"/>
           </a:xfrm>
           <a:prstGeom prst="rect">
             <a:avLst/>
@@ -6170,7 +7520,7 @@
           </a:bodyPr>
           <a:lstStyle/>
           <a:p>
-            <a:pPr lvl="0">
+            <a:pPr xmlns:a="http://schemas.openxmlformats.org/drawingml/2006/main" lvl="0">
               <a:lnSpc>
                 <a:spcPct val="107000"/>
               </a:lnSpc>
@@ -6178,109 +7528,103 @@
                 <a:spcPts val="800"/>
               </a:spcAft>
             </a:pPr>
-            <a:r>
-              <a:rPr lang="en-US" dirty="0" smtClean="0">
+            <a:r xmlns:a="http://schemas.openxmlformats.org/drawingml/2006/main">
+              <a:rPr lang="en" dirty="0" smtClean="0">
                 <a:latin typeface="Segoe UI" panose="020B0502040204020203" pitchFamily="34" charset="0"/>
                 <a:ea typeface="Calibri" panose="020F0502020204030204" pitchFamily="34" charset="0"/>
                 <a:cs typeface="Times New Roman" panose="02020603050405020304" pitchFamily="18" charset="0"/>
               </a:rPr>
-              <a:t>Name the two pages of the report GDP and Continent Details respectively.</a:t>
-            </a:r>
-            <a:endParaRPr lang="en-US" sz="1400" dirty="0">
-              <a:effectLst/>
-              <a:latin typeface="Calibri" panose="020F0502020204030204" pitchFamily="34" charset="0"/>
-              <a:ea typeface="Calibri" panose="020F0502020204030204" pitchFamily="34" charset="0"/>
-              <a:cs typeface="Times New Roman" panose="02020603050405020304" pitchFamily="18" charset="0"/>
-            </a:endParaRPr>
-          </a:p>
-        </p:txBody>
-      </p:sp>
-      <p:sp>
-        <p:nvSpPr>
-          <p:cNvPr id="8" name="Rectangle 7"/>
-          <p:cNvSpPr/>
-          <p:nvPr/>
-        </p:nvSpPr>
-        <p:spPr>
-          <a:xfrm>
-            <a:off x="373551" y="2283581"/>
-            <a:ext cx="9600182" cy="388696"/>
-          </a:xfrm>
-          <a:prstGeom prst="rect">
-            <a:avLst/>
-          </a:prstGeom>
-        </p:spPr>
-        <p:txBody>
-          <a:bodyPr wrap="square">
-            <a:spAutoFit/>
-          </a:bodyPr>
-          <a:lstStyle/>
-          <a:p>
-            <a:pPr lvl="0">
-              <a:lnSpc>
-                <a:spcPct val="107000"/>
-              </a:lnSpc>
-              <a:spcAft>
-                <a:spcPts val="800"/>
-              </a:spcAft>
-            </a:pPr>
-            <a:r>
-              <a:rPr lang="en-US" dirty="0" smtClean="0">
+              <a:t>Add a visual</a:t>
+            </a:r>
+            <a:r xmlns:a="http://schemas.openxmlformats.org/drawingml/2006/main">
+              <a:rPr lang="en" b="1" dirty="0" smtClean="0">
                 <a:latin typeface="Segoe UI" panose="020B0502040204020203" pitchFamily="34" charset="0"/>
                 <a:ea typeface="Calibri" panose="020F0502020204030204" pitchFamily="34" charset="0"/>
                 <a:cs typeface="Times New Roman" panose="02020603050405020304" pitchFamily="18" charset="0"/>
               </a:rPr>
-              <a:t>Add</a:t>
-            </a:r>
-            <a:r>
-              <a:rPr lang="en-US" b="1" dirty="0" smtClean="0">
+              <a:t> </a:t>
+            </a:r>
+            <a:r xmlns:a="http://schemas.openxmlformats.org/drawingml/2006/main">
+              <a:rPr lang="en" b="1" dirty="0" err="1" smtClean="0">
                 <a:latin typeface="Segoe UI" panose="020B0502040204020203" pitchFamily="34" charset="0"/>
                 <a:ea typeface="Calibri" panose="020F0502020204030204" pitchFamily="34" charset="0"/>
                 <a:cs typeface="Times New Roman" panose="02020603050405020304" pitchFamily="18" charset="0"/>
               </a:rPr>
-              <a:t> Filled Map Visual </a:t>
-            </a:r>
-            <a:r>
-              <a:rPr lang="en-US" b="1" dirty="0" err="1" smtClean="0">
+              <a:t>Filled</a:t>
+            </a:r>
+            <a:r xmlns:a="http://schemas.openxmlformats.org/drawingml/2006/main">
+              <a:rPr lang="en" b="1" dirty="0" smtClean="0">
                 <a:latin typeface="Segoe UI" panose="020B0502040204020203" pitchFamily="34" charset="0"/>
                 <a:ea typeface="Calibri" panose="020F0502020204030204" pitchFamily="34" charset="0"/>
                 <a:cs typeface="Times New Roman" panose="02020603050405020304" pitchFamily="18" charset="0"/>
               </a:rPr>
-              <a:t>ContinentName</a:t>
-            </a:r>
-            <a:r>
-              <a:rPr lang="en-US" b="1" dirty="0" smtClean="0">
+              <a:t> </a:t>
+            </a:r>
+            <a:r xmlns:a="http://schemas.openxmlformats.org/drawingml/2006/main">
+              <a:rPr lang="en" b="1" dirty="0" err="1" smtClean="0">
                 <a:latin typeface="Segoe UI" panose="020B0502040204020203" pitchFamily="34" charset="0"/>
                 <a:ea typeface="Calibri" panose="020F0502020204030204" pitchFamily="34" charset="0"/>
                 <a:cs typeface="Times New Roman" panose="02020603050405020304" pitchFamily="18" charset="0"/>
               </a:rPr>
-              <a:t> </a:t>
-            </a:r>
-            <a:r>
-              <a:rPr lang="en-US" dirty="0" smtClean="0">
+              <a:t>Map</a:t>
+            </a:r>
+            <a:r xmlns:a="http://schemas.openxmlformats.org/drawingml/2006/main">
+              <a:rPr lang="en" b="1" dirty="0" smtClean="0">
                 <a:latin typeface="Segoe UI" panose="020B0502040204020203" pitchFamily="34" charset="0"/>
                 <a:ea typeface="Calibri" panose="020F0502020204030204" pitchFamily="34" charset="0"/>
                 <a:cs typeface="Times New Roman" panose="02020603050405020304" pitchFamily="18" charset="0"/>
               </a:rPr>
-              <a:t>field to the </a:t>
-            </a:r>
-            <a:r>
-              <a:rPr lang="en-US" b="1" dirty="0" smtClean="0">
+              <a:t> </a:t>
+            </a:r>
+            <a:r xmlns:a="http://schemas.openxmlformats.org/drawingml/2006/main">
+              <a:rPr lang="en" dirty="0" smtClean="0">
                 <a:latin typeface="Segoe UI" panose="020B0502040204020203" pitchFamily="34" charset="0"/>
                 <a:ea typeface="Calibri" panose="020F0502020204030204" pitchFamily="34" charset="0"/>
                 <a:cs typeface="Times New Roman" panose="02020603050405020304" pitchFamily="18" charset="0"/>
               </a:rPr>
-              <a:t>Location property </a:t>
-            </a:r>
-            <a:r>
-              <a:rPr lang="en-US" dirty="0" smtClean="0">
+              <a:t>with</a:t>
+            </a:r>
+            <a:r xmlns:a="http://schemas.openxmlformats.org/drawingml/2006/main">
+              <a:rPr lang="en" b="1" dirty="0" smtClean="0">
                 <a:latin typeface="Segoe UI" panose="020B0502040204020203" pitchFamily="34" charset="0"/>
                 <a:ea typeface="Calibri" panose="020F0502020204030204" pitchFamily="34" charset="0"/>
                 <a:cs typeface="Times New Roman" panose="02020603050405020304" pitchFamily="18" charset="0"/>
               </a:rPr>
-              <a:t>of the map</a:t>
-            </a:r>
-            <a:endParaRPr lang="en-US" sz="1400" dirty="0">
+              <a:t>  </a:t>
+            </a:r>
+            <a:r xmlns:a="http://schemas.openxmlformats.org/drawingml/2006/main">
+              <a:rPr lang="en" b="1" dirty="0" err="1" smtClean="0">
+                <a:latin typeface="Segoe UI" panose="020B0502040204020203" pitchFamily="34" charset="0"/>
+                <a:ea typeface="Calibri" panose="020F0502020204030204" pitchFamily="34" charset="0"/>
+                <a:cs typeface="Times New Roman" panose="02020603050405020304" pitchFamily="18" charset="0"/>
+              </a:rPr>
+              <a:t>ContinentName</a:t>
+            </a:r>
+            <a:r xmlns:a="http://schemas.openxmlformats.org/drawingml/2006/main">
+              <a:rPr lang="en" b="1" dirty="0" smtClean="0">
+                <a:latin typeface="Segoe UI" panose="020B0502040204020203" pitchFamily="34" charset="0"/>
+                <a:ea typeface="Calibri" panose="020F0502020204030204" pitchFamily="34" charset="0"/>
+                <a:cs typeface="Times New Roman" panose="02020603050405020304" pitchFamily="18" charset="0"/>
+              </a:rPr>
+              <a:t> </a:t>
+            </a:r>
+            <a:r xmlns:a="http://schemas.openxmlformats.org/drawingml/2006/main">
+              <a:rPr lang="en" dirty="0" smtClean="0">
+                <a:latin typeface="Segoe UI" panose="020B0502040204020203" pitchFamily="34" charset="0"/>
+                <a:ea typeface="Calibri" panose="020F0502020204030204" pitchFamily="34" charset="0"/>
+                <a:cs typeface="Times New Roman" panose="02020603050405020304" pitchFamily="18" charset="0"/>
+              </a:rPr>
+              <a:t>in the </a:t>
+            </a:r>
+            <a:r xmlns:a="http://schemas.openxmlformats.org/drawingml/2006/main">
+              <a:rPr lang="en" b="1" dirty="0" smtClean="0">
+                <a:latin typeface="Segoe UI" panose="020B0502040204020203" pitchFamily="34" charset="0"/>
+                <a:ea typeface="Calibri" panose="020F0502020204030204" pitchFamily="34" charset="0"/>
+                <a:cs typeface="Times New Roman" panose="02020603050405020304" pitchFamily="18" charset="0"/>
+              </a:rPr>
+              <a:t>Location field</a:t>
+            </a:r>
+            <a:endParaRPr xmlns:a="http://schemas.openxmlformats.org/drawingml/2006/main" lang="fr-FR" sz="1400" dirty="0">
               <a:effectLst/>
               <a:latin typeface="Calibri" panose="020F0502020204030204" pitchFamily="34" charset="0"/>
               <a:ea typeface="Calibri" panose="020F0502020204030204" pitchFamily="34" charset="0"/>
@@ -6305,7 +7649,7 @@
         </p:blipFill>
         <p:spPr>
           <a:xfrm>
-            <a:off x="561910" y="1420105"/>
+            <a:off x="6060360" y="893059"/>
             <a:ext cx="3791479" cy="447737"/>
           </a:xfrm>
           <a:prstGeom prst="rect">
@@ -6339,7 +7683,7 @@
         </p:blipFill>
         <p:spPr>
           <a:xfrm>
-            <a:off x="711200" y="2833522"/>
+            <a:off x="711200" y="3827702"/>
             <a:ext cx="3104428" cy="2662691"/>
           </a:xfrm>
           <a:prstGeom prst="rect">
@@ -6373,7 +7717,7 @@
         </p:blipFill>
         <p:spPr>
           <a:xfrm>
-            <a:off x="4286923" y="2911946"/>
+            <a:off x="4286923" y="3906126"/>
             <a:ext cx="1773437" cy="2691825"/>
           </a:xfrm>
           <a:prstGeom prst="rect">
@@ -6399,7 +7743,7 @@
         </p:nvSpPr>
         <p:spPr>
           <a:xfrm>
-            <a:off x="4286923" y="2911946"/>
+            <a:off x="4286923" y="3906126"/>
             <a:ext cx="1773437" cy="406987"/>
           </a:xfrm>
           <a:prstGeom prst="rect">
@@ -6436,6 +7780,108 @@
           <a:p>
             <a:pPr algn="ctr"/>
             <a:endParaRPr lang="en-US"/>
+          </a:p>
+        </p:txBody>
+      </p:sp>
+      <p:sp>
+        <p:nvSpPr>
+          <p:cNvPr id="6" name="Rectangle 5"/>
+          <p:cNvSpPr/>
+          <p:nvPr/>
+        </p:nvSpPr>
+        <p:spPr>
+          <a:xfrm>
+            <a:off x="373551" y="893059"/>
+            <a:ext cx="4486884" cy="1015663"/>
+          </a:xfrm>
+          <a:prstGeom prst="rect">
+            <a:avLst/>
+          </a:prstGeom>
+        </p:spPr>
+        <p:txBody>
+          <a:bodyPr wrap="square">
+            <a:spAutoFit/>
+          </a:bodyPr>
+          <a:lstStyle/>
+          <a:p>
+            <a:r xmlns:a="http://schemas.openxmlformats.org/drawingml/2006/main">
+              <a:rPr lang="en" sz="2000" b="1" dirty="0"/>
+              <a:t>Label </a:t>
+            </a:r>
+            <a:r xmlns:a="http://schemas.openxmlformats.org/drawingml/2006/main">
+              <a:rPr lang="en" sz="2000" dirty="0"/>
+              <a:t>the two pages of the report:</a:t>
+            </a:r>
+          </a:p>
+          <a:p>
+            <a:pPr xmlns:a="http://schemas.openxmlformats.org/drawingml/2006/main" lvl="1">
+              <a:buFont typeface="Arial" panose="020B0604020202020204" pitchFamily="34" charset="0"/>
+              <a:buChar char="•"/>
+            </a:pPr>
+            <a:r xmlns:a="http://schemas.openxmlformats.org/drawingml/2006/main">
+              <a:rPr lang="en" sz="2000" dirty="0"/>
+              <a:t>GDP</a:t>
+            </a:r>
+          </a:p>
+          <a:p>
+            <a:pPr xmlns:a="http://schemas.openxmlformats.org/drawingml/2006/main" lvl="1">
+              <a:buFont typeface="Arial" panose="020B0604020202020204" pitchFamily="34" charset="0"/>
+              <a:buChar char="•"/>
+            </a:pPr>
+            <a:r xmlns:a="http://schemas.openxmlformats.org/drawingml/2006/main">
+              <a:rPr lang="en" sz="2000" dirty="0"/>
+              <a:t>Continent </a:t>
+            </a:r>
+            <a:r xmlns:a="http://schemas.openxmlformats.org/drawingml/2006/main">
+              <a:rPr lang="en" sz="2000" dirty="0" smtClean="0"/>
+              <a:t>Details</a:t>
+            </a:r>
+            <a:endParaRPr xmlns:a="http://schemas.openxmlformats.org/drawingml/2006/main" lang="fr-FR" sz="2000" dirty="0"/>
+          </a:p>
+        </p:txBody>
+      </p:sp>
+      <p:sp>
+        <p:nvSpPr>
+          <p:cNvPr id="10" name="Rectangle 9"/>
+          <p:cNvSpPr/>
+          <p:nvPr/>
+        </p:nvSpPr>
+        <p:spPr>
+          <a:xfrm>
+            <a:off x="373550" y="2160049"/>
+            <a:ext cx="9408124" cy="707886"/>
+          </a:xfrm>
+          <a:prstGeom prst="rect">
+            <a:avLst/>
+          </a:prstGeom>
+        </p:spPr>
+        <p:txBody>
+          <a:bodyPr wrap="square">
+            <a:spAutoFit/>
+          </a:bodyPr>
+          <a:lstStyle/>
+          <a:p>
+            <a:r xmlns:a="http://schemas.openxmlformats.org/drawingml/2006/main">
+              <a:rPr lang="en" sz="2000" dirty="0"/>
+              <a:t>Add three visuals </a:t>
+            </a:r>
+            <a:r xmlns:a="http://schemas.openxmlformats.org/drawingml/2006/main">
+              <a:rPr lang="en" sz="2000" dirty="0" smtClean="0"/>
+              <a:t>to </a:t>
+            </a:r>
+            <a:r xmlns:a="http://schemas.openxmlformats.org/drawingml/2006/main">
+              <a:rPr lang="en" sz="2000" dirty="0" smtClean="0"/>
+              <a:t>the GDP page </a:t>
+            </a:r>
+            <a:r xmlns:a="http://schemas.openxmlformats.org/drawingml/2006/main">
+              <a:rPr lang="en" sz="2000" dirty="0"/>
+              <a:t>level </a:t>
+            </a:r>
+            <a:r xmlns:a="http://schemas.openxmlformats.org/drawingml/2006/main">
+              <a:rPr lang="en" sz="2000" dirty="0"/>
+              <a:t>, a geographic map visual, a histogram visual, and a label visual</a:t>
+            </a:r>
+            <a:endParaRPr xmlns:a="http://schemas.openxmlformats.org/drawingml/2006/main" lang="en-US" sz="2000" dirty="0"/>
           </a:p>
         </p:txBody>
       </p:sp>
@@ -6491,14 +7937,14 @@
           </a:bodyPr>
           <a:lstStyle/>
           <a:p>
-            <a:r>
-              <a:rPr lang="en-US" sz="3200" dirty="0" smtClean="0">
+            <a:r xmlns:a="http://schemas.openxmlformats.org/drawingml/2006/main">
+              <a:rPr lang="en" sz="3200" dirty="0" smtClean="0">
                 <a:latin typeface="Segoe UI" panose="020B0502040204020203" pitchFamily="34" charset="0"/>
                 <a:cs typeface="Segoe UI" panose="020B0502040204020203" pitchFamily="34" charset="0"/>
               </a:rPr>
               <a:t>Filter</a:t>
             </a:r>
-            <a:endParaRPr lang="en-US" sz="3200" dirty="0">
+            <a:endParaRPr xmlns:a="http://schemas.openxmlformats.org/drawingml/2006/main" lang="en-US" sz="3200" dirty="0">
               <a:latin typeface="Segoe UI" panose="020B0502040204020203" pitchFamily="34" charset="0"/>
               <a:cs typeface="Segoe UI" panose="020B0502040204020203" pitchFamily="34" charset="0"/>
             </a:endParaRPr>
@@ -6526,7 +7972,7 @@
           </a:bodyPr>
           <a:lstStyle/>
           <a:p>
-            <a:pPr lvl="0">
+            <a:pPr xmlns:a="http://schemas.openxmlformats.org/drawingml/2006/main" lvl="0">
               <a:lnSpc>
                 <a:spcPct val="107000"/>
               </a:lnSpc>
@@ -6534,132 +7980,188 @@
                 <a:spcPts val="800"/>
               </a:spcAft>
             </a:pPr>
-            <a:r>
-              <a:rPr lang="en-US" dirty="0" smtClean="0">
+            <a:r xmlns:a="http://schemas.openxmlformats.org/drawingml/2006/main">
+              <a:rPr lang="en" dirty="0" err="1" smtClean="0">
                 <a:latin typeface="Segoe UI" panose="020B0502040204020203" pitchFamily="34" charset="0"/>
                 <a:ea typeface="Calibri" panose="020F0502020204030204" pitchFamily="34" charset="0"/>
                 <a:cs typeface="Times New Roman" panose="02020603050405020304" pitchFamily="18" charset="0"/>
               </a:rPr>
-              <a:t>Add a </a:t>
-            </a:r>
-            <a:r>
-              <a:rPr lang="en-US" b="1" dirty="0" smtClean="0">
+              <a:t>Add </a:t>
+            </a:r>
+            <a:r xmlns:a="http://schemas.openxmlformats.org/drawingml/2006/main">
+              <a:rPr lang="en" dirty="0" smtClean="0">
                 <a:latin typeface="Segoe UI" panose="020B0502040204020203" pitchFamily="34" charset="0"/>
                 <a:ea typeface="Calibri" panose="020F0502020204030204" pitchFamily="34" charset="0"/>
                 <a:cs typeface="Times New Roman" panose="02020603050405020304" pitchFamily="18" charset="0"/>
               </a:rPr>
-              <a:t>Table visual </a:t>
-            </a:r>
-            <a:r>
-              <a:rPr lang="en-US" dirty="0" smtClean="0">
+              <a:t>a </a:t>
+            </a:r>
+            <a:r xmlns:a="http://schemas.openxmlformats.org/drawingml/2006/main">
+              <a:rPr lang="en" dirty="0" err="1" smtClean="0">
                 <a:latin typeface="Segoe UI" panose="020B0502040204020203" pitchFamily="34" charset="0"/>
                 <a:ea typeface="Calibri" panose="020F0502020204030204" pitchFamily="34" charset="0"/>
                 <a:cs typeface="Times New Roman" panose="02020603050405020304" pitchFamily="18" charset="0"/>
               </a:rPr>
-              <a:t>to the </a:t>
-            </a:r>
-            <a:r>
-              <a:rPr lang="en-US" b="1" dirty="0" smtClean="0">
+              <a:t>visual</a:t>
+            </a:r>
+            <a:r xmlns:a="http://schemas.openxmlformats.org/drawingml/2006/main">
+              <a:rPr lang="en" dirty="0" smtClean="0">
                 <a:latin typeface="Segoe UI" panose="020B0502040204020203" pitchFamily="34" charset="0"/>
                 <a:ea typeface="Calibri" panose="020F0502020204030204" pitchFamily="34" charset="0"/>
                 <a:cs typeface="Times New Roman" panose="02020603050405020304" pitchFamily="18" charset="0"/>
               </a:rPr>
-              <a:t>Details page level and drag the </a:t>
-            </a:r>
-            <a:r>
-              <a:rPr lang="en-US" b="1" dirty="0" err="1" smtClean="0">
+              <a:t> </a:t>
+            </a:r>
+            <a:r xmlns:a="http://schemas.openxmlformats.org/drawingml/2006/main">
+              <a:rPr lang="en" b="1" dirty="0" err="1" smtClean="0">
                 <a:latin typeface="Segoe UI" panose="020B0502040204020203" pitchFamily="34" charset="0"/>
                 <a:ea typeface="Calibri" panose="020F0502020204030204" pitchFamily="34" charset="0"/>
                 <a:cs typeface="Times New Roman" panose="02020603050405020304" pitchFamily="18" charset="0"/>
               </a:rPr>
-              <a:t>ContinentName</a:t>
-            </a:r>
-            <a:r>
-              <a:rPr lang="en-US" b="1" dirty="0" smtClean="0">
+              <a:t>Histogram</a:t>
+            </a:r>
+            <a:r xmlns:a="http://schemas.openxmlformats.org/drawingml/2006/main">
+              <a:rPr lang="en" b="1" dirty="0" smtClean="0">
                 <a:latin typeface="Segoe UI" panose="020B0502040204020203" pitchFamily="34" charset="0"/>
                 <a:ea typeface="Calibri" panose="020F0502020204030204" pitchFamily="34" charset="0"/>
                 <a:cs typeface="Times New Roman" panose="02020603050405020304" pitchFamily="18" charset="0"/>
               </a:rPr>
-              <a:t> </a:t>
-            </a:r>
-            <a:r>
-              <a:rPr lang="en-US" dirty="0" smtClean="0">
+              <a:t>  to the </a:t>
+            </a:r>
+            <a:r xmlns:a="http://schemas.openxmlformats.org/drawingml/2006/main">
+              <a:rPr lang="en" b="1" dirty="0" smtClean="0">
                 <a:latin typeface="Segoe UI" panose="020B0502040204020203" pitchFamily="34" charset="0"/>
                 <a:ea typeface="Calibri" panose="020F0502020204030204" pitchFamily="34" charset="0"/>
                 <a:cs typeface="Times New Roman" panose="02020603050405020304" pitchFamily="18" charset="0"/>
               </a:rPr>
-              <a:t>, </a:t>
-            </a:r>
-            <a:r>
-              <a:rPr lang="en-US" b="1" dirty="0" smtClean="0">
+              <a:t>Details </a:t>
+            </a:r>
+            <a:r xmlns:a="http://schemas.openxmlformats.org/drawingml/2006/main">
+              <a:rPr lang="en" dirty="0" smtClean="0">
                 <a:latin typeface="Segoe UI" panose="020B0502040204020203" pitchFamily="34" charset="0"/>
                 <a:ea typeface="Calibri" panose="020F0502020204030204" pitchFamily="34" charset="0"/>
                 <a:cs typeface="Times New Roman" panose="02020603050405020304" pitchFamily="18" charset="0"/>
               </a:rPr>
-              <a:t>country </a:t>
-            </a:r>
-            <a:r>
-              <a:rPr lang="en-US" dirty="0" smtClean="0">
+              <a:t>page </a:t>
+            </a:r>
+            <a:r xmlns:a="http://schemas.openxmlformats.org/drawingml/2006/main">
+              <a:rPr lang="en" dirty="0" smtClean="0">
                 <a:latin typeface="Segoe UI" panose="020B0502040204020203" pitchFamily="34" charset="0"/>
                 <a:ea typeface="Calibri" panose="020F0502020204030204" pitchFamily="34" charset="0"/>
                 <a:cs typeface="Times New Roman" panose="02020603050405020304" pitchFamily="18" charset="0"/>
               </a:rPr>
-              <a:t>, </a:t>
-            </a:r>
-            <a:r>
-              <a:rPr lang="en-US" b="1" dirty="0" smtClean="0">
+              <a:t>and </a:t>
+            </a:r>
+            <a:r xmlns:a="http://schemas.openxmlformats.org/drawingml/2006/main">
+              <a:rPr lang="en" dirty="0" err="1" smtClean="0">
                 <a:latin typeface="Segoe UI" panose="020B0502040204020203" pitchFamily="34" charset="0"/>
                 <a:ea typeface="Calibri" panose="020F0502020204030204" pitchFamily="34" charset="0"/>
                 <a:cs typeface="Times New Roman" panose="02020603050405020304" pitchFamily="18" charset="0"/>
               </a:rPr>
-              <a:t>Rank </a:t>
-            </a:r>
-            <a:r>
-              <a:rPr lang="en-US" dirty="0" smtClean="0">
+              <a:t>slide</a:t>
+            </a:r>
+            <a:r xmlns:a="http://schemas.openxmlformats.org/drawingml/2006/main">
+              <a:rPr lang="en" b="1" dirty="0" smtClean="0">
                 <a:latin typeface="Segoe UI" panose="020B0502040204020203" pitchFamily="34" charset="0"/>
                 <a:ea typeface="Calibri" panose="020F0502020204030204" pitchFamily="34" charset="0"/>
                 <a:cs typeface="Times New Roman" panose="02020603050405020304" pitchFamily="18" charset="0"/>
               </a:rPr>
-              <a:t>and </a:t>
-            </a:r>
-            <a:r>
-              <a:rPr lang="en-US" b="1" dirty="0" err="1" smtClean="0">
+              <a:t> </a:t>
+            </a:r>
+            <a:r xmlns:a="http://schemas.openxmlformats.org/drawingml/2006/main">
+              <a:rPr lang="en" b="1" dirty="0" err="1" smtClean="0">
                 <a:latin typeface="Segoe UI" panose="020B0502040204020203" pitchFamily="34" charset="0"/>
                 <a:ea typeface="Calibri" panose="020F0502020204030204" pitchFamily="34" charset="0"/>
                 <a:cs typeface="Times New Roman" panose="02020603050405020304" pitchFamily="18" charset="0"/>
               </a:rPr>
-              <a:t>gdp</a:t>
-            </a:r>
-            <a:r>
-              <a:rPr lang="en-US" b="1" dirty="0" smtClean="0">
+              <a:t>ContinentName</a:t>
+            </a:r>
+            <a:r xmlns:a="http://schemas.openxmlformats.org/drawingml/2006/main">
+              <a:rPr lang="en" b="1" dirty="0" smtClean="0">
                 <a:latin typeface="Segoe UI" panose="020B0502040204020203" pitchFamily="34" charset="0"/>
                 <a:ea typeface="Calibri" panose="020F0502020204030204" pitchFamily="34" charset="0"/>
                 <a:cs typeface="Times New Roman" panose="02020603050405020304" pitchFamily="18" charset="0"/>
               </a:rPr>
               <a:t> </a:t>
             </a:r>
-            <a:r>
-              <a:rPr lang="en-US" dirty="0" smtClean="0">
+            <a:r xmlns:a="http://schemas.openxmlformats.org/drawingml/2006/main">
+              <a:rPr lang="en" dirty="0" smtClean="0">
                 <a:latin typeface="Segoe UI" panose="020B0502040204020203" pitchFamily="34" charset="0"/>
                 <a:ea typeface="Calibri" panose="020F0502020204030204" pitchFamily="34" charset="0"/>
                 <a:cs typeface="Times New Roman" panose="02020603050405020304" pitchFamily="18" charset="0"/>
               </a:rPr>
-              <a:t>fields to the </a:t>
-            </a:r>
-            <a:r>
-              <a:rPr lang="en-US" b="1" dirty="0" smtClean="0">
+              <a:t>to the </a:t>
+            </a:r>
+            <a:r xmlns:a="http://schemas.openxmlformats.org/drawingml/2006/main">
+              <a:rPr lang="en" dirty="0" smtClean="0">
                 <a:latin typeface="Segoe UI" panose="020B0502040204020203" pitchFamily="34" charset="0"/>
                 <a:ea typeface="Calibri" panose="020F0502020204030204" pitchFamily="34" charset="0"/>
                 <a:cs typeface="Times New Roman" panose="02020603050405020304" pitchFamily="18" charset="0"/>
               </a:rPr>
-              <a:t>Values property level</a:t>
-            </a:r>
-            <a:endParaRPr lang="en-US" sz="1400" dirty="0">
+              <a:t>X </a:t>
+            </a:r>
+            <a:r xmlns:a="http://schemas.openxmlformats.org/drawingml/2006/main">
+              <a:rPr lang="en" dirty="0" err="1" smtClean="0">
+                <a:latin typeface="Segoe UI" panose="020B0502040204020203" pitchFamily="34" charset="0"/>
+                <a:ea typeface="Calibri" panose="020F0502020204030204" pitchFamily="34" charset="0"/>
+                <a:cs typeface="Times New Roman" panose="02020603050405020304" pitchFamily="18" charset="0"/>
+              </a:rPr>
+              <a:t>axis and </a:t>
+            </a:r>
+            <a:r xmlns:a="http://schemas.openxmlformats.org/drawingml/2006/main">
+              <a:rPr lang="en" b="1" dirty="0" smtClean="0">
+                <a:latin typeface="Segoe UI" panose="020B0502040204020203" pitchFamily="34" charset="0"/>
+                <a:ea typeface="Calibri" panose="020F0502020204030204" pitchFamily="34" charset="0"/>
+                <a:cs typeface="Times New Roman" panose="02020603050405020304" pitchFamily="18" charset="0"/>
+              </a:rPr>
+              <a:t>Count of </a:t>
+            </a:r>
+            <a:r xmlns:a="http://schemas.openxmlformats.org/drawingml/2006/main">
+              <a:rPr lang="en" b="1" dirty="0" err="1" smtClean="0">
+                <a:latin typeface="Segoe UI" panose="020B0502040204020203" pitchFamily="34" charset="0"/>
+                <a:ea typeface="Calibri" panose="020F0502020204030204" pitchFamily="34" charset="0"/>
+                <a:cs typeface="Times New Roman" panose="02020603050405020304" pitchFamily="18" charset="0"/>
+              </a:rPr>
+              <a:t>gdp</a:t>
+            </a:r>
+            <a:r xmlns:a="http://schemas.openxmlformats.org/drawingml/2006/main">
+              <a:rPr lang="en" b="1" dirty="0" smtClean="0">
+                <a:latin typeface="Segoe UI" panose="020B0502040204020203" pitchFamily="34" charset="0"/>
+                <a:ea typeface="Calibri" panose="020F0502020204030204" pitchFamily="34" charset="0"/>
+                <a:cs typeface="Times New Roman" panose="02020603050405020304" pitchFamily="18" charset="0"/>
+              </a:rPr>
+              <a:t> </a:t>
+            </a:r>
+            <a:r xmlns:a="http://schemas.openxmlformats.org/drawingml/2006/main">
+              <a:rPr lang="en" dirty="0" smtClean="0">
+                <a:latin typeface="Segoe UI" panose="020B0502040204020203" pitchFamily="34" charset="0"/>
+                <a:ea typeface="Calibri" panose="020F0502020204030204" pitchFamily="34" charset="0"/>
+                <a:cs typeface="Times New Roman" panose="02020603050405020304" pitchFamily="18" charset="0"/>
+              </a:rPr>
+              <a:t>to the </a:t>
+            </a:r>
+            <a:r xmlns:a="http://schemas.openxmlformats.org/drawingml/2006/main">
+              <a:rPr lang="en" dirty="0" smtClean="0">
+                <a:latin typeface="Segoe UI" panose="020B0502040204020203" pitchFamily="34" charset="0"/>
+                <a:ea typeface="Calibri" panose="020F0502020204030204" pitchFamily="34" charset="0"/>
+                <a:cs typeface="Times New Roman" panose="02020603050405020304" pitchFamily="18" charset="0"/>
+              </a:rPr>
+              <a:t>Y </a:t>
+            </a:r>
+            <a:endParaRPr xmlns:a="http://schemas.openxmlformats.org/drawingml/2006/main" lang="en-US" sz="1400" b="1" dirty="0">
               <a:effectLst/>
               <a:latin typeface="Calibri" panose="020F0502020204030204" pitchFamily="34" charset="0"/>
               <a:ea typeface="Calibri" panose="020F0502020204030204" pitchFamily="34" charset="0"/>
               <a:cs typeface="Times New Roman" panose="02020603050405020304" pitchFamily="18" charset="0"/>
             </a:endParaRPr>
+            <a:r xmlns:a="http://schemas.openxmlformats.org/drawingml/2006/main">
+              <a:rPr lang="en" dirty="0" err="1" smtClean="0">
+                <a:latin typeface="Segoe UI" panose="020B0502040204020203" pitchFamily="34" charset="0"/>
+                <a:ea typeface="Calibri" panose="020F0502020204030204" pitchFamily="34" charset="0"/>
+                <a:cs typeface="Times New Roman" panose="02020603050405020304" pitchFamily="18" charset="0"/>
+              </a:rPr>
+              <a:t>axis</a:t>
+            </a:r>
           </a:p>
         </p:txBody>
       </p:sp>
@@ -6879,14 +8381,14 @@
           </a:bodyPr>
           <a:lstStyle/>
           <a:p>
-            <a:r>
-              <a:rPr lang="en-US" sz="3200" dirty="0" smtClean="0">
+            <a:r xmlns:a="http://schemas.openxmlformats.org/drawingml/2006/main">
+              <a:rPr lang="en" sz="3200" dirty="0" smtClean="0">
                 <a:latin typeface="Segoe UI" panose="020B0502040204020203" pitchFamily="34" charset="0"/>
                 <a:cs typeface="Segoe UI" panose="020B0502040204020203" pitchFamily="34" charset="0"/>
               </a:rPr>
               <a:t>Filter</a:t>
             </a:r>
-            <a:endParaRPr lang="en-US" sz="3200" dirty="0">
+            <a:endParaRPr xmlns:a="http://schemas.openxmlformats.org/drawingml/2006/main" lang="en-US" sz="3200" dirty="0">
               <a:latin typeface="Segoe UI" panose="020B0502040204020203" pitchFamily="34" charset="0"/>
               <a:cs typeface="Segoe UI" panose="020B0502040204020203" pitchFamily="34" charset="0"/>
             </a:endParaRPr>
@@ -6901,7 +8403,7 @@
         </p:nvSpPr>
         <p:spPr>
           <a:xfrm>
-            <a:off x="373551" y="865785"/>
+            <a:off x="373550" y="759906"/>
             <a:ext cx="7642917" cy="373692"/>
           </a:xfrm>
           <a:prstGeom prst="rect">
@@ -6914,7 +8416,7 @@
           </a:bodyPr>
           <a:lstStyle/>
           <a:p>
-            <a:pPr lvl="0">
+            <a:pPr xmlns:a="http://schemas.openxmlformats.org/drawingml/2006/main" lvl="0">
               <a:lnSpc>
                 <a:spcPct val="107000"/>
               </a:lnSpc>
@@ -6922,15 +8424,47 @@
                 <a:spcPts val="800"/>
               </a:spcAft>
             </a:pPr>
-            <a:r>
-              <a:rPr lang="en-US" dirty="0" smtClean="0">
+            <a:r xmlns:a="http://schemas.openxmlformats.org/drawingml/2006/main">
+              <a:rPr lang="en" dirty="0" smtClean="0">
                 <a:latin typeface="Segoe UI" panose="020B0502040204020203" pitchFamily="34" charset="0"/>
                 <a:ea typeface="Calibri" panose="020F0502020204030204" pitchFamily="34" charset="0"/>
                 <a:cs typeface="Times New Roman" panose="02020603050405020304" pitchFamily="18" charset="0"/>
               </a:rPr>
-              <a:t>Name the two pages of the report GDP and Continent Details respectively.</a:t>
-            </a:r>
-            <a:endParaRPr lang="en-US" sz="1400" dirty="0">
+              <a:t>Name the two pages </a:t>
+            </a:r>
+            <a:r xmlns:a="http://schemas.openxmlformats.org/drawingml/2006/main">
+              <a:rPr lang="en" b="1" dirty="0" smtClean="0">
+                <a:latin typeface="Segoe UI" panose="020B0502040204020203" pitchFamily="34" charset="0"/>
+                <a:ea typeface="Calibri" panose="020F0502020204030204" pitchFamily="34" charset="0"/>
+                <a:cs typeface="Times New Roman" panose="02020603050405020304" pitchFamily="18" charset="0"/>
+              </a:rPr>
+              <a:t>GDP </a:t>
+            </a:r>
+            <a:r xmlns:a="http://schemas.openxmlformats.org/drawingml/2006/main">
+              <a:rPr lang="en" dirty="0" smtClean="0">
+                <a:latin typeface="Segoe UI" panose="020B0502040204020203" pitchFamily="34" charset="0"/>
+                <a:ea typeface="Calibri" panose="020F0502020204030204" pitchFamily="34" charset="0"/>
+                <a:cs typeface="Times New Roman" panose="02020603050405020304" pitchFamily="18" charset="0"/>
+              </a:rPr>
+              <a:t>and </a:t>
+            </a:r>
+            <a:r xmlns:a="http://schemas.openxmlformats.org/drawingml/2006/main">
+              <a:rPr lang="en" b="1" dirty="0" smtClean="0">
+                <a:latin typeface="Segoe UI" panose="020B0502040204020203" pitchFamily="34" charset="0"/>
+                <a:ea typeface="Calibri" panose="020F0502020204030204" pitchFamily="34" charset="0"/>
+                <a:cs typeface="Times New Roman" panose="02020603050405020304" pitchFamily="18" charset="0"/>
+              </a:rPr>
+              <a:t>Continent </a:t>
+            </a:r>
+            <a:r xmlns:a="http://schemas.openxmlformats.org/drawingml/2006/main">
+              <a:rPr lang="en" b="1" dirty="0" err="1" smtClean="0">
+                <a:latin typeface="Segoe UI" panose="020B0502040204020203" pitchFamily="34" charset="0"/>
+                <a:ea typeface="Calibri" panose="020F0502020204030204" pitchFamily="34" charset="0"/>
+                <a:cs typeface="Times New Roman" panose="02020603050405020304" pitchFamily="18" charset="0"/>
+              </a:rPr>
+              <a:t>Details respectively</a:t>
+            </a:r>
+            <a:endParaRPr xmlns:a="http://schemas.openxmlformats.org/drawingml/2006/main" lang="fr-FR" sz="1400" b="1" dirty="0">
               <a:effectLst/>
               <a:latin typeface="Calibri" panose="020F0502020204030204" pitchFamily="34" charset="0"/>
               <a:ea typeface="Calibri" panose="020F0502020204030204" pitchFamily="34" charset="0"/>
@@ -6947,8 +8481,8 @@
         </p:nvSpPr>
         <p:spPr>
           <a:xfrm>
-            <a:off x="373551" y="2048470"/>
-            <a:ext cx="9482718" cy="670055"/>
+            <a:off x="373550" y="1912398"/>
+            <a:ext cx="9482718" cy="373692"/>
           </a:xfrm>
           <a:prstGeom prst="rect">
             <a:avLst/>
@@ -6960,7 +8494,7 @@
           </a:bodyPr>
           <a:lstStyle/>
           <a:p>
-            <a:pPr lvl="0">
+            <a:pPr xmlns:a="http://schemas.openxmlformats.org/drawingml/2006/main" lvl="0">
               <a:lnSpc>
                 <a:spcPct val="107000"/>
               </a:lnSpc>
@@ -6968,71 +8502,111 @@
                 <a:spcPts val="800"/>
               </a:spcAft>
             </a:pPr>
-            <a:r>
-              <a:rPr lang="en-US" dirty="0" smtClean="0">
+            <a:r xmlns:a="http://schemas.openxmlformats.org/drawingml/2006/main">
+              <a:rPr lang="en" dirty="0" err="1" smtClean="0">
                 <a:latin typeface="Segoe UI" panose="020B0502040204020203" pitchFamily="34" charset="0"/>
                 <a:ea typeface="Calibri" panose="020F0502020204030204" pitchFamily="34" charset="0"/>
                 <a:cs typeface="Times New Roman" panose="02020603050405020304" pitchFamily="18" charset="0"/>
               </a:rPr>
-              <a:t>Add</a:t>
-            </a:r>
-            <a:r>
-              <a:rPr lang="en-US" b="1" dirty="0" smtClean="0">
+              <a:t>Add </a:t>
+            </a:r>
+            <a:r xmlns:a="http://schemas.openxmlformats.org/drawingml/2006/main">
+              <a:rPr lang="en" dirty="0" smtClean="0">
                 <a:latin typeface="Segoe UI" panose="020B0502040204020203" pitchFamily="34" charset="0"/>
                 <a:ea typeface="Calibri" panose="020F0502020204030204" pitchFamily="34" charset="0"/>
                 <a:cs typeface="Times New Roman" panose="02020603050405020304" pitchFamily="18" charset="0"/>
               </a:rPr>
-              <a:t> Filled Map Visual </a:t>
-            </a:r>
-            <a:r>
-              <a:rPr lang="en-US" dirty="0" smtClean="0">
+              <a:t>a </a:t>
+            </a:r>
+            <a:r xmlns:a="http://schemas.openxmlformats.org/drawingml/2006/main">
+              <a:rPr lang="en" b="1" dirty="0" smtClean="0">
                 <a:latin typeface="Segoe UI" panose="020B0502040204020203" pitchFamily="34" charset="0"/>
                 <a:ea typeface="Calibri" panose="020F0502020204030204" pitchFamily="34" charset="0"/>
                 <a:cs typeface="Times New Roman" panose="02020603050405020304" pitchFamily="18" charset="0"/>
               </a:rPr>
-              <a:t>then drag </a:t>
-            </a:r>
-            <a:r>
-              <a:rPr lang="en-US" b="1" dirty="0" err="1" smtClean="0">
+              <a:t>Filled Map </a:t>
+            </a:r>
+            <a:r xmlns:a="http://schemas.openxmlformats.org/drawingml/2006/main">
+              <a:rPr lang="en" dirty="0" err="1" smtClean="0">
                 <a:latin typeface="Segoe UI" panose="020B0502040204020203" pitchFamily="34" charset="0"/>
                 <a:ea typeface="Calibri" panose="020F0502020204030204" pitchFamily="34" charset="0"/>
                 <a:cs typeface="Times New Roman" panose="02020603050405020304" pitchFamily="18" charset="0"/>
               </a:rPr>
-              <a:t>ContinentName</a:t>
-            </a:r>
-            <a:r>
-              <a:rPr lang="en-US" b="1" dirty="0" smtClean="0">
+              <a:t>Visual </a:t>
+            </a:r>
+            <a:r xmlns:a="http://schemas.openxmlformats.org/drawingml/2006/main">
+              <a:rPr lang="en" dirty="0" smtClean="0">
                 <a:latin typeface="Segoe UI" panose="020B0502040204020203" pitchFamily="34" charset="0"/>
                 <a:ea typeface="Calibri" panose="020F0502020204030204" pitchFamily="34" charset="0"/>
                 <a:cs typeface="Times New Roman" panose="02020603050405020304" pitchFamily="18" charset="0"/>
               </a:rPr>
-              <a:t> </a:t>
-            </a:r>
-            <a:r>
-              <a:rPr lang="en-US" dirty="0" smtClean="0">
+              <a:t>and </a:t>
+            </a:r>
+            <a:r xmlns:a="http://schemas.openxmlformats.org/drawingml/2006/main">
+              <a:rPr lang="en" dirty="0" err="1" smtClean="0">
                 <a:latin typeface="Segoe UI" panose="020B0502040204020203" pitchFamily="34" charset="0"/>
                 <a:ea typeface="Calibri" panose="020F0502020204030204" pitchFamily="34" charset="0"/>
                 <a:cs typeface="Times New Roman" panose="02020603050405020304" pitchFamily="18" charset="0"/>
               </a:rPr>
-              <a:t>field to the </a:t>
-            </a:r>
-            <a:r>
-              <a:rPr lang="en-US" b="1" dirty="0" smtClean="0">
+              <a:t>drag</a:t>
+            </a:r>
+            <a:r xmlns:a="http://schemas.openxmlformats.org/drawingml/2006/main">
+              <a:rPr lang="en" dirty="0" smtClean="0">
                 <a:latin typeface="Segoe UI" panose="020B0502040204020203" pitchFamily="34" charset="0"/>
                 <a:ea typeface="Calibri" panose="020F0502020204030204" pitchFamily="34" charset="0"/>
                 <a:cs typeface="Times New Roman" panose="02020603050405020304" pitchFamily="18" charset="0"/>
               </a:rPr>
-              <a:t>Location property </a:t>
-            </a:r>
-            <a:r>
-              <a:rPr lang="en-US" dirty="0" smtClean="0">
+              <a:t> </a:t>
+            </a:r>
+            <a:r xmlns:a="http://schemas.openxmlformats.org/drawingml/2006/main">
+              <a:rPr lang="en" b="1" dirty="0" err="1" smtClean="0">
                 <a:latin typeface="Segoe UI" panose="020B0502040204020203" pitchFamily="34" charset="0"/>
                 <a:ea typeface="Calibri" panose="020F0502020204030204" pitchFamily="34" charset="0"/>
                 <a:cs typeface="Times New Roman" panose="02020603050405020304" pitchFamily="18" charset="0"/>
               </a:rPr>
-              <a:t>of the map</a:t>
-            </a:r>
-            <a:endParaRPr lang="en-US" sz="1400" dirty="0">
+              <a:t>ContinentName</a:t>
+            </a:r>
+            <a:r xmlns:a="http://schemas.openxmlformats.org/drawingml/2006/main">
+              <a:rPr lang="en" b="1" dirty="0" smtClean="0">
+                <a:latin typeface="Segoe UI" panose="020B0502040204020203" pitchFamily="34" charset="0"/>
+                <a:ea typeface="Calibri" panose="020F0502020204030204" pitchFamily="34" charset="0"/>
+                <a:cs typeface="Times New Roman" panose="02020603050405020304" pitchFamily="18" charset="0"/>
+              </a:rPr>
+              <a:t> </a:t>
+            </a:r>
+            <a:r xmlns:a="http://schemas.openxmlformats.org/drawingml/2006/main">
+              <a:rPr lang="en" dirty="0" smtClean="0">
+                <a:latin typeface="Segoe UI" panose="020B0502040204020203" pitchFamily="34" charset="0"/>
+                <a:ea typeface="Calibri" panose="020F0502020204030204" pitchFamily="34" charset="0"/>
+                <a:cs typeface="Times New Roman" panose="02020603050405020304" pitchFamily="18" charset="0"/>
+              </a:rPr>
+              <a:t>at </a:t>
+            </a:r>
+            <a:r xmlns:a="http://schemas.openxmlformats.org/drawingml/2006/main">
+              <a:rPr lang="en" dirty="0" err="1" smtClean="0">
+                <a:latin typeface="Segoe UI" panose="020B0502040204020203" pitchFamily="34" charset="0"/>
+                <a:ea typeface="Calibri" panose="020F0502020204030204" pitchFamily="34" charset="0"/>
+                <a:cs typeface="Times New Roman" panose="02020603050405020304" pitchFamily="18" charset="0"/>
+              </a:rPr>
+              <a:t>the level</a:t>
+            </a:r>
+            <a:r xmlns:a="http://schemas.openxmlformats.org/drawingml/2006/main">
+              <a:rPr lang="en" dirty="0" smtClean="0">
+                <a:latin typeface="Segoe UI" panose="020B0502040204020203" pitchFamily="34" charset="0"/>
+                <a:ea typeface="Calibri" panose="020F0502020204030204" pitchFamily="34" charset="0"/>
+                <a:cs typeface="Times New Roman" panose="02020603050405020304" pitchFamily="18" charset="0"/>
+              </a:rPr>
+              <a:t> </a:t>
+            </a:r>
+            <a:r xmlns:a="http://schemas.openxmlformats.org/drawingml/2006/main">
+              <a:rPr lang="en" b="1" dirty="0" smtClean="0">
+                <a:latin typeface="Segoe UI" panose="020B0502040204020203" pitchFamily="34" charset="0"/>
+                <a:ea typeface="Calibri" panose="020F0502020204030204" pitchFamily="34" charset="0"/>
+                <a:cs typeface="Times New Roman" panose="02020603050405020304" pitchFamily="18" charset="0"/>
+              </a:rPr>
+              <a:t>Rental</a:t>
+            </a:r>
+            <a:endParaRPr xmlns:a="http://schemas.openxmlformats.org/drawingml/2006/main" lang="en-US" sz="1400" dirty="0">
               <a:effectLst/>
               <a:latin typeface="Calibri" panose="020F0502020204030204" pitchFamily="34" charset="0"/>
               <a:ea typeface="Calibri" panose="020F0502020204030204" pitchFamily="34" charset="0"/>
@@ -7057,7 +8631,7 @@
         </p:blipFill>
         <p:spPr>
           <a:xfrm>
-            <a:off x="561910" y="1420105"/>
+            <a:off x="461017" y="1304711"/>
             <a:ext cx="3791479" cy="447737"/>
           </a:xfrm>
           <a:prstGeom prst="rect">
@@ -7199,108 +8773,16 @@
           </a:bodyPr>
           <a:lstStyle/>
           <a:p>
-            <a:r>
-              <a:rPr lang="en-US" sz="3200" dirty="0" smtClean="0">
+            <a:r xmlns:a="http://schemas.openxmlformats.org/drawingml/2006/main">
+              <a:rPr lang="en" sz="3200" dirty="0" smtClean="0">
                 <a:latin typeface="Segoe UI" panose="020B0502040204020203" pitchFamily="34" charset="0"/>
                 <a:cs typeface="Segoe UI" panose="020B0502040204020203" pitchFamily="34" charset="0"/>
               </a:rPr>
               <a:t>Filter</a:t>
             </a:r>
-            <a:endParaRPr lang="en-US" sz="3200" dirty="0">
+            <a:endParaRPr xmlns:a="http://schemas.openxmlformats.org/drawingml/2006/main" lang="en-US" sz="3200" dirty="0">
               <a:latin typeface="Segoe UI" panose="020B0502040204020203" pitchFamily="34" charset="0"/>
               <a:cs typeface="Segoe UI" panose="020B0502040204020203" pitchFamily="34" charset="0"/>
-            </a:endParaRPr>
-          </a:p>
-        </p:txBody>
-      </p:sp>
-      <p:sp>
-        <p:nvSpPr>
-          <p:cNvPr id="3" name="Rectangle 2"/>
-          <p:cNvSpPr/>
-          <p:nvPr/>
-        </p:nvSpPr>
-        <p:spPr>
-          <a:xfrm>
-            <a:off x="359801" y="900161"/>
-            <a:ext cx="8316686" cy="1186607"/>
-          </a:xfrm>
-          <a:prstGeom prst="rect">
-            <a:avLst/>
-          </a:prstGeom>
-        </p:spPr>
-        <p:txBody>
-          <a:bodyPr wrap="square">
-            <a:spAutoFit/>
-          </a:bodyPr>
-          <a:lstStyle/>
-          <a:p>
-            <a:pPr lvl="0">
-              <a:lnSpc>
-                <a:spcPct val="107000"/>
-              </a:lnSpc>
-              <a:spcAft>
-                <a:spcPts val="800"/>
-              </a:spcAft>
-            </a:pPr>
-            <a:r>
-              <a:rPr lang="en-US" dirty="0" smtClean="0">
-                <a:latin typeface="Segoe UI" panose="020B0502040204020203" pitchFamily="34" charset="0"/>
-                <a:ea typeface="Calibri" panose="020F0502020204030204" pitchFamily="34" charset="0"/>
-                <a:cs typeface="Times New Roman" panose="02020603050405020304" pitchFamily="18" charset="0"/>
-              </a:rPr>
-              <a:t>Note that when no visual is selected the filter pane shows two filter levels</a:t>
-            </a:r>
-          </a:p>
-          <a:p>
-            <a:pPr lvl="0">
-              <a:lnSpc>
-                <a:spcPct val="107000"/>
-              </a:lnSpc>
-              <a:spcAft>
-                <a:spcPts val="800"/>
-              </a:spcAft>
-            </a:pPr>
-            <a:r>
-              <a:rPr lang="fr-FR" sz="1400" dirty="0">
-                <a:effectLst/>
-                <a:latin typeface="Segoe UI" panose="020B0502040204020203" pitchFamily="34" charset="0"/>
-                <a:ea typeface="Calibri" panose="020F0502020204030204" pitchFamily="34" charset="0"/>
-                <a:cs typeface="Times New Roman" panose="02020603050405020304" pitchFamily="18" charset="0"/>
-              </a:rPr>
-              <a:t>	</a:t>
-            </a:r>
-            <a:r>
-              <a:rPr lang="en-US" dirty="0" smtClean="0">
-                <a:effectLst/>
-                <a:latin typeface="Segoe UI" panose="020B0502040204020203" pitchFamily="34" charset="0"/>
-                <a:ea typeface="Calibri" panose="020F0502020204030204" pitchFamily="34" charset="0"/>
-                <a:cs typeface="Times New Roman" panose="02020603050405020304" pitchFamily="18" charset="0"/>
-              </a:rPr>
-              <a:t>The current page level</a:t>
-            </a:r>
-          </a:p>
-          <a:p>
-            <a:pPr lvl="0">
-              <a:lnSpc>
-                <a:spcPct val="107000"/>
-              </a:lnSpc>
-              <a:spcAft>
-                <a:spcPts val="800"/>
-              </a:spcAft>
-            </a:pPr>
-            <a:r>
-              <a:rPr lang="en-US" dirty="0" smtClean="0">
-                <a:latin typeface="Segoe UI" panose="020B0502040204020203" pitchFamily="34" charset="0"/>
-                <a:ea typeface="Calibri" panose="020F0502020204030204" pitchFamily="34" charset="0"/>
-                <a:cs typeface="Times New Roman" panose="02020603050405020304" pitchFamily="18" charset="0"/>
-              </a:rPr>
-              <a:t>	All page level</a:t>
-            </a:r>
-            <a:endParaRPr lang="en-US" dirty="0">
-              <a:effectLst/>
-              <a:latin typeface="Calibri" panose="020F0502020204030204" pitchFamily="34" charset="0"/>
-              <a:ea typeface="Calibri" panose="020F0502020204030204" pitchFamily="34" charset="0"/>
-              <a:cs typeface="Times New Roman" panose="02020603050405020304" pitchFamily="18" charset="0"/>
             </a:endParaRPr>
           </a:p>
         </p:txBody>
@@ -7462,12 +8944,12 @@
           <a:bodyPr rtlCol="0" anchor="ctr"/>
           <a:lstStyle/>
           <a:p>
-            <a:pPr algn="ctr"/>
-            <a:r>
-              <a:rPr lang="fr-FR" b="1" dirty="0" smtClean="0"/>
+            <a:pPr xmlns:a="http://schemas.openxmlformats.org/drawingml/2006/main" algn="ctr"/>
+            <a:r xmlns:a="http://schemas.openxmlformats.org/drawingml/2006/main">
+              <a:rPr lang="en" b="1" dirty="0" smtClean="0"/>
               <a:t>1</a:t>
             </a:r>
-            <a:endParaRPr lang="en-US" b="1" dirty="0"/>
+            <a:endParaRPr xmlns:a="http://schemas.openxmlformats.org/drawingml/2006/main" lang="en-US" b="1" dirty="0"/>
           </a:p>
         </p:txBody>
       </p:sp>
@@ -7512,12 +8994,181 @@
           <a:bodyPr rtlCol="0" anchor="ctr"/>
           <a:lstStyle/>
           <a:p>
-            <a:pPr algn="ctr"/>
-            <a:r>
-              <a:rPr lang="fr-FR" b="1" dirty="0" smtClean="0"/>
+            <a:pPr xmlns:a="http://schemas.openxmlformats.org/drawingml/2006/main" algn="ctr"/>
+            <a:r xmlns:a="http://schemas.openxmlformats.org/drawingml/2006/main">
+              <a:rPr lang="en" b="1" dirty="0" smtClean="0"/>
               <a:t>2</a:t>
             </a:r>
-            <a:endParaRPr lang="en-US" b="1" dirty="0"/>
+            <a:endParaRPr xmlns:a="http://schemas.openxmlformats.org/drawingml/2006/main" lang="en-US" b="1" dirty="0"/>
+          </a:p>
+        </p:txBody>
+      </p:sp>
+      <p:sp>
+        <p:nvSpPr>
+          <p:cNvPr id="4" name="Rectangle 1"/>
+          <p:cNvSpPr>
+            <a:spLocks noChangeArrowheads="1"/>
+          </p:cNvSpPr>
+          <p:nvPr/>
+        </p:nvSpPr>
+        <p:spPr bwMode="auto">
+          <a:xfrm>
+            <a:off x="309384" y="948114"/>
+            <a:ext cx="11054821" cy="1323439"/>
+          </a:xfrm>
+          <a:prstGeom prst="rect">
+            <a:avLst/>
+          </a:prstGeom>
+          <a:noFill/>
+          <a:ln>
+            <a:noFill/>
+          </a:ln>
+          <a:effectLst/>
+          <a:extLst>
+            <a:ext uri="{909E8E84-426E-40DD-AFC4-6F175D3DCCD1}">
+              <a14:hiddenFill xmlns:a14="http://schemas.microsoft.com/office/drawing/2010/main">
+                <a:solidFill>
+                  <a:schemeClr val="accent1"/>
+                </a:solidFill>
+              </a14:hiddenFill>
+            </a:ext>
+            <a:ext uri="{91240B29-F687-4F45-9708-019B960494DF}">
+              <a14:hiddenLine xmlns:a14="http://schemas.microsoft.com/office/drawing/2010/main" w="9525">
+                <a:solidFill>
+                  <a:schemeClr val="tx1"/>
+                </a:solidFill>
+                <a:miter lim="800000"/>
+                <a:headEnd/>
+                <a:tailEnd/>
+              </a14:hiddenLine>
+            </a:ext>
+            <a:ext uri="{AF507438-7753-43E0-B8FC-AC1667EBCBE1}">
+              <a14:hiddenEffects xmlns:a14="http://schemas.microsoft.com/office/drawing/2010/main">
+                <a:effectLst>
+                  <a:outerShdw dist="35921" dir="2700000" algn="ctr" rotWithShape="0">
+                    <a:schemeClr val="bg2"/>
+                  </a:outerShdw>
+                </a:effectLst>
+              </a14:hiddenEffects>
+            </a:ext>
+          </a:extLst>
+        </p:spPr>
+        <p:txBody>
+          <a:bodyPr vert="horz" wrap="none" lIns="91440" tIns="45720" rIns="91440" bIns="45720" numCol="1" anchor="ctr" anchorCtr="0" compatLnSpc="1">
+            <a:prstTxWarp prst="textNoShape">
+              <a:avLst/>
+            </a:prstTxWarp>
+            <a:spAutoFit/>
+          </a:bodyPr>
+          <a:lstStyle/>
+          <a:p>
+            <a:pPr xmlns:a="http://schemas.openxmlformats.org/drawingml/2006/main" marL="0" marR="0" lvl="0" indent="0" algn="l" defTabSz="914400" rtl="0" eaLnBrk="0" fontAlgn="base" latinLnBrk="0" hangingPunct="0">
+              <a:lnSpc>
+                <a:spcPct val="100000"/>
+              </a:lnSpc>
+              <a:spcBef>
+                <a:spcPct val="0"/>
+              </a:spcBef>
+              <a:spcAft>
+                <a:spcPct val="0"/>
+              </a:spcAft>
+              <a:buClrTx/>
+              <a:buSzTx/>
+              <a:buFontTx/>
+              <a:buNone/>
+              <a:tabLst/>
+            </a:pPr>
+            <a:r xmlns:a="http://schemas.openxmlformats.org/drawingml/2006/main">
+              <a:rPr kumimoji="0" lang="en" altLang="en-US" sz="2000" b="0" i="0" u="none" strike="noStrike" cap="none" normalizeH="0" baseline="0" dirty="0" smtClean="0">
+                <a:ln>
+                  <a:noFill/>
+                </a:ln>
+                <a:solidFill>
+                  <a:schemeClr val="tx1"/>
+                </a:solidFill>
+                <a:effectLst/>
+                <a:latin typeface="Arial" panose="020B0604020202020204" pitchFamily="34" charset="0"/>
+              </a:rPr>
+              <a:t>Note that when no visual is selected, the filter pane displays two filter levels:</a:t>
+            </a:r>
+          </a:p>
+          <a:p>
+            <a:pPr xmlns:a="http://schemas.openxmlformats.org/drawingml/2006/main" lvl="1" eaLnBrk="0" fontAlgn="base" hangingPunct="0">
+              <a:spcBef>
+                <a:spcPct val="0"/>
+              </a:spcBef>
+              <a:spcAft>
+                <a:spcPct val="0"/>
+              </a:spcAft>
+              <a:buFontTx/>
+              <a:buChar char="•"/>
+            </a:pPr>
+            <a:r xmlns:a="http://schemas.openxmlformats.org/drawingml/2006/main">
+              <a:rPr kumimoji="0" lang="en" altLang="en-US" sz="2000" b="0" i="0" u="none" strike="noStrike" cap="none" normalizeH="0" baseline="0" dirty="0" smtClean="0">
+                <a:ln>
+                  <a:noFill/>
+                </a:ln>
+                <a:solidFill>
+                  <a:schemeClr val="tx1"/>
+                </a:solidFill>
+                <a:effectLst/>
+                <a:latin typeface="Arial" panose="020B0604020202020204" pitchFamily="34" charset="0"/>
+              </a:rPr>
+              <a:t>The current page level</a:t>
+            </a:r>
+          </a:p>
+          <a:p>
+            <a:pPr xmlns:a="http://schemas.openxmlformats.org/drawingml/2006/main" lvl="1" eaLnBrk="0" fontAlgn="base" hangingPunct="0">
+              <a:spcBef>
+                <a:spcPct val="0"/>
+              </a:spcBef>
+              <a:spcAft>
+                <a:spcPct val="0"/>
+              </a:spcAft>
+              <a:buFontTx/>
+              <a:buChar char="•"/>
+            </a:pPr>
+            <a:r xmlns:a="http://schemas.openxmlformats.org/drawingml/2006/main">
+              <a:rPr kumimoji="0" lang="en" altLang="en-US" sz="2000" b="0" i="0" u="none" strike="noStrike" cap="none" normalizeH="0" baseline="0" dirty="0" smtClean="0">
+                <a:ln>
+                  <a:noFill/>
+                </a:ln>
+                <a:solidFill>
+                  <a:schemeClr val="tx1"/>
+                </a:solidFill>
+                <a:effectLst/>
+                <a:latin typeface="Arial" panose="020B0604020202020204" pitchFamily="34" charset="0"/>
+              </a:rPr>
+              <a:t>The level of all pages</a:t>
+            </a:r>
+          </a:p>
+          <a:p>
+            <a:pPr marL="0" marR="0" lvl="0" indent="0" algn="l" defTabSz="914400" rtl="0" eaLnBrk="0" fontAlgn="base" latinLnBrk="0" hangingPunct="0">
+              <a:lnSpc>
+                <a:spcPct val="100000"/>
+              </a:lnSpc>
+              <a:spcBef>
+                <a:spcPct val="0"/>
+              </a:spcBef>
+              <a:spcAft>
+                <a:spcPct val="0"/>
+              </a:spcAft>
+              <a:buClrTx/>
+              <a:buSzTx/>
+              <a:buFontTx/>
+              <a:buNone/>
+              <a:tabLst/>
+            </a:pPr>
+            <a:endParaRPr kumimoji="0" lang="fr-FR" altLang="en-US" sz="2000" b="0" i="0" u="none" strike="noStrike" cap="none" normalizeH="0" baseline="0" dirty="0" smtClean="0">
+              <a:ln>
+                <a:noFill/>
+              </a:ln>
+              <a:solidFill>
+                <a:schemeClr val="tx1"/>
+              </a:solidFill>
+              <a:effectLst/>
+              <a:latin typeface="Arial" panose="020B0604020202020204" pitchFamily="34" charset="0"/>
+            </a:endParaRPr>
           </a:p>
         </p:txBody>
       </p:sp>
@@ -7573,14 +9224,14 @@
           </a:bodyPr>
           <a:lstStyle/>
           <a:p>
-            <a:r>
-              <a:rPr lang="en-US" sz="3200" dirty="0" smtClean="0">
+            <a:r xmlns:a="http://schemas.openxmlformats.org/drawingml/2006/main">
+              <a:rPr lang="en" sz="3200" dirty="0" smtClean="0">
                 <a:latin typeface="Segoe UI" panose="020B0502040204020203" pitchFamily="34" charset="0"/>
                 <a:cs typeface="Segoe UI" panose="020B0502040204020203" pitchFamily="34" charset="0"/>
               </a:rPr>
               <a:t>Filter</a:t>
             </a:r>
-            <a:endParaRPr lang="en-US" sz="3200" dirty="0">
+            <a:endParaRPr xmlns:a="http://schemas.openxmlformats.org/drawingml/2006/main" lang="en-US" sz="3200" dirty="0">
               <a:latin typeface="Segoe UI" panose="020B0502040204020203" pitchFamily="34" charset="0"/>
               <a:cs typeface="Segoe UI" panose="020B0502040204020203" pitchFamily="34" charset="0"/>
             </a:endParaRPr>
@@ -7608,7 +9259,7 @@
           </a:bodyPr>
           <a:lstStyle/>
           <a:p>
-            <a:pPr lvl="0">
+            <a:pPr xmlns:a="http://schemas.openxmlformats.org/drawingml/2006/main" lvl="0">
               <a:lnSpc>
                 <a:spcPct val="107000"/>
               </a:lnSpc>
@@ -7616,15 +9267,15 @@
                 <a:spcPts val="800"/>
               </a:spcAft>
             </a:pPr>
-            <a:r>
-              <a:rPr lang="en-US" dirty="0" smtClean="0">
+            <a:r xmlns:a="http://schemas.openxmlformats.org/drawingml/2006/main">
+              <a:rPr lang="en" dirty="0" smtClean="0">
                 <a:latin typeface="Segoe UI" panose="020B0502040204020203" pitchFamily="34" charset="0"/>
                 <a:ea typeface="Calibri" panose="020F0502020204030204" pitchFamily="34" charset="0"/>
                 <a:cs typeface="Times New Roman" panose="02020603050405020304" pitchFamily="18" charset="0"/>
               </a:rPr>
-              <a:t>Note when a visual is selected the Filters pane shows a third filter level, that of the visual</a:t>
-            </a:r>
-            <a:endParaRPr lang="en-US" sz="1400" dirty="0">
+              <a:t>Note when a Visual is selected a third level of filtering appears</a:t>
+            </a:r>
+            <a:endParaRPr xmlns:a="http://schemas.openxmlformats.org/drawingml/2006/main" lang="fr-FR" sz="1400" dirty="0">
               <a:effectLst/>
               <a:latin typeface="Calibri" panose="020F0502020204030204" pitchFamily="34" charset="0"/>
               <a:ea typeface="Calibri" panose="020F0502020204030204" pitchFamily="34" charset="0"/>
@@ -7722,12 +9373,12 @@
           <a:bodyPr rtlCol="0" anchor="ctr"/>
           <a:lstStyle/>
           <a:p>
-            <a:pPr algn="ctr"/>
-            <a:r>
-              <a:rPr lang="fr-FR" b="1" dirty="0" smtClean="0"/>
+            <a:pPr xmlns:a="http://schemas.openxmlformats.org/drawingml/2006/main" algn="ctr"/>
+            <a:r xmlns:a="http://schemas.openxmlformats.org/drawingml/2006/main">
+              <a:rPr lang="en" b="1" dirty="0" smtClean="0"/>
               <a:t>1</a:t>
             </a:r>
-            <a:endParaRPr lang="en-US" b="1" dirty="0"/>
+            <a:endParaRPr xmlns:a="http://schemas.openxmlformats.org/drawingml/2006/main" lang="en-US" b="1" dirty="0"/>
           </a:p>
         </p:txBody>
       </p:sp>
@@ -7772,12 +9423,12 @@
           <a:bodyPr rtlCol="0" anchor="ctr"/>
           <a:lstStyle/>
           <a:p>
-            <a:pPr algn="ctr"/>
-            <a:r>
-              <a:rPr lang="fr-FR" b="1" dirty="0" smtClean="0"/>
+            <a:pPr xmlns:a="http://schemas.openxmlformats.org/drawingml/2006/main" algn="ctr"/>
+            <a:r xmlns:a="http://schemas.openxmlformats.org/drawingml/2006/main">
+              <a:rPr lang="en" b="1" dirty="0" smtClean="0"/>
               <a:t>2</a:t>
             </a:r>
-            <a:endParaRPr lang="en-US" b="1" dirty="0"/>
+            <a:endParaRPr xmlns:a="http://schemas.openxmlformats.org/drawingml/2006/main" lang="en-US" b="1" dirty="0"/>
           </a:p>
         </p:txBody>
       </p:sp>
@@ -7822,12 +9473,12 @@
           <a:bodyPr rtlCol="0" anchor="ctr"/>
           <a:lstStyle/>
           <a:p>
-            <a:pPr algn="ctr"/>
-            <a:r>
-              <a:rPr lang="fr-FR" b="1" dirty="0" smtClean="0"/>
+            <a:pPr xmlns:a="http://schemas.openxmlformats.org/drawingml/2006/main" algn="ctr"/>
+            <a:r xmlns:a="http://schemas.openxmlformats.org/drawingml/2006/main">
+              <a:rPr lang="en" b="1" dirty="0" smtClean="0"/>
               <a:t>3</a:t>
             </a:r>
-            <a:endParaRPr lang="en-US" b="1" dirty="0"/>
+            <a:endParaRPr xmlns:a="http://schemas.openxmlformats.org/drawingml/2006/main" lang="en-US" b="1" dirty="0"/>
           </a:p>
         </p:txBody>
       </p:sp>
@@ -7883,190 +9534,16 @@
           </a:bodyPr>
           <a:lstStyle/>
           <a:p>
-            <a:r>
-              <a:rPr lang="en-US" sz="3200" dirty="0" smtClean="0">
+            <a:r xmlns:a="http://schemas.openxmlformats.org/drawingml/2006/main">
+              <a:rPr lang="en" sz="3200" dirty="0" smtClean="0">
                 <a:latin typeface="Segoe UI" panose="020B0502040204020203" pitchFamily="34" charset="0"/>
                 <a:cs typeface="Segoe UI" panose="020B0502040204020203" pitchFamily="34" charset="0"/>
               </a:rPr>
               <a:t>Filter</a:t>
             </a:r>
-            <a:endParaRPr lang="en-US" sz="3200" dirty="0">
+            <a:endParaRPr xmlns:a="http://schemas.openxmlformats.org/drawingml/2006/main" lang="en-US" sz="3200" dirty="0">
               <a:latin typeface="Segoe UI" panose="020B0502040204020203" pitchFamily="34" charset="0"/>
               <a:cs typeface="Segoe UI" panose="020B0502040204020203" pitchFamily="34" charset="0"/>
-            </a:endParaRPr>
-          </a:p>
-        </p:txBody>
-      </p:sp>
-      <p:sp>
-        <p:nvSpPr>
-          <p:cNvPr id="3" name="Rectangle 2"/>
-          <p:cNvSpPr/>
-          <p:nvPr/>
-        </p:nvSpPr>
-        <p:spPr>
-          <a:xfrm>
-            <a:off x="309383" y="916984"/>
-            <a:ext cx="11584691" cy="670055"/>
-          </a:xfrm>
-          <a:prstGeom prst="rect">
-            <a:avLst/>
-          </a:prstGeom>
-        </p:spPr>
-        <p:txBody>
-          <a:bodyPr wrap="square">
-            <a:spAutoFit/>
-          </a:bodyPr>
-          <a:lstStyle/>
-          <a:p>
-            <a:pPr lvl="0">
-              <a:lnSpc>
-                <a:spcPct val="107000"/>
-              </a:lnSpc>
-              <a:spcAft>
-                <a:spcPts val="800"/>
-              </a:spcAft>
-            </a:pPr>
-            <a:r>
-              <a:rPr lang="en-US" dirty="0" smtClean="0">
-                <a:latin typeface="Segoe UI" panose="020B0502040204020203" pitchFamily="34" charset="0"/>
-                <a:ea typeface="Calibri" panose="020F0502020204030204" pitchFamily="34" charset="0"/>
-                <a:cs typeface="Times New Roman" panose="02020603050405020304" pitchFamily="18" charset="0"/>
-              </a:rPr>
-              <a:t>Try to apply the filter based on the </a:t>
-            </a:r>
-            <a:r>
-              <a:rPr lang="en-US" b="1" dirty="0" err="1" smtClean="0">
-                <a:latin typeface="Segoe UI" panose="020B0502040204020203" pitchFamily="34" charset="0"/>
-                <a:ea typeface="Calibri" panose="020F0502020204030204" pitchFamily="34" charset="0"/>
-                <a:cs typeface="Times New Roman" panose="02020603050405020304" pitchFamily="18" charset="0"/>
-              </a:rPr>
-              <a:t>ContinentName</a:t>
-            </a:r>
-            <a:r>
-              <a:rPr lang="en-US" dirty="0" smtClean="0">
-                <a:latin typeface="Segoe UI" panose="020B0502040204020203" pitchFamily="34" charset="0"/>
-                <a:ea typeface="Calibri" panose="020F0502020204030204" pitchFamily="34" charset="0"/>
-                <a:cs typeface="Times New Roman" panose="02020603050405020304" pitchFamily="18" charset="0"/>
-              </a:rPr>
-              <a:t> for each of the levels separately, the </a:t>
-            </a:r>
-            <a:r>
-              <a:rPr lang="en-US" b="1" dirty="0" smtClean="0">
-                <a:latin typeface="Segoe UI" panose="020B0502040204020203" pitchFamily="34" charset="0"/>
-                <a:ea typeface="Calibri" panose="020F0502020204030204" pitchFamily="34" charset="0"/>
-                <a:cs typeface="Times New Roman" panose="02020603050405020304" pitchFamily="18" charset="0"/>
-              </a:rPr>
-              <a:t>visual</a:t>
-            </a:r>
-            <a:r>
-              <a:rPr lang="en-US" dirty="0" smtClean="0">
-                <a:latin typeface="Segoe UI" panose="020B0502040204020203" pitchFamily="34" charset="0"/>
-                <a:ea typeface="Calibri" panose="020F0502020204030204" pitchFamily="34" charset="0"/>
-                <a:cs typeface="Times New Roman" panose="02020603050405020304" pitchFamily="18" charset="0"/>
-              </a:rPr>
-              <a:t> then the </a:t>
-            </a:r>
-            <a:r>
-              <a:rPr lang="en-US" b="1" dirty="0" smtClean="0">
-                <a:latin typeface="Segoe UI" panose="020B0502040204020203" pitchFamily="34" charset="0"/>
-                <a:ea typeface="Calibri" panose="020F0502020204030204" pitchFamily="34" charset="0"/>
-                <a:cs typeface="Times New Roman" panose="02020603050405020304" pitchFamily="18" charset="0"/>
-              </a:rPr>
-              <a:t>current page </a:t>
-            </a:r>
-            <a:r>
-              <a:rPr lang="en-US" dirty="0" smtClean="0">
-                <a:latin typeface="Segoe UI" panose="020B0502040204020203" pitchFamily="34" charset="0"/>
-                <a:ea typeface="Calibri" panose="020F0502020204030204" pitchFamily="34" charset="0"/>
-                <a:cs typeface="Times New Roman" panose="02020603050405020304" pitchFamily="18" charset="0"/>
-              </a:rPr>
-              <a:t>and then </a:t>
-            </a:r>
-            <a:r>
-              <a:rPr lang="en-US" b="1" dirty="0" smtClean="0">
-                <a:latin typeface="Segoe UI" panose="020B0502040204020203" pitchFamily="34" charset="0"/>
-                <a:ea typeface="Calibri" panose="020F0502020204030204" pitchFamily="34" charset="0"/>
-                <a:cs typeface="Times New Roman" panose="02020603050405020304" pitchFamily="18" charset="0"/>
-              </a:rPr>
-              <a:t>all pages</a:t>
-            </a:r>
-            <a:endParaRPr lang="en-US" sz="1400" b="1" dirty="0">
-              <a:effectLst/>
-              <a:latin typeface="Calibri" panose="020F0502020204030204" pitchFamily="34" charset="0"/>
-              <a:ea typeface="Calibri" panose="020F0502020204030204" pitchFamily="34" charset="0"/>
-              <a:cs typeface="Times New Roman" panose="02020603050405020304" pitchFamily="18" charset="0"/>
-            </a:endParaRPr>
-          </a:p>
-        </p:txBody>
-      </p:sp>
-      <p:sp>
-        <p:nvSpPr>
-          <p:cNvPr id="10" name="Rectangle 9"/>
-          <p:cNvSpPr/>
-          <p:nvPr/>
-        </p:nvSpPr>
-        <p:spPr>
-          <a:xfrm>
-            <a:off x="354931" y="1726744"/>
-            <a:ext cx="9144001" cy="1007968"/>
-          </a:xfrm>
-          <a:prstGeom prst="rect">
-            <a:avLst/>
-          </a:prstGeom>
-        </p:spPr>
-        <p:txBody>
-          <a:bodyPr wrap="square">
-            <a:spAutoFit/>
-          </a:bodyPr>
-          <a:lstStyle/>
-          <a:p>
-            <a:pPr>
-              <a:lnSpc>
-                <a:spcPct val="107000"/>
-              </a:lnSpc>
-              <a:spcAft>
-                <a:spcPts val="800"/>
-              </a:spcAft>
-            </a:pPr>
-            <a:r>
-              <a:rPr lang="en-US" dirty="0" smtClean="0">
-                <a:latin typeface="Segoe UI" panose="020B0502040204020203" pitchFamily="34" charset="0"/>
-                <a:ea typeface="Calibri" panose="020F0502020204030204" pitchFamily="34" charset="0"/>
-                <a:cs typeface="Times New Roman" panose="02020603050405020304" pitchFamily="18" charset="0"/>
-              </a:rPr>
-              <a:t>Notice the change in the interface and also notice the type of filter which is </a:t>
-            </a:r>
-            <a:r>
-              <a:rPr lang="en-US" dirty="0" smtClean="0">
-                <a:latin typeface="Segoe UI" panose="020B0502040204020203" pitchFamily="34" charset="0"/>
-                <a:ea typeface="Calibri" panose="020F0502020204030204" pitchFamily="34" charset="0"/>
-                <a:cs typeface="Times New Roman" panose="02020603050405020304" pitchFamily="18" charset="0"/>
-              </a:rPr>
-              <a:t>basic, </a:t>
-            </a:r>
-            <a:r>
-              <a:rPr lang="en-US" dirty="0">
-                <a:latin typeface="Segoe UI" panose="020B0502040204020203" pitchFamily="34" charset="0"/>
-                <a:ea typeface="Calibri" panose="020F0502020204030204" pitchFamily="34" charset="0"/>
-                <a:cs typeface="Segoe UI" panose="020B0502040204020203" pitchFamily="34" charset="0"/>
-              </a:rPr>
-              <a:t>Expand the filter type drop-down list</a:t>
-            </a:r>
-          </a:p>
-          <a:p>
-            <a:pPr lvl="0">
-              <a:lnSpc>
-                <a:spcPct val="107000"/>
-              </a:lnSpc>
-              <a:spcAft>
-                <a:spcPts val="800"/>
-              </a:spcAft>
-            </a:pPr>
-            <a:endParaRPr lang="en-US" sz="1400" dirty="0">
-              <a:effectLst/>
-              <a:latin typeface="Calibri" panose="020F0502020204030204" pitchFamily="34" charset="0"/>
-              <a:ea typeface="Calibri" panose="020F0502020204030204" pitchFamily="34" charset="0"/>
-              <a:cs typeface="Times New Roman" panose="02020603050405020304" pitchFamily="18" charset="0"/>
             </a:endParaRPr>
           </a:p>
         </p:txBody>
@@ -8110,6 +9587,72 @@
           </a:effectLst>
         </p:spPr>
       </p:pic>
+      <p:sp>
+        <p:nvSpPr>
+          <p:cNvPr id="4" name="Rectangle 3"/>
+          <p:cNvSpPr/>
+          <p:nvPr/>
+        </p:nvSpPr>
+        <p:spPr>
+          <a:xfrm>
+            <a:off x="354931" y="861917"/>
+            <a:ext cx="10365206" cy="646331"/>
+          </a:xfrm>
+          <a:prstGeom prst="rect">
+            <a:avLst/>
+          </a:prstGeom>
+        </p:spPr>
+        <p:txBody>
+          <a:bodyPr wrap="square">
+            <a:spAutoFit/>
+          </a:bodyPr>
+          <a:lstStyle/>
+          <a:p>
+            <a:r xmlns:a="http://schemas.openxmlformats.org/drawingml/2006/main">
+              <a:rPr lang="en" dirty="0"/>
+              <a:t>Try applying the filter based on </a:t>
+            </a:r>
+            <a:r xmlns:a="http://schemas.openxmlformats.org/drawingml/2006/main">
+              <a:rPr lang="en" b="1" dirty="0" err="1"/>
+              <a:t>ContinentName </a:t>
+            </a:r>
+            <a:r xmlns:a="http://schemas.openxmlformats.org/drawingml/2006/main">
+              <a:rPr lang="en" dirty="0"/>
+              <a:t>for each of the levels separately: the visual, then the current page, then all pages.</a:t>
+            </a:r>
+            <a:endParaRPr xmlns:a="http://schemas.openxmlformats.org/drawingml/2006/main" lang="en-US" dirty="0"/>
+          </a:p>
+        </p:txBody>
+      </p:sp>
+      <p:sp>
+        <p:nvSpPr>
+          <p:cNvPr id="5" name="Rectangle 4"/>
+          <p:cNvSpPr/>
+          <p:nvPr/>
+        </p:nvSpPr>
+        <p:spPr>
+          <a:xfrm>
+            <a:off x="437146" y="1592886"/>
+            <a:ext cx="10764253" cy="646331"/>
+          </a:xfrm>
+          <a:prstGeom prst="rect">
+            <a:avLst/>
+          </a:prstGeom>
+        </p:spPr>
+        <p:txBody>
+          <a:bodyPr wrap="square">
+            <a:spAutoFit/>
+          </a:bodyPr>
+          <a:lstStyle/>
+          <a:p>
+            <a:r xmlns:a="http://schemas.openxmlformats.org/drawingml/2006/main">
+              <a:rPr lang="en" dirty="0"/>
+              <a:t>Notice the change in the interface and also note that the filter type is basic. Expand the filter type drop-down list.</a:t>
+            </a:r>
+            <a:endParaRPr xmlns:a="http://schemas.openxmlformats.org/drawingml/2006/main" lang="en-US" dirty="0"/>
+          </a:p>
+        </p:txBody>
+      </p:sp>
     </p:spTree>
     <p:extLst>
       <p:ext uri="{BB962C8B-B14F-4D97-AF65-F5344CB8AC3E}">
@@ -8162,108 +9705,16 @@
           </a:bodyPr>
           <a:lstStyle/>
           <a:p>
-            <a:r>
-              <a:rPr lang="en-US" sz="3200" dirty="0" smtClean="0">
+            <a:r xmlns:a="http://schemas.openxmlformats.org/drawingml/2006/main">
+              <a:rPr lang="en" sz="3200" dirty="0" smtClean="0">
                 <a:latin typeface="Segoe UI" panose="020B0502040204020203" pitchFamily="34" charset="0"/>
                 <a:cs typeface="Segoe UI" panose="020B0502040204020203" pitchFamily="34" charset="0"/>
               </a:rPr>
               <a:t>Filter</a:t>
             </a:r>
-            <a:endParaRPr lang="en-US" sz="3200" dirty="0">
+            <a:endParaRPr xmlns:a="http://schemas.openxmlformats.org/drawingml/2006/main" lang="en-US" sz="3200" dirty="0">
               <a:latin typeface="Segoe UI" panose="020B0502040204020203" pitchFamily="34" charset="0"/>
               <a:cs typeface="Segoe UI" panose="020B0502040204020203" pitchFamily="34" charset="0"/>
-            </a:endParaRPr>
-          </a:p>
-        </p:txBody>
-      </p:sp>
-      <p:sp>
-        <p:nvSpPr>
-          <p:cNvPr id="5" name="Rectangle 4"/>
-          <p:cNvSpPr/>
-          <p:nvPr/>
-        </p:nvSpPr>
-        <p:spPr>
-          <a:xfrm>
-            <a:off x="309384" y="848962"/>
-            <a:ext cx="2813399" cy="373692"/>
-          </a:xfrm>
-          <a:prstGeom prst="rect">
-            <a:avLst/>
-          </a:prstGeom>
-        </p:spPr>
-        <p:txBody>
-          <a:bodyPr wrap="none">
-            <a:spAutoFit/>
-          </a:bodyPr>
-          <a:lstStyle/>
-          <a:p>
-            <a:pPr lvl="0">
-              <a:lnSpc>
-                <a:spcPct val="107000"/>
-              </a:lnSpc>
-              <a:spcAft>
-                <a:spcPts val="800"/>
-              </a:spcAft>
-            </a:pPr>
-            <a:r>
-              <a:rPr lang="en-US" dirty="0" smtClean="0">
-                <a:latin typeface="Segoe UI" panose="020B0502040204020203" pitchFamily="34" charset="0"/>
-                <a:ea typeface="Calibri" panose="020F0502020204030204" pitchFamily="34" charset="0"/>
-                <a:cs typeface="Times New Roman" panose="02020603050405020304" pitchFamily="18" charset="0"/>
-              </a:rPr>
-              <a:t>Keep the Basic Alternative</a:t>
-            </a:r>
-            <a:endParaRPr lang="en-US" sz="1400" dirty="0">
-              <a:effectLst/>
-              <a:latin typeface="Calibri" panose="020F0502020204030204" pitchFamily="34" charset="0"/>
-              <a:ea typeface="Calibri" panose="020F0502020204030204" pitchFamily="34" charset="0"/>
-              <a:cs typeface="Times New Roman" panose="02020603050405020304" pitchFamily="18" charset="0"/>
-            </a:endParaRPr>
-          </a:p>
-        </p:txBody>
-      </p:sp>
-      <p:sp>
-        <p:nvSpPr>
-          <p:cNvPr id="6" name="Rectangle 5"/>
-          <p:cNvSpPr/>
-          <p:nvPr/>
-        </p:nvSpPr>
-        <p:spPr>
-          <a:xfrm>
-            <a:off x="309384" y="1222654"/>
-            <a:ext cx="8435855" cy="373692"/>
-          </a:xfrm>
-          <a:prstGeom prst="rect">
-            <a:avLst/>
-          </a:prstGeom>
-        </p:spPr>
-        <p:txBody>
-          <a:bodyPr wrap="square">
-            <a:spAutoFit/>
-          </a:bodyPr>
-          <a:lstStyle/>
-          <a:p>
-            <a:pPr lvl="0">
-              <a:lnSpc>
-                <a:spcPct val="107000"/>
-              </a:lnSpc>
-              <a:spcAft>
-                <a:spcPts val="800"/>
-              </a:spcAft>
-            </a:pPr>
-            <a:r>
-              <a:rPr lang="en-US" dirty="0" smtClean="0">
-                <a:latin typeface="Segoe UI" panose="020B0502040204020203" pitchFamily="34" charset="0"/>
-                <a:ea typeface="Calibri" panose="020F0502020204030204" pitchFamily="34" charset="0"/>
-                <a:cs typeface="Times New Roman" panose="02020603050405020304" pitchFamily="18" charset="0"/>
-              </a:rPr>
-              <a:t>Select Africa and observe the change in the geographic map visualization</a:t>
-            </a:r>
-            <a:endParaRPr lang="en-US" sz="1400" dirty="0">
-              <a:effectLst/>
-              <a:latin typeface="Calibri" panose="020F0502020204030204" pitchFamily="34" charset="0"/>
-              <a:ea typeface="Calibri" panose="020F0502020204030204" pitchFamily="34" charset="0"/>
-              <a:cs typeface="Times New Roman" panose="02020603050405020304" pitchFamily="18" charset="0"/>
             </a:endParaRPr>
           </a:p>
         </p:txBody>
@@ -8310,6 +9761,80 @@
           </a:extLst>
         </p:spPr>
       </p:pic>
+      <p:sp>
+        <p:nvSpPr>
+          <p:cNvPr id="2" name="Rectangle 1"/>
+          <p:cNvSpPr/>
+          <p:nvPr/>
+        </p:nvSpPr>
+        <p:spPr>
+          <a:xfrm>
+            <a:off x="266905" y="853322"/>
+            <a:ext cx="2802947" cy="369332"/>
+          </a:xfrm>
+          <a:prstGeom prst="rect">
+            <a:avLst/>
+          </a:prstGeom>
+        </p:spPr>
+        <p:txBody>
+          <a:bodyPr wrap="none">
+            <a:spAutoFit/>
+          </a:bodyPr>
+          <a:lstStyle/>
+          <a:p>
+            <a:r xmlns:a="http://schemas.openxmlformats.org/drawingml/2006/main">
+              <a:rPr lang="en" dirty="0" err="1"/>
+              <a:t>Keep</a:t>
+            </a:r>
+            <a:r xmlns:a="http://schemas.openxmlformats.org/drawingml/2006/main">
+              <a:rPr lang="en" dirty="0"/>
+              <a:t> </a:t>
+            </a:r>
+            <a:r xmlns:a="http://schemas.openxmlformats.org/drawingml/2006/main">
+              <a:rPr lang="en" dirty="0" err="1"/>
+              <a:t>the alternative</a:t>
+            </a:r>
+            <a:r xmlns:a="http://schemas.openxmlformats.org/drawingml/2006/main">
+              <a:rPr lang="en" dirty="0"/>
+              <a:t> </a:t>
+            </a:r>
+            <a:r xmlns:a="http://schemas.openxmlformats.org/drawingml/2006/main">
+              <a:rPr lang="en" dirty="0" err="1"/>
+              <a:t>Basic</a:t>
+            </a:r>
+            <a:endParaRPr xmlns:a="http://schemas.openxmlformats.org/drawingml/2006/main" lang="en-US" dirty="0"/>
+          </a:p>
+        </p:txBody>
+      </p:sp>
+      <p:sp>
+        <p:nvSpPr>
+          <p:cNvPr id="3" name="Rectangle 2"/>
+          <p:cNvSpPr/>
+          <p:nvPr/>
+        </p:nvSpPr>
+        <p:spPr>
+          <a:xfrm>
+            <a:off x="309384" y="1222654"/>
+            <a:ext cx="9988216" cy="369332"/>
+          </a:xfrm>
+          <a:prstGeom prst="rect">
+            <a:avLst/>
+          </a:prstGeom>
+        </p:spPr>
+        <p:txBody>
+          <a:bodyPr wrap="square">
+            <a:spAutoFit/>
+          </a:bodyPr>
+          <a:lstStyle/>
+          <a:p>
+            <a:r xmlns:a="http://schemas.openxmlformats.org/drawingml/2006/main">
+              <a:rPr lang="en" dirty="0"/>
+              <a:t>Select Africa and observe the change in the map view.</a:t>
+            </a:r>
+            <a:endParaRPr xmlns:a="http://schemas.openxmlformats.org/drawingml/2006/main" lang="en-US" dirty="0"/>
+          </a:p>
+        </p:txBody>
+      </p:sp>
     </p:spTree>
     <p:extLst>
       <p:ext uri="{BB962C8B-B14F-4D97-AF65-F5344CB8AC3E}">
